--- a/Abgabe/Abschlusspräsentation.pptx
+++ b/Abgabe/Abschlusspräsentation.pptx
@@ -126,6 +126,11 @@
       </a:defRPr>
     </a:lvl9pPr>
   </p:defaultTextStyle>
+  <p:extLst>
+    <p:ext uri="{EFAFB233-063F-42B5-8137-9DF3F51BA10A}">
+      <p15:sldGuideLst xmlns:p15="http://schemas.microsoft.com/office/powerpoint/2012/main"/>
+    </p:ext>
+  </p:extLst>
 </p:presentation>
 </file>
 
@@ -3725,13 +3730,13 @@
           <a:p>
             <a:r>
               <a:rPr lang="de-DE" dirty="0"/>
-              <a:t>Ein klar zu erkennender Trend ist die erhöhte Konzentration von O3 in den Sommermonaten. </a:t>
-            </a:r>
-          </a:p>
-          <a:p>
-            <a:r>
-              <a:rPr lang="de-DE" dirty="0"/>
-              <a:t>Dies kann auf die erhöhe Bildung von O3 im Sommer zurückgeführt werden[2].</a:t>
+              <a:t>Ein klar zu erkennender Trend ist die erhöhte Konzentration von Ozon in den Sommermonaten. </a:t>
+            </a:r>
+          </a:p>
+          <a:p>
+            <a:r>
+              <a:rPr lang="de-DE" dirty="0"/>
+              <a:t>Dies kann auf die erhöhe Bildung von Ozon im Sommer zurückgeführt werden[2].</a:t>
             </a:r>
           </a:p>
         </p:txBody>
@@ -3795,10 +3800,10 @@
       </p:sp>
       <p:pic>
         <p:nvPicPr>
-          <p:cNvPr id="5" name="Grafik 4">
-            <a:extLst>
-              <a:ext uri="{FF2B5EF4-FFF2-40B4-BE49-F238E27FC236}">
-                <a16:creationId xmlns:a16="http://schemas.microsoft.com/office/drawing/2014/main" id="{E700F071-DB8E-4B9F-AD15-988AE932DDA2}"/>
+          <p:cNvPr id="4" name="Grafik 3">
+            <a:extLst>
+              <a:ext uri="{FF2B5EF4-FFF2-40B4-BE49-F238E27FC236}">
+                <a16:creationId xmlns:a16="http://schemas.microsoft.com/office/drawing/2014/main" id="{78603933-2DCC-4537-84A5-67E32104BD1B}"/>
               </a:ext>
             </a:extLst>
           </p:cNvPr>
@@ -3815,8 +3820,8 @@
         </p:blipFill>
         <p:spPr>
           <a:xfrm>
-            <a:off x="1475933" y="3237097"/>
-            <a:ext cx="5204268" cy="3281971"/>
+            <a:off x="2582956" y="3296210"/>
+            <a:ext cx="5143500" cy="3143250"/>
           </a:xfrm>
           <a:prstGeom prst="rect">
             <a:avLst/>
@@ -3989,7 +3994,7 @@
           <a:p>
             <a:r>
               <a:rPr lang="de-DE" dirty="0"/>
-              <a:t>Unter 12°C gibt es keinen Datenpunkt mit einer Konzentration von O3 über</a:t>
+              <a:t>Unter 12°C gibt es keinen Datenpunkt mit einer Konzentration von Ozon über</a:t>
             </a:r>
             <a:r>
               <a:rPr lang="el-GR" dirty="0"/>
@@ -4003,7 +4008,7 @@
           <a:p>
             <a:r>
               <a:rPr lang="de-DE" dirty="0"/>
-              <a:t>Erklären lässt sich dies durch den direkten Zusammenhang zwischen höheren Temperaturen und der O3 Bildungsrate [2]</a:t>
+              <a:t>Erklären lässt sich dies durch den direkten Zusammenhang zwischen höheren Temperaturen und der Ozon Bildungsrate [2]</a:t>
             </a:r>
           </a:p>
         </p:txBody>
@@ -4495,15 +4500,7 @@
           <a:p>
             <a:r>
               <a:rPr lang="de-DE" dirty="0"/>
-              <a:t>Alle Schadstofftypen im Ein-Stunden-Mittelwert für Deutschland (</a:t>
-            </a:r>
-            <a:r>
-              <a:rPr lang="de-DE" dirty="0" err="1"/>
-              <a:t>erklärung</a:t>
-            </a:r>
-            <a:r>
-              <a:rPr lang="de-DE" dirty="0"/>
-              <a:t> hierzu folgt)</a:t>
+              <a:t>Alle Schadstofftypen im Ein-Stunden-Mittelwert für Deutschland (Erklärung hierzu folgt)</a:t>
             </a:r>
           </a:p>
           <a:p>
@@ -4743,7 +4740,7 @@
           <a:p>
             <a:r>
               <a:rPr lang="de-DE" dirty="0"/>
-              <a:t>Das Plotten der durchschnittlichen Ein-Stunden-Mittelwerte der NO2 Konzentration im Tagesdurchschnitt der Vorjahre und der selben Daten aus dem Jahr 2020 sortiert nach Typ</a:t>
+              <a:t>Das Plotten der durchschnittlichen Ein-Stunden-Mittelwerte der NO2-Konzentration im Tagesdurchschnitt der Vorjahre und der selben Daten aus dem Jahr 2020 sortiert nach Typ</a:t>
             </a:r>
           </a:p>
         </p:txBody>
@@ -5478,7 +5475,7 @@
             </a:pPr>
             <a:r>
               <a:rPr lang="de-DE" dirty="0"/>
-              <a:t>Fazit: Der Ein-Stunden-Mittelwert von NO2 ist neben dem Ein-Stunden-Mittelwerte für O3 der einzige Datensatz, der stabil genug ist, um analysiert zu werden. Da O3, wie in Aufgabe 7 f angemerkt, nur wenig unter Menschlichen Einfluss steht, werden für den zweiten Teil unserer Analyse nur Ein-Stunden-Mittelwert von NO2 in Betracht gezogen.</a:t>
+              <a:t>Fazit: Der Ein-Stunden-Mittelwert von NO2 ist neben dem Ein-Stunden-Mittelwerte für Ozon der einzige Datensatz, der stabil genug ist, um analysiert zu werden. Da Ozon, wie in Aufgabe 7 f angemerkt, nur wenig unter Menschlichen Einfluss steht, werden für den zweiten Teil unserer Analyse nur Ein-Stunden-Mittelwert von NO2 in Betracht gezogen.</a:t>
             </a:r>
           </a:p>
         </p:txBody>
@@ -5948,19 +5945,19 @@
           <a:p>
             <a:r>
               <a:rPr lang="de-DE" dirty="0"/>
-              <a:t>Es ist ein Abfall der NO2 Konzentration zu erkennen, als die Ausgangssperre in Kraft getreten ist</a:t>
-            </a:r>
-          </a:p>
-          <a:p>
-            <a:r>
-              <a:rPr lang="de-DE" dirty="0"/>
-              <a:t>Es ist ein Abfall der NO2 Konzentration vom 14.04.2020-19.01.2020 zu erkennen</a:t>
-            </a:r>
-          </a:p>
-          <a:p>
-            <a:r>
-              <a:rPr lang="de-DE" dirty="0"/>
-              <a:t>Der relativ Wert der NO2 Konzentration ist bei Background-Stationen näher an der 100% Marke als bei den Traffic-Stationen</a:t>
+              <a:t>Es ist ein Abfall der NO2-Konzentration zu erkennen, als die Ausgangssperre in Kraft getreten ist</a:t>
+            </a:r>
+          </a:p>
+          <a:p>
+            <a:r>
+              <a:rPr lang="de-DE" dirty="0"/>
+              <a:t>Es ist ein Abfall der NO2-Konzentration vom 14.04.2020-19.01.2020 zu erkennen</a:t>
+            </a:r>
+          </a:p>
+          <a:p>
+            <a:r>
+              <a:rPr lang="de-DE" dirty="0"/>
+              <a:t>Der relativ Wert der NO2-Konzentration ist bei Background-Stationen näher an der 100% Marke als bei den Traffic-Stationen</a:t>
             </a:r>
           </a:p>
         </p:txBody>
@@ -6706,19 +6703,19 @@
           <a:p>
             <a:r>
               <a:rPr lang="de-DE" dirty="0"/>
-              <a:t>Der Beginn der Ausgangssperre hat einen kurzzeitigen Effekt auf die NO2 Konzentration gehabt</a:t>
-            </a:r>
-          </a:p>
-          <a:p>
-            <a:r>
-              <a:rPr lang="de-DE" dirty="0"/>
-              <a:t>Der Graph hält sich seit dem ersten Corona Fall in Deutschland meistens unter der 100% Marke auf, was einen klaren Einfluss der Corona Pandemie auf die NO2 Konzentration zeigt</a:t>
-            </a:r>
-          </a:p>
-          <a:p>
-            <a:r>
-              <a:rPr lang="de-DE" dirty="0"/>
-              <a:t>Die Background-Stationen haben einen höheren relativen Wert zu den Vorjahren als die Traffic-Stationen, was vermuten lässt, dass die Corona Pandemie einen stärkeren Einfluss auf die NO2 Konzentration in Gebieten nahe der Traffic-Stationen hat als nahe der Background-Stationen</a:t>
+              <a:t>Der Beginn der Ausgangssperre hat einen kurzzeitigen Effekt auf die NO2-Konzentration gehabt</a:t>
+            </a:r>
+          </a:p>
+          <a:p>
+            <a:r>
+              <a:rPr lang="de-DE" dirty="0"/>
+              <a:t>Der Graph hält sich seit dem ersten Corona Fall in Deutschland meistens unter der 100% Marke auf, was einen klaren Einfluss der Corona Pandemie auf die NO2-Konzentration zeigt</a:t>
+            </a:r>
+          </a:p>
+          <a:p>
+            <a:r>
+              <a:rPr lang="de-DE" dirty="0"/>
+              <a:t>Die Background-Stationen haben einen höheren relativen Wert zu den Vorjahren als die Traffic-Stationen, was vermuten lässt, dass die Corona Pandemie einen stärkeren Einfluss auf die NO2-Konzentration in Gebieten nahe der Traffic-Stationen hat als nahe der Background-Stationen</a:t>
             </a:r>
           </a:p>
         </p:txBody>
@@ -7942,7 +7939,7 @@
           <a:p>
             <a:r>
               <a:rPr lang="de-DE" dirty="0"/>
-              <a:t>Der höchste gemessene NO2 Wert beträgt 270 </a:t>
+              <a:t>Die höchste gemessene NO2-Konzentration beträgt 270 </a:t>
             </a:r>
             <a:r>
               <a:rPr lang="el-GR" dirty="0"/>
@@ -7956,7 +7953,7 @@
           <a:p>
             <a:r>
               <a:rPr lang="de-DE" dirty="0"/>
-              <a:t>Der Tag mit der höchsten durchschnittlichen NO2 Konzentration war der 23.01.2017 mit 75.72</a:t>
+              <a:t>Der Tag mit der höchsten durchschnittlichen NO2-Konzentration war der 23.01.2017 mit 75.72</a:t>
             </a:r>
             <a:r>
               <a:rPr lang="el-GR" dirty="0"/>
@@ -7966,6 +7963,23 @@
               <a:rPr lang="de-DE" dirty="0"/>
               <a:t>g/m3.</a:t>
             </a:r>
+          </a:p>
+          <a:p>
+            <a:r>
+              <a:rPr lang="de-DE" dirty="0"/>
+              <a:t>Die </a:t>
+            </a:r>
+            <a:r>
+              <a:rPr lang="de-DE" dirty="0" err="1"/>
+              <a:t>Jahrensdurchschnittswerte</a:t>
+            </a:r>
+            <a:r>
+              <a:rPr lang="de-DE" dirty="0"/>
+              <a:t> der NO2-Konzentration seit 2016 fallen bei Traffic-Stationen sichtbar ab</a:t>
+            </a:r>
+          </a:p>
+          <a:p>
+            <a:endParaRPr lang="de-DE" dirty="0"/>
           </a:p>
         </p:txBody>
       </p:sp>
@@ -8026,6 +8040,36 @@
           </a:fontRef>
         </p:style>
       </p:sp>
+      <p:pic>
+        <p:nvPicPr>
+          <p:cNvPr id="4" name="Grafik 3">
+            <a:extLst>
+              <a:ext uri="{FF2B5EF4-FFF2-40B4-BE49-F238E27FC236}">
+                <a16:creationId xmlns:a16="http://schemas.microsoft.com/office/drawing/2014/main" id="{B1090A95-288F-4B64-AF63-97C51D13EDA7}"/>
+              </a:ext>
+            </a:extLst>
+          </p:cNvPr>
+          <p:cNvPicPr>
+            <a:picLocks noChangeAspect="1"/>
+          </p:cNvPicPr>
+          <p:nvPr/>
+        </p:nvPicPr>
+        <p:blipFill>
+          <a:blip r:embed="rId2"/>
+          <a:stretch>
+            <a:fillRect/>
+          </a:stretch>
+        </p:blipFill>
+        <p:spPr>
+          <a:xfrm>
+            <a:off x="7254607" y="3574228"/>
+            <a:ext cx="3178411" cy="3283772"/>
+          </a:xfrm>
+          <a:prstGeom prst="rect">
+            <a:avLst/>
+          </a:prstGeom>
+        </p:spPr>
+      </p:pic>
     </p:spTree>
     <p:extLst>
       <p:ext uri="{BB962C8B-B14F-4D97-AF65-F5344CB8AC3E}">
@@ -8449,19 +8493,19 @@
           <a:p>
             <a:r>
               <a:rPr lang="de-DE" dirty="0"/>
-              <a:t>NO2 Konzentration im Winter ist signifikant höher als die NO2 Konzentration alle anderen Jahreszeiten </a:t>
-            </a:r>
-          </a:p>
-          <a:p>
-            <a:r>
-              <a:rPr lang="de-DE" dirty="0"/>
-              <a:t>NO2 Konzentration im Sommer signifikant niedriger ist als in allen anderen Jahreszeiten</a:t>
-            </a:r>
-          </a:p>
-          <a:p>
-            <a:r>
-              <a:rPr lang="de-DE" dirty="0"/>
-              <a:t>Die hohe NO2 Konzentration ist durch das einsetzten von Gebäudeheizungen im Winter zu erklären[1]. Die Nutzung von Gebäudeheizungen ist zwar auch in den Jahreszeiten Herbst und Frühling vorhanden, aber weniger stark und im Sommer ist die Nutzung von Gebäudeheizungen vernachlässigbar klein.</a:t>
+              <a:t>NO2-Konzentration im Winter ist signifikant höher als die NO2-Konzentration alle anderen Jahreszeiten </a:t>
+            </a:r>
+          </a:p>
+          <a:p>
+            <a:r>
+              <a:rPr lang="de-DE" dirty="0"/>
+              <a:t>NO2-Konzentration im Sommer signifikant niedriger ist als in allen anderen Jahreszeiten</a:t>
+            </a:r>
+          </a:p>
+          <a:p>
+            <a:r>
+              <a:rPr lang="de-DE" dirty="0"/>
+              <a:t>Die hohe NO2-Konzentration ist durch das einsetzten von Gebäudeheizungen im Winter zu erklären[1]. Die Nutzung von Gebäudeheizungen ist zwar auch in den Jahreszeiten Herbst und Frühling vorhanden, aber weniger stark und im Sommer ist die Nutzung von Gebäudeheizungen vernachlässigbar klein.</a:t>
             </a:r>
           </a:p>
         </p:txBody>
@@ -8525,10 +8569,10 @@
       </p:sp>
       <p:pic>
         <p:nvPicPr>
-          <p:cNvPr id="4" name="Grafik 3">
-            <a:extLst>
-              <a:ext uri="{FF2B5EF4-FFF2-40B4-BE49-F238E27FC236}">
-                <a16:creationId xmlns:a16="http://schemas.microsoft.com/office/drawing/2014/main" id="{AB69B0E7-BBF3-456C-A44A-487B639EED7E}"/>
+          <p:cNvPr id="5" name="Grafik 4">
+            <a:extLst>
+              <a:ext uri="{FF2B5EF4-FFF2-40B4-BE49-F238E27FC236}">
+                <a16:creationId xmlns:a16="http://schemas.microsoft.com/office/drawing/2014/main" id="{43050E70-C1D2-4651-8A63-079AC0138E7D}"/>
               </a:ext>
             </a:extLst>
           </p:cNvPr>
@@ -8545,8 +8589,8 @@
         </p:blipFill>
         <p:spPr>
           <a:xfrm>
-            <a:off x="7132873" y="4428861"/>
-            <a:ext cx="3899109" cy="2429139"/>
+            <a:off x="6951849" y="4532499"/>
+            <a:ext cx="3895725" cy="2257425"/>
           </a:xfrm>
           <a:prstGeom prst="rect">
             <a:avLst/>
@@ -8723,7 +8767,7 @@
           <a:p>
             <a:r>
               <a:rPr lang="de-DE" dirty="0"/>
-              <a:t>NO2 Konzentration im Winter ist signifikant höher als die NO2 Konzentration alle anderen Jahreszeiten </a:t>
+              <a:t>NO2 Konzentration im Winter ist signifikant höher als die NO2-Konzentration alle anderen Jahreszeiten </a:t>
             </a:r>
           </a:p>
           <a:p>
@@ -8735,7 +8779,7 @@
           <a:p>
             <a:r>
               <a:rPr lang="de-DE" dirty="0"/>
-              <a:t>Außerdem lässt sich augenscheinlich eine sinkende Volatilität der NO2 Konzentration vermuten </a:t>
+              <a:t>Außerdem lässt sich augenscheinlich eine sinkende Volatilität der NO2-Konzentration vermuten </a:t>
             </a:r>
           </a:p>
         </p:txBody>
@@ -8799,10 +8843,10 @@
       </p:sp>
       <p:pic>
         <p:nvPicPr>
-          <p:cNvPr id="4" name="Grafik 3">
-            <a:extLst>
-              <a:ext uri="{FF2B5EF4-FFF2-40B4-BE49-F238E27FC236}">
-                <a16:creationId xmlns:a16="http://schemas.microsoft.com/office/drawing/2014/main" id="{E7BDF804-C697-4436-8BA3-11194CFE759A}"/>
+          <p:cNvPr id="5" name="Grafik 4">
+            <a:extLst>
+              <a:ext uri="{FF2B5EF4-FFF2-40B4-BE49-F238E27FC236}">
+                <a16:creationId xmlns:a16="http://schemas.microsoft.com/office/drawing/2014/main" id="{139B799B-F4F4-49B6-9E5E-151DA4CBAC99}"/>
               </a:ext>
             </a:extLst>
           </p:cNvPr>
@@ -8819,8 +8863,8 @@
         </p:blipFill>
         <p:spPr>
           <a:xfrm>
-            <a:off x="6096000" y="3429000"/>
-            <a:ext cx="5048250" cy="3429000"/>
+            <a:off x="6033527" y="3514725"/>
+            <a:ext cx="5019675" cy="3257550"/>
           </a:xfrm>
           <a:prstGeom prst="rect">
             <a:avLst/>
@@ -9003,7 +9047,7 @@
             </a:pPr>
             <a:r>
               <a:rPr lang="de-DE" dirty="0"/>
-              <a:t>Freitag Abends und Montag Morgens ist bei allen Typen eine erhöhter Ausstoß zu erkennen</a:t>
+              <a:t>Freitag Abends und Montag Morgens ist bei allen Typen eine erhöhte NO2-Konzentration zu erkennen</a:t>
             </a:r>
           </a:p>
           <a:p>

--- a/Abgabe/Abschlusspräsentation.pptx
+++ b/Abgabe/Abschlusspräsentation.pptx
@@ -328,7 +328,7 @@
           <a:p>
             <a:fld id="{A354F601-7099-46E7-BA5D-13A653821F10}" type="datetimeFigureOut">
               <a:rPr lang="de-DE" smtClean="0"/>
-              <a:t>04.07.2020</a:t>
+              <a:t>05.07.2020</a:t>
             </a:fld>
             <a:endParaRPr lang="de-DE"/>
           </a:p>
@@ -556,7 +556,7 @@
           <a:p>
             <a:fld id="{A354F601-7099-46E7-BA5D-13A653821F10}" type="datetimeFigureOut">
               <a:rPr lang="de-DE" smtClean="0"/>
-              <a:t>04.07.2020</a:t>
+              <a:t>05.07.2020</a:t>
             </a:fld>
             <a:endParaRPr lang="de-DE"/>
           </a:p>
@@ -736,7 +736,7 @@
           <a:p>
             <a:fld id="{A354F601-7099-46E7-BA5D-13A653821F10}" type="datetimeFigureOut">
               <a:rPr lang="de-DE" smtClean="0"/>
-              <a:t>04.07.2020</a:t>
+              <a:t>05.07.2020</a:t>
             </a:fld>
             <a:endParaRPr lang="de-DE"/>
           </a:p>
@@ -906,7 +906,7 @@
           <a:p>
             <a:fld id="{A354F601-7099-46E7-BA5D-13A653821F10}" type="datetimeFigureOut">
               <a:rPr lang="de-DE" smtClean="0"/>
-              <a:t>04.07.2020</a:t>
+              <a:t>05.07.2020</a:t>
             </a:fld>
             <a:endParaRPr lang="de-DE"/>
           </a:p>
@@ -1160,7 +1160,7 @@
           <a:p>
             <a:fld id="{A354F601-7099-46E7-BA5D-13A653821F10}" type="datetimeFigureOut">
               <a:rPr lang="de-DE" smtClean="0"/>
-              <a:t>04.07.2020</a:t>
+              <a:t>05.07.2020</a:t>
             </a:fld>
             <a:endParaRPr lang="de-DE"/>
           </a:p>
@@ -1486,7 +1486,7 @@
           <a:p>
             <a:fld id="{A354F601-7099-46E7-BA5D-13A653821F10}" type="datetimeFigureOut">
               <a:rPr lang="de-DE" smtClean="0"/>
-              <a:t>04.07.2020</a:t>
+              <a:t>05.07.2020</a:t>
             </a:fld>
             <a:endParaRPr lang="de-DE"/>
           </a:p>
@@ -1937,7 +1937,7 @@
           <a:p>
             <a:fld id="{A354F601-7099-46E7-BA5D-13A653821F10}" type="datetimeFigureOut">
               <a:rPr lang="de-DE" smtClean="0"/>
-              <a:t>04.07.2020</a:t>
+              <a:t>05.07.2020</a:t>
             </a:fld>
             <a:endParaRPr lang="de-DE"/>
           </a:p>
@@ -2055,7 +2055,7 @@
           <a:p>
             <a:fld id="{A354F601-7099-46E7-BA5D-13A653821F10}" type="datetimeFigureOut">
               <a:rPr lang="de-DE" smtClean="0"/>
-              <a:t>04.07.2020</a:t>
+              <a:t>05.07.2020</a:t>
             </a:fld>
             <a:endParaRPr lang="de-DE"/>
           </a:p>
@@ -2150,7 +2150,7 @@
           <a:p>
             <a:fld id="{A354F601-7099-46E7-BA5D-13A653821F10}" type="datetimeFigureOut">
               <a:rPr lang="de-DE" smtClean="0"/>
-              <a:t>04.07.2020</a:t>
+              <a:t>05.07.2020</a:t>
             </a:fld>
             <a:endParaRPr lang="de-DE"/>
           </a:p>
@@ -2437,7 +2437,7 @@
           <a:p>
             <a:fld id="{A354F601-7099-46E7-BA5D-13A653821F10}" type="datetimeFigureOut">
               <a:rPr lang="de-DE" smtClean="0"/>
-              <a:t>04.07.2020</a:t>
+              <a:t>05.07.2020</a:t>
             </a:fld>
             <a:endParaRPr lang="de-DE"/>
           </a:p>
@@ -2762,7 +2762,7 @@
           <a:p>
             <a:fld id="{A354F601-7099-46E7-BA5D-13A653821F10}" type="datetimeFigureOut">
               <a:rPr lang="de-DE" smtClean="0"/>
-              <a:t>04.07.2020</a:t>
+              <a:t>05.07.2020</a:t>
             </a:fld>
             <a:endParaRPr lang="de-DE"/>
           </a:p>
@@ -3016,7 +3016,7 @@
           <a:p>
             <a:fld id="{A354F601-7099-46E7-BA5D-13A653821F10}" type="datetimeFigureOut">
               <a:rPr lang="de-DE" smtClean="0"/>
-              <a:t>04.07.2020</a:t>
+              <a:t>05.07.2020</a:t>
             </a:fld>
             <a:endParaRPr lang="de-DE"/>
           </a:p>
@@ -3685,18 +3685,14 @@
         </p:spPr>
         <p:txBody>
           <a:bodyPr>
-            <a:normAutofit/>
+            <a:noAutofit/>
           </a:bodyPr>
           <a:lstStyle/>
           <a:p>
             <a:r>
-              <a:rPr lang="de-DE" sz="2800" dirty="0"/>
+              <a:rPr lang="de-DE" dirty="0"/>
               <a:t>Kurze Vorstellung der Thesen zu den Aufgaben 7 e</a:t>
             </a:r>
-            <a:br>
-              <a:rPr lang="de-DE" sz="2800" dirty="0"/>
-            </a:br>
-            <a:endParaRPr lang="de-DE" sz="2800" dirty="0"/>
           </a:p>
         </p:txBody>
       </p:sp>
@@ -3730,7 +3726,7 @@
           <a:p>
             <a:r>
               <a:rPr lang="de-DE" dirty="0"/>
-              <a:t>Ein klar zu erkennender Trend ist die erhöhte Konzentration von Ozon in den Sommermonaten. </a:t>
+              <a:t>Ein klar zu erkennender Trend ist, die erhöhte Konzentration von Ozon in den Sommermonaten. </a:t>
             </a:r>
           </a:p>
           <a:p>
@@ -3800,10 +3796,10 @@
       </p:sp>
       <p:pic>
         <p:nvPicPr>
-          <p:cNvPr id="4" name="Grafik 3">
-            <a:extLst>
-              <a:ext uri="{FF2B5EF4-FFF2-40B4-BE49-F238E27FC236}">
-                <a16:creationId xmlns:a16="http://schemas.microsoft.com/office/drawing/2014/main" id="{78603933-2DCC-4537-84A5-67E32104BD1B}"/>
+          <p:cNvPr id="6" name="Grafik 5" descr="Ein Bild, das Monitor, Bildschirm, Tisch, sitzend enthält.&#10;&#10;Automatisch generierte Beschreibung">
+            <a:extLst>
+              <a:ext uri="{FF2B5EF4-FFF2-40B4-BE49-F238E27FC236}">
+                <a16:creationId xmlns:a16="http://schemas.microsoft.com/office/drawing/2014/main" id="{A4335D67-4A11-4048-8EA0-D1BD94CFDE35}"/>
               </a:ext>
             </a:extLst>
           </p:cNvPr>
@@ -3813,15 +3809,21 @@
           <p:nvPr/>
         </p:nvPicPr>
         <p:blipFill>
-          <a:blip r:embed="rId2"/>
+          <a:blip r:embed="rId2">
+            <a:extLst>
+              <a:ext uri="{28A0092B-C50C-407E-A947-70E740481C1C}">
+                <a14:useLocalDpi xmlns:a14="http://schemas.microsoft.com/office/drawing/2010/main" val="0"/>
+              </a:ext>
+            </a:extLst>
+          </a:blip>
           <a:stretch>
             <a:fillRect/>
           </a:stretch>
         </p:blipFill>
         <p:spPr>
           <a:xfrm>
-            <a:off x="2582956" y="3296210"/>
-            <a:ext cx="5143500" cy="3143250"/>
+            <a:off x="4055185" y="3429000"/>
+            <a:ext cx="4881282" cy="3254188"/>
           </a:xfrm>
           <a:prstGeom prst="rect">
             <a:avLst/>
@@ -3998,7 +4000,15 @@
             </a:r>
             <a:r>
               <a:rPr lang="el-GR" dirty="0"/>
-              <a:t> μ</a:t>
+              <a:t> </a:t>
+            </a:r>
+            <a:r>
+              <a:rPr lang="de-DE" dirty="0"/>
+              <a:t>100 </a:t>
+            </a:r>
+            <a:r>
+              <a:rPr lang="el-GR" dirty="0"/>
+              <a:t>μ</a:t>
             </a:r>
             <a:r>
               <a:rPr lang="de-DE" dirty="0"/>
@@ -4072,10 +4082,10 @@
       </p:sp>
       <p:pic>
         <p:nvPicPr>
-          <p:cNvPr id="4" name="Grafik 3">
-            <a:extLst>
-              <a:ext uri="{FF2B5EF4-FFF2-40B4-BE49-F238E27FC236}">
-                <a16:creationId xmlns:a16="http://schemas.microsoft.com/office/drawing/2014/main" id="{B807B35E-88FD-4042-B31D-86A798512140}"/>
+          <p:cNvPr id="5" name="Grafik 4">
+            <a:extLst>
+              <a:ext uri="{FF2B5EF4-FFF2-40B4-BE49-F238E27FC236}">
+                <a16:creationId xmlns:a16="http://schemas.microsoft.com/office/drawing/2014/main" id="{DEBDFF5C-A5C3-4482-BBED-AF5B5AA4835E}"/>
               </a:ext>
             </a:extLst>
           </p:cNvPr>
@@ -4092,8 +4102,8 @@
         </p:blipFill>
         <p:spPr>
           <a:xfrm>
-            <a:off x="1364801" y="3224710"/>
-            <a:ext cx="5499550" cy="3449422"/>
+            <a:off x="2830606" y="3243003"/>
+            <a:ext cx="4515850" cy="3513086"/>
           </a:xfrm>
           <a:prstGeom prst="rect">
             <a:avLst/>
@@ -4997,10 +5007,10 @@
       </p:sp>
       <p:pic>
         <p:nvPicPr>
-          <p:cNvPr id="5" name="Grafik 4">
-            <a:extLst>
-              <a:ext uri="{FF2B5EF4-FFF2-40B4-BE49-F238E27FC236}">
-                <a16:creationId xmlns:a16="http://schemas.microsoft.com/office/drawing/2014/main" id="{5290BF6D-3721-4289-A00E-8AE9ADE0F404}"/>
+          <p:cNvPr id="3" name="Grafik 2">
+            <a:extLst>
+              <a:ext uri="{FF2B5EF4-FFF2-40B4-BE49-F238E27FC236}">
+                <a16:creationId xmlns:a16="http://schemas.microsoft.com/office/drawing/2014/main" id="{3EC18B4F-CA97-495F-B78D-0F0DF8EC4B7C}"/>
               </a:ext>
             </a:extLst>
           </p:cNvPr>
@@ -5017,8 +5027,8 @@
         </p:blipFill>
         <p:spPr>
           <a:xfrm>
-            <a:off x="2914649" y="1691322"/>
-            <a:ext cx="5247331" cy="5029825"/>
+            <a:off x="3267004" y="1762347"/>
+            <a:ext cx="5039428" cy="4839375"/>
           </a:xfrm>
           <a:prstGeom prst="rect">
             <a:avLst/>
@@ -5732,10 +5742,10 @@
       </p:sp>
       <p:pic>
         <p:nvPicPr>
-          <p:cNvPr id="4" name="Grafik 3">
-            <a:extLst>
-              <a:ext uri="{FF2B5EF4-FFF2-40B4-BE49-F238E27FC236}">
-                <a16:creationId xmlns:a16="http://schemas.microsoft.com/office/drawing/2014/main" id="{E07B5AC3-F182-4805-9315-E068124972F0}"/>
+          <p:cNvPr id="3" name="Grafik 2">
+            <a:extLst>
+              <a:ext uri="{FF2B5EF4-FFF2-40B4-BE49-F238E27FC236}">
+                <a16:creationId xmlns:a16="http://schemas.microsoft.com/office/drawing/2014/main" id="{B14405B3-35FD-47F1-8B20-F2FF0812A71F}"/>
               </a:ext>
             </a:extLst>
           </p:cNvPr>
@@ -5752,8 +5762,8 @@
         </p:blipFill>
         <p:spPr>
           <a:xfrm>
-            <a:off x="2584450" y="1181100"/>
-            <a:ext cx="5511843" cy="5588000"/>
+            <a:off x="2979406" y="1181100"/>
+            <a:ext cx="4592648" cy="5553635"/>
           </a:xfrm>
           <a:prstGeom prst="rect">
             <a:avLst/>
@@ -7402,22 +7412,13 @@
           <a:p>
             <a:r>
               <a:rPr lang="de-DE" dirty="0"/>
-              <a:t>Die Stationen setzten sich wie folgt zusammen</a:t>
-            </a:r>
-          </a:p>
-          <a:p>
-            <a:r>
-              <a:rPr lang="de-DE" dirty="0"/>
-              <a:t>Die Stationen sind ungefähr gleich verteilt in </a:t>
-            </a:r>
-          </a:p>
-          <a:p>
-            <a:pPr marL="0" indent="0">
-              <a:buNone/>
-            </a:pPr>
-            <a:r>
-              <a:rPr lang="de-DE" dirty="0"/>
-              <a:t>Deutschland</a:t>
+              <a:t>Die Stationen setzten sich wie in der Grafik zu sehen zusammen</a:t>
+            </a:r>
+          </a:p>
+          <a:p>
+            <a:r>
+              <a:rPr lang="de-DE" dirty="0"/>
+              <a:t>Die Stationen sind ungefähr gleich verteilt in Deutschland</a:t>
             </a:r>
           </a:p>
           <a:p>
@@ -7504,7 +7505,7 @@
         </p:blipFill>
         <p:spPr>
           <a:xfrm>
-            <a:off x="6431280" y="1669171"/>
+            <a:off x="9006619" y="1297641"/>
             <a:ext cx="2183217" cy="2131359"/>
           </a:xfrm>
           <a:prstGeom prst="rect">
@@ -7534,7 +7535,7 @@
         </p:blipFill>
         <p:spPr>
           <a:xfrm>
-            <a:off x="3190533" y="3154493"/>
+            <a:off x="1451058" y="3631013"/>
             <a:ext cx="2448267" cy="2772162"/>
           </a:xfrm>
           <a:prstGeom prst="rect">
@@ -7892,7 +7893,7 @@
         </p:nvSpPr>
         <p:spPr>
           <a:xfrm>
-            <a:off x="1261872" y="365760"/>
+            <a:off x="1162669" y="98565"/>
             <a:ext cx="9692640" cy="1325562"/>
           </a:xfrm>
         </p:spPr>
@@ -7927,8 +7928,8 @@
         </p:nvSpPr>
         <p:spPr>
           <a:xfrm>
-            <a:off x="1261872" y="1828800"/>
-            <a:ext cx="8595360" cy="4351337"/>
+            <a:off x="305908" y="1644732"/>
+            <a:ext cx="6148331" cy="4351337"/>
           </a:xfrm>
         </p:spPr>
         <p:txBody>
@@ -8062,7 +8063,7 @@
         </p:blipFill>
         <p:spPr>
           <a:xfrm>
-            <a:off x="7254607" y="3574228"/>
+            <a:off x="7549847" y="1644732"/>
             <a:ext cx="3178411" cy="3283772"/>
           </a:xfrm>
           <a:prstGeom prst="rect">
@@ -8236,7 +8237,7 @@
           <a:p>
             <a:r>
               <a:rPr lang="de-DE" dirty="0"/>
-              <a:t>Die Stationen die das Kriterium für den Stundegrenzwert von 200 </a:t>
+              <a:t>Die Stationen, die das Kriterium für den Stundegrenzwert von 200 </a:t>
             </a:r>
             <a:r>
               <a:rPr lang="el-GR" dirty="0"/>
@@ -8256,7 +8257,7 @@
           <a:p>
             <a:r>
               <a:rPr lang="de-DE" dirty="0"/>
-              <a:t>Auffällig ist hier das keine Station diesen Grenzwert öfter als 18 mal im Jahr überschreitet.</a:t>
+              <a:t>Auffällig ist hier, das keine Station diesen Grenzwert öfter als 18 mal im Jahr überschreitet.</a:t>
             </a:r>
           </a:p>
           <a:p>
@@ -8569,10 +8570,10 @@
       </p:sp>
       <p:pic>
         <p:nvPicPr>
-          <p:cNvPr id="5" name="Grafik 4">
-            <a:extLst>
-              <a:ext uri="{FF2B5EF4-FFF2-40B4-BE49-F238E27FC236}">
-                <a16:creationId xmlns:a16="http://schemas.microsoft.com/office/drawing/2014/main" id="{43050E70-C1D2-4651-8A63-079AC0138E7D}"/>
+          <p:cNvPr id="6" name="Grafik 5" descr="Ein Bild, das sitzend enthält.&#10;&#10;Automatisch generierte Beschreibung">
+            <a:extLst>
+              <a:ext uri="{FF2B5EF4-FFF2-40B4-BE49-F238E27FC236}">
+                <a16:creationId xmlns:a16="http://schemas.microsoft.com/office/drawing/2014/main" id="{DD4B1BA3-388D-4A9E-BBDF-4BD667E88E9D}"/>
               </a:ext>
             </a:extLst>
           </p:cNvPr>
@@ -8582,15 +8583,21 @@
           <p:nvPr/>
         </p:nvPicPr>
         <p:blipFill>
-          <a:blip r:embed="rId2"/>
+          <a:blip r:embed="rId2">
+            <a:extLst>
+              <a:ext uri="{28A0092B-C50C-407E-A947-70E740481C1C}">
+                <a14:useLocalDpi xmlns:a14="http://schemas.microsoft.com/office/drawing/2010/main" val="0"/>
+              </a:ext>
+            </a:extLst>
+          </a:blip>
           <a:stretch>
             <a:fillRect/>
           </a:stretch>
         </p:blipFill>
         <p:spPr>
           <a:xfrm>
-            <a:off x="6951849" y="4532499"/>
-            <a:ext cx="3895725" cy="2257425"/>
+            <a:off x="7185211" y="4545106"/>
+            <a:ext cx="3469341" cy="2312894"/>
           </a:xfrm>
           <a:prstGeom prst="rect">
             <a:avLst/>
@@ -8722,18 +8729,14 @@
         </p:spPr>
         <p:txBody>
           <a:bodyPr>
-            <a:normAutofit/>
+            <a:noAutofit/>
           </a:bodyPr>
           <a:lstStyle/>
           <a:p>
             <a:r>
-              <a:rPr lang="de-DE" sz="3100" dirty="0"/>
+              <a:rPr lang="de-DE" dirty="0"/>
               <a:t>Kurze Vorstellung unserer Thesen zu Aufgabe 5 c</a:t>
             </a:r>
-            <a:br>
-              <a:rPr lang="de-DE" sz="3100" dirty="0"/>
-            </a:br>
-            <a:endParaRPr lang="de-DE" sz="3100" dirty="0"/>
           </a:p>
         </p:txBody>
       </p:sp>
@@ -8843,10 +8846,10 @@
       </p:sp>
       <p:pic>
         <p:nvPicPr>
-          <p:cNvPr id="5" name="Grafik 4">
-            <a:extLst>
-              <a:ext uri="{FF2B5EF4-FFF2-40B4-BE49-F238E27FC236}">
-                <a16:creationId xmlns:a16="http://schemas.microsoft.com/office/drawing/2014/main" id="{139B799B-F4F4-49B6-9E5E-151DA4CBAC99}"/>
+          <p:cNvPr id="6" name="Grafik 5" descr="Ein Bild, das Monitor, dunkel, Bildschirm, sitzend enthält.&#10;&#10;Automatisch generierte Beschreibung">
+            <a:extLst>
+              <a:ext uri="{FF2B5EF4-FFF2-40B4-BE49-F238E27FC236}">
+                <a16:creationId xmlns:a16="http://schemas.microsoft.com/office/drawing/2014/main" id="{9BC8B34A-673E-4660-BE8B-2E4175D9C63C}"/>
               </a:ext>
             </a:extLst>
           </p:cNvPr>
@@ -8856,15 +8859,21 @@
           <p:nvPr/>
         </p:nvPicPr>
         <p:blipFill>
-          <a:blip r:embed="rId2"/>
+          <a:blip r:embed="rId2">
+            <a:extLst>
+              <a:ext uri="{28A0092B-C50C-407E-A947-70E740481C1C}">
+                <a14:useLocalDpi xmlns:a14="http://schemas.microsoft.com/office/drawing/2010/main" val="0"/>
+              </a:ext>
+            </a:extLst>
+          </a:blip>
           <a:stretch>
             <a:fillRect/>
           </a:stretch>
         </p:blipFill>
         <p:spPr>
           <a:xfrm>
-            <a:off x="6033527" y="3514725"/>
-            <a:ext cx="5019675" cy="3257550"/>
+            <a:off x="4948518" y="3824941"/>
+            <a:ext cx="4549588" cy="3033059"/>
           </a:xfrm>
           <a:prstGeom prst="rect">
             <a:avLst/>
@@ -9025,7 +9034,7 @@
         </p:nvSpPr>
         <p:spPr>
           <a:xfrm>
-            <a:off x="0" y="1601054"/>
+            <a:off x="142504" y="1601054"/>
             <a:ext cx="6796278" cy="1953578"/>
           </a:xfrm>
         </p:spPr>
@@ -9047,7 +9056,7 @@
             </a:pPr>
             <a:r>
               <a:rPr lang="de-DE" dirty="0"/>
-              <a:t>Freitag Abends und Montag Morgens ist bei allen Typen eine erhöhte NO2-Konzentration zu erkennen</a:t>
+              <a:t>Freitag Abends und Montag Morgens ist, bei allen Typen, eine erhöhte NO2-Konzentration zu erkennen</a:t>
             </a:r>
           </a:p>
           <a:p>
@@ -9150,7 +9159,7 @@
         </p:nvSpPr>
         <p:spPr>
           <a:xfrm>
-            <a:off x="0" y="3498156"/>
+            <a:off x="142504" y="3444083"/>
             <a:ext cx="5880100" cy="3693319"/>
           </a:xfrm>
           <a:prstGeom prst="rect">
@@ -9250,41 +9259,36 @@
           </a:p>
         </p:txBody>
       </p:sp>
-      <p:sp>
-        <p:nvSpPr>
-          <p:cNvPr id="5" name="Textfeld 4">
-            <a:extLst>
-              <a:ext uri="{FF2B5EF4-FFF2-40B4-BE49-F238E27FC236}">
-                <a16:creationId xmlns:a16="http://schemas.microsoft.com/office/drawing/2014/main" id="{EE342138-CB44-4358-83A3-929C4D0BDBB0}"/>
-              </a:ext>
-            </a:extLst>
-          </p:cNvPr>
-          <p:cNvSpPr txBox="1"/>
+      <p:pic>
+        <p:nvPicPr>
+          <p:cNvPr id="5" name="Grafik 4">
+            <a:extLst>
+              <a:ext uri="{FF2B5EF4-FFF2-40B4-BE49-F238E27FC236}">
+                <a16:creationId xmlns:a16="http://schemas.microsoft.com/office/drawing/2014/main" id="{611EE8FB-8F39-4542-BBB5-C545C4F3F16F}"/>
+              </a:ext>
+            </a:extLst>
+          </p:cNvPr>
+          <p:cNvPicPr>
+            <a:picLocks noChangeAspect="1"/>
+          </p:cNvPicPr>
           <p:nvPr/>
-        </p:nvSpPr>
-        <p:spPr>
-          <a:xfrm>
-            <a:off x="7194550" y="1428750"/>
-            <a:ext cx="3067050" cy="646331"/>
+        </p:nvPicPr>
+        <p:blipFill>
+          <a:blip r:embed="rId2"/>
+          <a:stretch>
+            <a:fillRect/>
+          </a:stretch>
+        </p:blipFill>
+        <p:spPr>
+          <a:xfrm>
+            <a:off x="6656120" y="4305855"/>
+            <a:ext cx="4487740" cy="1969774"/>
           </a:xfrm>
           <a:prstGeom prst="rect">
             <a:avLst/>
           </a:prstGeom>
-          <a:noFill/>
-        </p:spPr>
-        <p:txBody>
-          <a:bodyPr wrap="square" rtlCol="0">
-            <a:spAutoFit/>
-          </a:bodyPr>
-          <a:lstStyle/>
-          <a:p>
-            <a:r>
-              <a:rPr lang="de-DE" dirty="0"/>
-              <a:t>TODO: GRAPH EINFÜGEN</a:t>
-            </a:r>
-          </a:p>
-        </p:txBody>
-      </p:sp>
+        </p:spPr>
+      </p:pic>
     </p:spTree>
     <p:extLst>
       <p:ext uri="{BB962C8B-B14F-4D97-AF65-F5344CB8AC3E}">

--- a/Abgabe/Abschlusspräsentation.pptx
+++ b/Abgabe/Abschlusspräsentation.pptx
@@ -6,28 +6,33 @@
   </p:sldMasterIdLst>
   <p:sldIdLst>
     <p:sldId id="256" r:id="rId2"/>
-    <p:sldId id="257" r:id="rId3"/>
-    <p:sldId id="258" r:id="rId4"/>
-    <p:sldId id="259" r:id="rId5"/>
-    <p:sldId id="260" r:id="rId6"/>
-    <p:sldId id="261" r:id="rId7"/>
-    <p:sldId id="262" r:id="rId8"/>
-    <p:sldId id="263" r:id="rId9"/>
-    <p:sldId id="264" r:id="rId10"/>
-    <p:sldId id="265" r:id="rId11"/>
-    <p:sldId id="266" r:id="rId12"/>
-    <p:sldId id="267" r:id="rId13"/>
-    <p:sldId id="268" r:id="rId14"/>
-    <p:sldId id="269" r:id="rId15"/>
-    <p:sldId id="273" r:id="rId16"/>
-    <p:sldId id="270" r:id="rId17"/>
-    <p:sldId id="271" r:id="rId18"/>
-    <p:sldId id="274" r:id="rId19"/>
-    <p:sldId id="272" r:id="rId20"/>
-    <p:sldId id="275" r:id="rId21"/>
-    <p:sldId id="276" r:id="rId22"/>
-    <p:sldId id="277" r:id="rId23"/>
-    <p:sldId id="278" r:id="rId24"/>
+    <p:sldId id="279" r:id="rId3"/>
+    <p:sldId id="280" r:id="rId4"/>
+    <p:sldId id="284" r:id="rId5"/>
+    <p:sldId id="282" r:id="rId6"/>
+    <p:sldId id="283" r:id="rId7"/>
+    <p:sldId id="257" r:id="rId8"/>
+    <p:sldId id="258" r:id="rId9"/>
+    <p:sldId id="259" r:id="rId10"/>
+    <p:sldId id="260" r:id="rId11"/>
+    <p:sldId id="261" r:id="rId12"/>
+    <p:sldId id="262" r:id="rId13"/>
+    <p:sldId id="263" r:id="rId14"/>
+    <p:sldId id="264" r:id="rId15"/>
+    <p:sldId id="265" r:id="rId16"/>
+    <p:sldId id="266" r:id="rId17"/>
+    <p:sldId id="267" r:id="rId18"/>
+    <p:sldId id="268" r:id="rId19"/>
+    <p:sldId id="269" r:id="rId20"/>
+    <p:sldId id="273" r:id="rId21"/>
+    <p:sldId id="270" r:id="rId22"/>
+    <p:sldId id="271" r:id="rId23"/>
+    <p:sldId id="274" r:id="rId24"/>
+    <p:sldId id="272" r:id="rId25"/>
+    <p:sldId id="275" r:id="rId26"/>
+    <p:sldId id="276" r:id="rId27"/>
+    <p:sldId id="277" r:id="rId28"/>
+    <p:sldId id="278" r:id="rId29"/>
   </p:sldIdLst>
   <p:sldSz cx="12192000" cy="6858000"/>
   <p:notesSz cx="6858000" cy="9144000"/>
@@ -163,16 +168,6 @@
 <file path=ppt/slideLayouts/slideLayout1.xml><?xml version="1.0" encoding="utf-8"?>
 <p:sldLayout xmlns:a="http://schemas.openxmlformats.org/drawingml/2006/main" xmlns:r="http://schemas.openxmlformats.org/officeDocument/2006/relationships" xmlns:p="http://schemas.openxmlformats.org/presentationml/2006/main" showMasterSp="0" type="title" preserve="1">
   <p:cSld name="Titelfolie">
-    <p:bg>
-      <p:bgPr>
-        <a:solidFill>
-          <a:schemeClr val="bg2">
-            <a:lumMod val="75000"/>
-          </a:schemeClr>
-        </a:solidFill>
-        <a:effectLst/>
-      </p:bgPr>
-    </p:bg>
     <p:spTree>
       <p:nvGrpSpPr>
         <p:cNvPr id="1" name=""/>
@@ -328,7 +323,7 @@
           <a:p>
             <a:fld id="{A354F601-7099-46E7-BA5D-13A653821F10}" type="datetimeFigureOut">
               <a:rPr lang="de-DE" smtClean="0"/>
-              <a:t>05.07.2020</a:t>
+              <a:t>So, 05.07.2020</a:t>
             </a:fld>
             <a:endParaRPr lang="de-DE"/>
           </a:p>
@@ -448,7 +443,7 @@
 </file>
 
 <file path=ppt/slideLayouts/slideLayout10.xml><?xml version="1.0" encoding="utf-8"?>
-<p:sldLayout xmlns:a="http://schemas.openxmlformats.org/drawingml/2006/main" xmlns:r="http://schemas.openxmlformats.org/officeDocument/2006/relationships" xmlns:p="http://schemas.openxmlformats.org/presentationml/2006/main" type="vertTx" preserve="1">
+<p:sldLayout xmlns:a="http://schemas.openxmlformats.org/drawingml/2006/main" xmlns:r="http://schemas.openxmlformats.org/officeDocument/2006/relationships" xmlns:p="http://schemas.openxmlformats.org/presentationml/2006/main" showMasterSp="0" type="vertTx" preserve="1">
   <p:cSld name="Titel und vertikaler Text">
     <p:spTree>
       <p:nvGrpSpPr>
@@ -556,7 +551,7 @@
           <a:p>
             <a:fld id="{A354F601-7099-46E7-BA5D-13A653821F10}" type="datetimeFigureOut">
               <a:rPr lang="de-DE" smtClean="0"/>
-              <a:t>05.07.2020</a:t>
+              <a:t>So, 05.07.2020</a:t>
             </a:fld>
             <a:endParaRPr lang="de-DE"/>
           </a:p>
@@ -618,7 +613,7 @@
 </file>
 
 <file path=ppt/slideLayouts/slideLayout11.xml><?xml version="1.0" encoding="utf-8"?>
-<p:sldLayout xmlns:a="http://schemas.openxmlformats.org/drawingml/2006/main" xmlns:r="http://schemas.openxmlformats.org/officeDocument/2006/relationships" xmlns:p="http://schemas.openxmlformats.org/presentationml/2006/main" type="vertTitleAndTx" preserve="1">
+<p:sldLayout xmlns:a="http://schemas.openxmlformats.org/drawingml/2006/main" xmlns:r="http://schemas.openxmlformats.org/officeDocument/2006/relationships" xmlns:p="http://schemas.openxmlformats.org/presentationml/2006/main" showMasterSp="0" type="vertTitleAndTx" preserve="1">
   <p:cSld name="Vertikaler Titel und Text">
     <p:spTree>
       <p:nvGrpSpPr>
@@ -736,7 +731,7 @@
           <a:p>
             <a:fld id="{A354F601-7099-46E7-BA5D-13A653821F10}" type="datetimeFigureOut">
               <a:rPr lang="de-DE" smtClean="0"/>
-              <a:t>05.07.2020</a:t>
+              <a:t>So, 05.07.2020</a:t>
             </a:fld>
             <a:endParaRPr lang="de-DE"/>
           </a:p>
@@ -798,7 +793,7 @@
 </file>
 
 <file path=ppt/slideLayouts/slideLayout2.xml><?xml version="1.0" encoding="utf-8"?>
-<p:sldLayout xmlns:a="http://schemas.openxmlformats.org/drawingml/2006/main" xmlns:r="http://schemas.openxmlformats.org/officeDocument/2006/relationships" xmlns:p="http://schemas.openxmlformats.org/presentationml/2006/main" type="obj" preserve="1">
+<p:sldLayout xmlns:a="http://schemas.openxmlformats.org/drawingml/2006/main" xmlns:r="http://schemas.openxmlformats.org/officeDocument/2006/relationships" xmlns:p="http://schemas.openxmlformats.org/presentationml/2006/main" showMasterSp="0" type="obj" preserve="1">
   <p:cSld name="Titel und Inhalt">
     <p:spTree>
       <p:nvGrpSpPr>
@@ -906,7 +901,7 @@
           <a:p>
             <a:fld id="{A354F601-7099-46E7-BA5D-13A653821F10}" type="datetimeFigureOut">
               <a:rPr lang="de-DE" smtClean="0"/>
-              <a:t>05.07.2020</a:t>
+              <a:t>So, 05.07.2020</a:t>
             </a:fld>
             <a:endParaRPr lang="de-DE"/>
           </a:p>
@@ -968,7 +963,7 @@
 </file>
 
 <file path=ppt/slideLayouts/slideLayout3.xml><?xml version="1.0" encoding="utf-8"?>
-<p:sldLayout xmlns:a="http://schemas.openxmlformats.org/drawingml/2006/main" xmlns:r="http://schemas.openxmlformats.org/officeDocument/2006/relationships" xmlns:p="http://schemas.openxmlformats.org/presentationml/2006/main" type="secHead" preserve="1">
+<p:sldLayout xmlns:a="http://schemas.openxmlformats.org/drawingml/2006/main" xmlns:r="http://schemas.openxmlformats.org/officeDocument/2006/relationships" xmlns:p="http://schemas.openxmlformats.org/presentationml/2006/main" showMasterSp="0" type="secHead" preserve="1">
   <p:cSld name="Abschnitts-&#10;überschrift">
     <p:spTree>
       <p:nvGrpSpPr>
@@ -1160,7 +1155,7 @@
           <a:p>
             <a:fld id="{A354F601-7099-46E7-BA5D-13A653821F10}" type="datetimeFigureOut">
               <a:rPr lang="de-DE" smtClean="0"/>
-              <a:t>05.07.2020</a:t>
+              <a:t>So, 05.07.2020</a:t>
             </a:fld>
             <a:endParaRPr lang="de-DE"/>
           </a:p>
@@ -1260,7 +1255,7 @@
 </file>
 
 <file path=ppt/slideLayouts/slideLayout4.xml><?xml version="1.0" encoding="utf-8"?>
-<p:sldLayout xmlns:a="http://schemas.openxmlformats.org/drawingml/2006/main" xmlns:r="http://schemas.openxmlformats.org/officeDocument/2006/relationships" xmlns:p="http://schemas.openxmlformats.org/presentationml/2006/main" type="twoObj" preserve="1">
+<p:sldLayout xmlns:a="http://schemas.openxmlformats.org/drawingml/2006/main" xmlns:r="http://schemas.openxmlformats.org/officeDocument/2006/relationships" xmlns:p="http://schemas.openxmlformats.org/presentationml/2006/main" showMasterSp="0" type="twoObj" preserve="1">
   <p:cSld name="Zwei Inhalte">
     <p:spTree>
       <p:nvGrpSpPr>
@@ -1486,7 +1481,7 @@
           <a:p>
             <a:fld id="{A354F601-7099-46E7-BA5D-13A653821F10}" type="datetimeFigureOut">
               <a:rPr lang="de-DE" smtClean="0"/>
-              <a:t>05.07.2020</a:t>
+              <a:t>So, 05.07.2020</a:t>
             </a:fld>
             <a:endParaRPr lang="de-DE"/>
           </a:p>
@@ -1548,7 +1543,7 @@
 </file>
 
 <file path=ppt/slideLayouts/slideLayout5.xml><?xml version="1.0" encoding="utf-8"?>
-<p:sldLayout xmlns:a="http://schemas.openxmlformats.org/drawingml/2006/main" xmlns:r="http://schemas.openxmlformats.org/officeDocument/2006/relationships" xmlns:p="http://schemas.openxmlformats.org/presentationml/2006/main" type="twoTxTwoObj" preserve="1">
+<p:sldLayout xmlns:a="http://schemas.openxmlformats.org/drawingml/2006/main" xmlns:r="http://schemas.openxmlformats.org/officeDocument/2006/relationships" xmlns:p="http://schemas.openxmlformats.org/presentationml/2006/main" showMasterSp="0" type="twoTxTwoObj" preserve="1">
   <p:cSld name="Vergleich">
     <p:spTree>
       <p:nvGrpSpPr>
@@ -1937,7 +1932,7 @@
           <a:p>
             <a:fld id="{A354F601-7099-46E7-BA5D-13A653821F10}" type="datetimeFigureOut">
               <a:rPr lang="de-DE" smtClean="0"/>
-              <a:t>05.07.2020</a:t>
+              <a:t>So, 05.07.2020</a:t>
             </a:fld>
             <a:endParaRPr lang="de-DE"/>
           </a:p>
@@ -1999,7 +1994,7 @@
 </file>
 
 <file path=ppt/slideLayouts/slideLayout6.xml><?xml version="1.0" encoding="utf-8"?>
-<p:sldLayout xmlns:a="http://schemas.openxmlformats.org/drawingml/2006/main" xmlns:r="http://schemas.openxmlformats.org/officeDocument/2006/relationships" xmlns:p="http://schemas.openxmlformats.org/presentationml/2006/main" type="titleOnly" preserve="1">
+<p:sldLayout xmlns:a="http://schemas.openxmlformats.org/drawingml/2006/main" xmlns:r="http://schemas.openxmlformats.org/officeDocument/2006/relationships" xmlns:p="http://schemas.openxmlformats.org/presentationml/2006/main" showMasterSp="0" type="titleOnly" preserve="1">
   <p:cSld name="Nur Titel">
     <p:spTree>
       <p:nvGrpSpPr>
@@ -2055,7 +2050,7 @@
           <a:p>
             <a:fld id="{A354F601-7099-46E7-BA5D-13A653821F10}" type="datetimeFigureOut">
               <a:rPr lang="de-DE" smtClean="0"/>
-              <a:t>05.07.2020</a:t>
+              <a:t>So, 05.07.2020</a:t>
             </a:fld>
             <a:endParaRPr lang="de-DE"/>
           </a:p>
@@ -2117,7 +2112,7 @@
 </file>
 
 <file path=ppt/slideLayouts/slideLayout7.xml><?xml version="1.0" encoding="utf-8"?>
-<p:sldLayout xmlns:a="http://schemas.openxmlformats.org/drawingml/2006/main" xmlns:r="http://schemas.openxmlformats.org/officeDocument/2006/relationships" xmlns:p="http://schemas.openxmlformats.org/presentationml/2006/main" type="blank" preserve="1">
+<p:sldLayout xmlns:a="http://schemas.openxmlformats.org/drawingml/2006/main" xmlns:r="http://schemas.openxmlformats.org/officeDocument/2006/relationships" xmlns:p="http://schemas.openxmlformats.org/presentationml/2006/main" showMasterSp="0" type="blank" preserve="1">
   <p:cSld name="Leer">
     <p:spTree>
       <p:nvGrpSpPr>
@@ -2150,7 +2145,7 @@
           <a:p>
             <a:fld id="{A354F601-7099-46E7-BA5D-13A653821F10}" type="datetimeFigureOut">
               <a:rPr lang="de-DE" smtClean="0"/>
-              <a:t>05.07.2020</a:t>
+              <a:t>So, 05.07.2020</a:t>
             </a:fld>
             <a:endParaRPr lang="de-DE"/>
           </a:p>
@@ -2212,7 +2207,7 @@
 </file>
 
 <file path=ppt/slideLayouts/slideLayout8.xml><?xml version="1.0" encoding="utf-8"?>
-<p:sldLayout xmlns:a="http://schemas.openxmlformats.org/drawingml/2006/main" xmlns:r="http://schemas.openxmlformats.org/officeDocument/2006/relationships" xmlns:p="http://schemas.openxmlformats.org/presentationml/2006/main" type="objTx" preserve="1">
+<p:sldLayout xmlns:a="http://schemas.openxmlformats.org/drawingml/2006/main" xmlns:r="http://schemas.openxmlformats.org/officeDocument/2006/relationships" xmlns:p="http://schemas.openxmlformats.org/presentationml/2006/main" showMasterSp="0" type="objTx" preserve="1">
   <p:cSld name="Inhalt mit Überschrift">
     <p:spTree>
       <p:nvGrpSpPr>
@@ -2437,7 +2432,7 @@
           <a:p>
             <a:fld id="{A354F601-7099-46E7-BA5D-13A653821F10}" type="datetimeFigureOut">
               <a:rPr lang="de-DE" smtClean="0"/>
-              <a:t>05.07.2020</a:t>
+              <a:t>So, 05.07.2020</a:t>
             </a:fld>
             <a:endParaRPr lang="de-DE"/>
           </a:p>
@@ -2499,7 +2494,7 @@
 </file>
 
 <file path=ppt/slideLayouts/slideLayout9.xml><?xml version="1.0" encoding="utf-8"?>
-<p:sldLayout xmlns:a="http://schemas.openxmlformats.org/drawingml/2006/main" xmlns:r="http://schemas.openxmlformats.org/officeDocument/2006/relationships" xmlns:p="http://schemas.openxmlformats.org/presentationml/2006/main" type="picTx" preserve="1">
+<p:sldLayout xmlns:a="http://schemas.openxmlformats.org/drawingml/2006/main" xmlns:r="http://schemas.openxmlformats.org/officeDocument/2006/relationships" xmlns:p="http://schemas.openxmlformats.org/presentationml/2006/main" showMasterSp="0" type="picTx" preserve="1">
   <p:cSld name="Bild mit Überschrift">
     <p:spTree>
       <p:nvGrpSpPr>
@@ -2762,7 +2757,7 @@
           <a:p>
             <a:fld id="{A354F601-7099-46E7-BA5D-13A653821F10}" type="datetimeFigureOut">
               <a:rPr lang="de-DE" smtClean="0"/>
-              <a:t>05.07.2020</a:t>
+              <a:t>So, 05.07.2020</a:t>
             </a:fld>
             <a:endParaRPr lang="de-DE"/>
           </a:p>
@@ -3016,7 +3011,7 @@
           <a:p>
             <a:fld id="{A354F601-7099-46E7-BA5D-13A653821F10}" type="datetimeFigureOut">
               <a:rPr lang="de-DE" smtClean="0"/>
-              <a:t>05.07.2020</a:t>
+              <a:t>So, 05.07.2020</a:t>
             </a:fld>
             <a:endParaRPr lang="de-DE"/>
           </a:p>
@@ -3488,7 +3483,7 @@
 </file>
 
 <file path=ppt/slides/slide1.xml><?xml version="1.0" encoding="utf-8"?>
-<p:sld xmlns:a="http://schemas.openxmlformats.org/drawingml/2006/main" xmlns:r="http://schemas.openxmlformats.org/officeDocument/2006/relationships" xmlns:p="http://schemas.openxmlformats.org/presentationml/2006/main">
+<p:sld xmlns:a="http://schemas.openxmlformats.org/drawingml/2006/main" xmlns:r="http://schemas.openxmlformats.org/officeDocument/2006/relationships" xmlns:p="http://schemas.openxmlformats.org/presentationml/2006/main" showMasterSp="0">
   <p:cSld>
     <p:spTree>
       <p:nvGrpSpPr>
@@ -3574,19 +3569,8 @@
 </file>
 
 <file path=ppt/slides/slide10.xml><?xml version="1.0" encoding="utf-8"?>
-<p:sld xmlns:a="http://schemas.openxmlformats.org/drawingml/2006/main" xmlns:r="http://schemas.openxmlformats.org/officeDocument/2006/relationships" xmlns:p="http://schemas.openxmlformats.org/presentationml/2006/main">
+<p:sld xmlns:a="http://schemas.openxmlformats.org/drawingml/2006/main" xmlns:r="http://schemas.openxmlformats.org/officeDocument/2006/relationships" xmlns:p="http://schemas.openxmlformats.org/presentationml/2006/main" showMasterSp="0">
   <p:cSld>
-    <p:bg>
-      <p:bgPr>
-        <a:solidFill>
-          <a:schemeClr val="bg1">
-            <a:tint val="95000"/>
-            <a:satMod val="170000"/>
-          </a:schemeClr>
-        </a:solidFill>
-        <a:effectLst/>
-      </p:bgPr>
-    </p:bg>
     <p:spTree>
       <p:nvGrpSpPr>
         <p:cNvPr id="1" name=""/>
@@ -3666,7 +3650,7 @@
           <p:cNvPr id="2" name="Titel 1">
             <a:extLst>
               <a:ext uri="{FF2B5EF4-FFF2-40B4-BE49-F238E27FC236}">
-                <a16:creationId xmlns:a16="http://schemas.microsoft.com/office/drawing/2014/main" id="{9B66AB13-0DC0-4B5B-80DD-FCA0073F738E}"/>
+                <a16:creationId xmlns:a16="http://schemas.microsoft.com/office/drawing/2014/main" id="{7E6496B9-5747-4F40-BCEE-AC4762D9EBD4}"/>
               </a:ext>
             </a:extLst>
           </p:cNvPr>
@@ -3679,43 +3663,8 @@
         </p:nvSpPr>
         <p:spPr>
           <a:xfrm>
-            <a:off x="1261872" y="365760"/>
+            <a:off x="1162669" y="98565"/>
             <a:ext cx="9692640" cy="1325562"/>
-          </a:xfrm>
-        </p:spPr>
-        <p:txBody>
-          <a:bodyPr>
-            <a:noAutofit/>
-          </a:bodyPr>
-          <a:lstStyle/>
-          <a:p>
-            <a:r>
-              <a:rPr lang="de-DE" dirty="0"/>
-              <a:t>Kurze Vorstellung der Thesen zu den Aufgaben 7 e</a:t>
-            </a:r>
-          </a:p>
-        </p:txBody>
-      </p:sp>
-      <p:sp>
-        <p:nvSpPr>
-          <p:cNvPr id="3" name="Inhaltsplatzhalter 2">
-            <a:extLst>
-              <a:ext uri="{FF2B5EF4-FFF2-40B4-BE49-F238E27FC236}">
-                <a16:creationId xmlns:a16="http://schemas.microsoft.com/office/drawing/2014/main" id="{0C9DA881-2C1F-4BB5-9000-C4D982A85C51}"/>
-              </a:ext>
-            </a:extLst>
-          </p:cNvPr>
-          <p:cNvSpPr>
-            <a:spLocks noGrp="1"/>
-          </p:cNvSpPr>
-          <p:nvPr>
-            <p:ph idx="1"/>
-          </p:nvPr>
-        </p:nvSpPr>
-        <p:spPr>
-          <a:xfrm>
-            <a:off x="1261872" y="1828800"/>
-            <a:ext cx="8595360" cy="4351337"/>
           </a:xfrm>
         </p:spPr>
         <p:txBody>
@@ -3726,14 +3675,82 @@
           <a:p>
             <a:r>
               <a:rPr lang="de-DE" dirty="0"/>
-              <a:t>Ein klar zu erkennender Trend ist, die erhöhte Konzentration von Ozon in den Sommermonaten. </a:t>
-            </a:r>
-          </a:p>
+              <a:t>Aufgabe 3</a:t>
+            </a:r>
+          </a:p>
+        </p:txBody>
+      </p:sp>
+      <p:sp>
+        <p:nvSpPr>
+          <p:cNvPr id="3" name="Inhaltsplatzhalter 2">
+            <a:extLst>
+              <a:ext uri="{FF2B5EF4-FFF2-40B4-BE49-F238E27FC236}">
+                <a16:creationId xmlns:a16="http://schemas.microsoft.com/office/drawing/2014/main" id="{DB710410-B89C-41FB-8F14-05A62736443F}"/>
+              </a:ext>
+            </a:extLst>
+          </p:cNvPr>
+          <p:cNvSpPr>
+            <a:spLocks noGrp="1"/>
+          </p:cNvSpPr>
+          <p:nvPr>
+            <p:ph idx="1"/>
+          </p:nvPr>
+        </p:nvSpPr>
+        <p:spPr>
+          <a:xfrm>
+            <a:off x="305908" y="1644732"/>
+            <a:ext cx="6148331" cy="4351337"/>
+          </a:xfrm>
+        </p:spPr>
+        <p:txBody>
+          <a:bodyPr>
+            <a:normAutofit/>
+          </a:bodyPr>
+          <a:lstStyle/>
           <a:p>
             <a:r>
               <a:rPr lang="de-DE" dirty="0"/>
-              <a:t>Dies kann auf die erhöhe Bildung von Ozon im Sommer zurückgeführt werden[2].</a:t>
-            </a:r>
+              <a:t>Die höchste gemessene NO2-Konzentration beträgt 270 </a:t>
+            </a:r>
+            <a:r>
+              <a:rPr lang="el-GR" dirty="0"/>
+              <a:t>μ</a:t>
+            </a:r>
+            <a:r>
+              <a:rPr lang="de-DE" dirty="0"/>
+              <a:t>g/m3 und wurde an der Station 535 am 22.06.2017 um 16:00:00 gemessen.</a:t>
+            </a:r>
+          </a:p>
+          <a:p>
+            <a:r>
+              <a:rPr lang="de-DE" dirty="0"/>
+              <a:t>Der Tag mit der höchsten durchschnittlichen NO2-Konzentration war der 23.01.2017 mit 75.72</a:t>
+            </a:r>
+            <a:r>
+              <a:rPr lang="el-GR" dirty="0"/>
+              <a:t> μ</a:t>
+            </a:r>
+            <a:r>
+              <a:rPr lang="de-DE" dirty="0"/>
+              <a:t>g/m3.</a:t>
+            </a:r>
+          </a:p>
+          <a:p>
+            <a:r>
+              <a:rPr lang="de-DE" dirty="0"/>
+              <a:t>Die </a:t>
+            </a:r>
+            <a:r>
+              <a:rPr lang="de-DE" dirty="0" err="1"/>
+              <a:t>Jahrensdurchschnittswerte</a:t>
+            </a:r>
+            <a:r>
+              <a:rPr lang="de-DE" dirty="0"/>
+              <a:t> der NO2-Konzentration seit 2016 fallen bei Traffic-Stationen sichtbar ab</a:t>
+            </a:r>
+          </a:p>
+          <a:p>
+            <a:endParaRPr lang="de-DE" dirty="0"/>
           </a:p>
         </p:txBody>
       </p:sp>
@@ -3796,10 +3813,10 @@
       </p:sp>
       <p:pic>
         <p:nvPicPr>
-          <p:cNvPr id="6" name="Grafik 5" descr="Ein Bild, das Monitor, Bildschirm, Tisch, sitzend enthält.&#10;&#10;Automatisch generierte Beschreibung">
-            <a:extLst>
-              <a:ext uri="{FF2B5EF4-FFF2-40B4-BE49-F238E27FC236}">
-                <a16:creationId xmlns:a16="http://schemas.microsoft.com/office/drawing/2014/main" id="{A4335D67-4A11-4048-8EA0-D1BD94CFDE35}"/>
+          <p:cNvPr id="4" name="Grafik 3">
+            <a:extLst>
+              <a:ext uri="{FF2B5EF4-FFF2-40B4-BE49-F238E27FC236}">
+                <a16:creationId xmlns:a16="http://schemas.microsoft.com/office/drawing/2014/main" id="{B1090A95-288F-4B64-AF63-97C51D13EDA7}"/>
               </a:ext>
             </a:extLst>
           </p:cNvPr>
@@ -3809,21 +3826,15 @@
           <p:nvPr/>
         </p:nvPicPr>
         <p:blipFill>
-          <a:blip r:embed="rId2">
-            <a:extLst>
-              <a:ext uri="{28A0092B-C50C-407E-A947-70E740481C1C}">
-                <a14:useLocalDpi xmlns:a14="http://schemas.microsoft.com/office/drawing/2010/main" val="0"/>
-              </a:ext>
-            </a:extLst>
-          </a:blip>
+          <a:blip r:embed="rId2"/>
           <a:stretch>
             <a:fillRect/>
           </a:stretch>
         </p:blipFill>
         <p:spPr>
           <a:xfrm>
-            <a:off x="4055185" y="3429000"/>
-            <a:ext cx="4881282" cy="3254188"/>
+            <a:off x="7549847" y="1644732"/>
+            <a:ext cx="3178411" cy="3283772"/>
           </a:xfrm>
           <a:prstGeom prst="rect">
             <a:avLst/>
@@ -3833,7 +3844,7 @@
     </p:spTree>
     <p:extLst>
       <p:ext uri="{BB962C8B-B14F-4D97-AF65-F5344CB8AC3E}">
-        <p14:creationId xmlns:p14="http://schemas.microsoft.com/office/powerpoint/2010/main" val="3087420659"/>
+        <p14:creationId xmlns:p14="http://schemas.microsoft.com/office/powerpoint/2010/main" val="1543333641"/>
       </p:ext>
     </p:extLst>
   </p:cSld>
@@ -3844,19 +3855,8 @@
 </file>
 
 <file path=ppt/slides/slide11.xml><?xml version="1.0" encoding="utf-8"?>
-<p:sld xmlns:a="http://schemas.openxmlformats.org/drawingml/2006/main" xmlns:r="http://schemas.openxmlformats.org/officeDocument/2006/relationships" xmlns:p="http://schemas.openxmlformats.org/presentationml/2006/main">
+<p:sld xmlns:a="http://schemas.openxmlformats.org/drawingml/2006/main" xmlns:r="http://schemas.openxmlformats.org/officeDocument/2006/relationships" xmlns:p="http://schemas.openxmlformats.org/presentationml/2006/main" showMasterSp="0">
   <p:cSld>
-    <p:bg>
-      <p:bgPr>
-        <a:solidFill>
-          <a:schemeClr val="bg1">
-            <a:tint val="95000"/>
-            <a:satMod val="170000"/>
-          </a:schemeClr>
-        </a:solidFill>
-        <a:effectLst/>
-      </p:bgPr>
-    </p:bg>
     <p:spTree>
       <p:nvGrpSpPr>
         <p:cNvPr id="1" name=""/>
@@ -3936,7 +3936,7 @@
           <p:cNvPr id="2" name="Titel 1">
             <a:extLst>
               <a:ext uri="{FF2B5EF4-FFF2-40B4-BE49-F238E27FC236}">
-                <a16:creationId xmlns:a16="http://schemas.microsoft.com/office/drawing/2014/main" id="{842B19AD-456B-4609-A1DA-B7A70B16E82A}"/>
+                <a16:creationId xmlns:a16="http://schemas.microsoft.com/office/drawing/2014/main" id="{7E6496B9-5747-4F40-BCEE-AC4762D9EBD4}"/>
               </a:ext>
             </a:extLst>
           </p:cNvPr>
@@ -3961,7 +3961,7 @@
           <a:p>
             <a:r>
               <a:rPr lang="de-DE" dirty="0"/>
-              <a:t>Kurze Vorstellung der Thesen zu den Aufgaben 7 f</a:t>
+              <a:t>Aufgabe 4</a:t>
             </a:r>
           </a:p>
         </p:txBody>
@@ -3971,7 +3971,7 @@
           <p:cNvPr id="3" name="Inhaltsplatzhalter 2">
             <a:extLst>
               <a:ext uri="{FF2B5EF4-FFF2-40B4-BE49-F238E27FC236}">
-                <a16:creationId xmlns:a16="http://schemas.microsoft.com/office/drawing/2014/main" id="{A6FF065B-2548-462D-91A4-DA6B0523A019}"/>
+                <a16:creationId xmlns:a16="http://schemas.microsoft.com/office/drawing/2014/main" id="{DB710410-B89C-41FB-8F14-05A62736443F}"/>
               </a:ext>
             </a:extLst>
           </p:cNvPr>
@@ -3996,15 +3996,7 @@
           <a:p>
             <a:r>
               <a:rPr lang="de-DE" dirty="0"/>
-              <a:t>Unter 12°C gibt es keinen Datenpunkt mit einer Konzentration von Ozon über</a:t>
-            </a:r>
-            <a:r>
-              <a:rPr lang="el-GR" dirty="0"/>
-              <a:t> </a:t>
-            </a:r>
-            <a:r>
-              <a:rPr lang="de-DE" dirty="0"/>
-              <a:t>100 </a:t>
+              <a:t>Die Stationen, die das Kriterium für den Stundegrenzwert von 200 </a:t>
             </a:r>
             <a:r>
               <a:rPr lang="el-GR" dirty="0"/>
@@ -4012,14 +4004,26 @@
             </a:r>
             <a:r>
               <a:rPr lang="de-DE" dirty="0"/>
-              <a:t>g/m3 </a:t>
+              <a:t>g/m3 überschreiten sind: 473,530,535 und 539</a:t>
             </a:r>
           </a:p>
           <a:p>
             <a:r>
               <a:rPr lang="de-DE" dirty="0"/>
-              <a:t>Erklären lässt sich dies durch den direkten Zusammenhang zwischen höheren Temperaturen und der Ozon Bildungsrate [2]</a:t>
-            </a:r>
+              <a:t>Die Station 535 überschritt diesen Grenzwert in den letzten vier Jahren 27 mal davon 13 mal 2016 und 12 mal 2017.</a:t>
+            </a:r>
+          </a:p>
+          <a:p>
+            <a:r>
+              <a:rPr lang="de-DE" dirty="0"/>
+              <a:t>Auffällig ist hier, dass keine Station diesen Grenzwert öfter als 18 mal im Jahr überschreitet.</a:t>
+            </a:r>
+          </a:p>
+          <a:p>
+            <a:pPr marL="0" indent="0">
+              <a:buNone/>
+            </a:pPr>
+            <a:endParaRPr lang="de-DE" dirty="0"/>
           </a:p>
         </p:txBody>
       </p:sp>
@@ -4080,40 +4084,10 @@
           </a:fontRef>
         </p:style>
       </p:sp>
-      <p:pic>
-        <p:nvPicPr>
-          <p:cNvPr id="5" name="Grafik 4">
-            <a:extLst>
-              <a:ext uri="{FF2B5EF4-FFF2-40B4-BE49-F238E27FC236}">
-                <a16:creationId xmlns:a16="http://schemas.microsoft.com/office/drawing/2014/main" id="{DEBDFF5C-A5C3-4482-BBED-AF5B5AA4835E}"/>
-              </a:ext>
-            </a:extLst>
-          </p:cNvPr>
-          <p:cNvPicPr>
-            <a:picLocks noChangeAspect="1"/>
-          </p:cNvPicPr>
-          <p:nvPr/>
-        </p:nvPicPr>
-        <p:blipFill>
-          <a:blip r:embed="rId2"/>
-          <a:stretch>
-            <a:fillRect/>
-          </a:stretch>
-        </p:blipFill>
-        <p:spPr>
-          <a:xfrm>
-            <a:off x="2830606" y="3243003"/>
-            <a:ext cx="4515850" cy="3513086"/>
-          </a:xfrm>
-          <a:prstGeom prst="rect">
-            <a:avLst/>
-          </a:prstGeom>
-        </p:spPr>
-      </p:pic>
     </p:spTree>
     <p:extLst>
       <p:ext uri="{BB962C8B-B14F-4D97-AF65-F5344CB8AC3E}">
-        <p14:creationId xmlns:p14="http://schemas.microsoft.com/office/powerpoint/2010/main" val="254976642"/>
+        <p14:creationId xmlns:p14="http://schemas.microsoft.com/office/powerpoint/2010/main" val="90216314"/>
       </p:ext>
     </p:extLst>
   </p:cSld>
@@ -4124,19 +4098,8 @@
 </file>
 
 <file path=ppt/slides/slide12.xml><?xml version="1.0" encoding="utf-8"?>
-<p:sld xmlns:a="http://schemas.openxmlformats.org/drawingml/2006/main" xmlns:r="http://schemas.openxmlformats.org/officeDocument/2006/relationships" xmlns:p="http://schemas.openxmlformats.org/presentationml/2006/main">
+<p:sld xmlns:a="http://schemas.openxmlformats.org/drawingml/2006/main" xmlns:r="http://schemas.openxmlformats.org/officeDocument/2006/relationships" xmlns:p="http://schemas.openxmlformats.org/presentationml/2006/main" showMasterSp="0">
   <p:cSld>
-    <p:bg>
-      <p:bgPr>
-        <a:solidFill>
-          <a:schemeClr val="bg1">
-            <a:tint val="95000"/>
-            <a:satMod val="170000"/>
-          </a:schemeClr>
-        </a:solidFill>
-        <a:effectLst/>
-      </p:bgPr>
-    </p:bg>
     <p:spTree>
       <p:nvGrpSpPr>
         <p:cNvPr id="1" name=""/>
@@ -4216,7 +4179,7 @@
           <p:cNvPr id="2" name="Titel 1">
             <a:extLst>
               <a:ext uri="{FF2B5EF4-FFF2-40B4-BE49-F238E27FC236}">
-                <a16:creationId xmlns:a16="http://schemas.microsoft.com/office/drawing/2014/main" id="{3AD90AC5-CF26-4F4F-B1DC-79E6D9B756DB}"/>
+                <a16:creationId xmlns:a16="http://schemas.microsoft.com/office/drawing/2014/main" id="{31A3F8B4-0060-4A84-BF79-DC1E2C17A4B7}"/>
               </a:ext>
             </a:extLst>
           </p:cNvPr>
@@ -4231,6 +4194,44 @@
           <a:xfrm>
             <a:off x="1261872" y="365760"/>
             <a:ext cx="9692640" cy="1325562"/>
+          </a:xfrm>
+        </p:spPr>
+        <p:txBody>
+          <a:bodyPr>
+            <a:normAutofit fontScale="90000"/>
+          </a:bodyPr>
+          <a:lstStyle/>
+          <a:p>
+            <a:br>
+              <a:rPr lang="de-DE" dirty="0"/>
+            </a:br>
+            <a:r>
+              <a:rPr lang="de-DE" dirty="0"/>
+              <a:t>Kurze Vorstellung unserer Thesen zu Aufgabe 5 b</a:t>
+            </a:r>
+          </a:p>
+        </p:txBody>
+      </p:sp>
+      <p:sp>
+        <p:nvSpPr>
+          <p:cNvPr id="3" name="Inhaltsplatzhalter 2">
+            <a:extLst>
+              <a:ext uri="{FF2B5EF4-FFF2-40B4-BE49-F238E27FC236}">
+                <a16:creationId xmlns:a16="http://schemas.microsoft.com/office/drawing/2014/main" id="{DDFE9216-9C54-4336-9FBA-E4E6594C7D4C}"/>
+              </a:ext>
+            </a:extLst>
+          </p:cNvPr>
+          <p:cNvSpPr>
+            <a:spLocks noGrp="1"/>
+          </p:cNvSpPr>
+          <p:nvPr>
+            <p:ph idx="1"/>
+          </p:nvPr>
+        </p:nvSpPr>
+        <p:spPr>
+          <a:xfrm>
+            <a:off x="1261872" y="1828800"/>
+            <a:ext cx="8595360" cy="4351337"/>
           </a:xfrm>
         </p:spPr>
         <p:txBody>
@@ -4241,42 +4242,19 @@
           <a:p>
             <a:r>
               <a:rPr lang="de-DE" dirty="0"/>
-              <a:t>Unsere Hypothese zu Aufgabe 8</a:t>
-            </a:r>
-          </a:p>
-        </p:txBody>
-      </p:sp>
-      <p:sp>
-        <p:nvSpPr>
-          <p:cNvPr id="3" name="Inhaltsplatzhalter 2">
-            <a:extLst>
-              <a:ext uri="{FF2B5EF4-FFF2-40B4-BE49-F238E27FC236}">
-                <a16:creationId xmlns:a16="http://schemas.microsoft.com/office/drawing/2014/main" id="{643E05D1-FAEB-4A7B-8518-2CE9885D97D4}"/>
-              </a:ext>
-            </a:extLst>
-          </p:cNvPr>
-          <p:cNvSpPr>
-            <a:spLocks noGrp="1"/>
-          </p:cNvSpPr>
-          <p:nvPr>
-            <p:ph idx="1"/>
-          </p:nvPr>
-        </p:nvSpPr>
-        <p:spPr>
-          <a:xfrm>
-            <a:off x="1261872" y="1828800"/>
-            <a:ext cx="8595360" cy="4351337"/>
-          </a:xfrm>
-        </p:spPr>
-        <p:txBody>
-          <a:bodyPr>
-            <a:normAutofit/>
-          </a:bodyPr>
-          <a:lstStyle/>
+              <a:t>Die NO2-Konzentration ist im Winter ist signifikant höher als die NO2-Konzentration aller anderen Jahreszeiten </a:t>
+            </a:r>
+          </a:p>
           <a:p>
             <a:r>
               <a:rPr lang="de-DE" dirty="0"/>
-              <a:t>Corona hat einen Einfluss auf die Schadstoffkonzentration</a:t>
+              <a:t>Die NO2-Konzentration ist im Sommer signifikant niedriger ist als in allen anderen Jahreszeiten</a:t>
+            </a:r>
+          </a:p>
+          <a:p>
+            <a:r>
+              <a:rPr lang="de-DE" dirty="0"/>
+              <a:t>Die hohe NO2-Konzentration ist durch das einsetzten von Gebäudeheizungen im Winter zu erklären [1]. Die Nutzung von Gebäudeheizungen ist zwar auch in den Jahreszeiten Herbst und Frühling vorhanden, fällt aber wenige stark aus. Im Sommer ist die Nutzung von Gebäudeheizungen wiederum vernachlässigbar klein.</a:t>
             </a:r>
           </a:p>
         </p:txBody>
@@ -4338,10 +4316,46 @@
           </a:fontRef>
         </p:style>
       </p:sp>
+      <p:pic>
+        <p:nvPicPr>
+          <p:cNvPr id="6" name="Grafik 5" descr="Ein Bild, das sitzend enthält.&#10;&#10;Automatisch generierte Beschreibung">
+            <a:extLst>
+              <a:ext uri="{FF2B5EF4-FFF2-40B4-BE49-F238E27FC236}">
+                <a16:creationId xmlns:a16="http://schemas.microsoft.com/office/drawing/2014/main" id="{DD4B1BA3-388D-4A9E-BBDF-4BD667E88E9D}"/>
+              </a:ext>
+            </a:extLst>
+          </p:cNvPr>
+          <p:cNvPicPr>
+            <a:picLocks noChangeAspect="1"/>
+          </p:cNvPicPr>
+          <p:nvPr/>
+        </p:nvPicPr>
+        <p:blipFill>
+          <a:blip r:embed="rId2">
+            <a:extLst>
+              <a:ext uri="{28A0092B-C50C-407E-A947-70E740481C1C}">
+                <a14:useLocalDpi xmlns:a14="http://schemas.microsoft.com/office/drawing/2010/main" val="0"/>
+              </a:ext>
+            </a:extLst>
+          </a:blip>
+          <a:stretch>
+            <a:fillRect/>
+          </a:stretch>
+        </p:blipFill>
+        <p:spPr>
+          <a:xfrm>
+            <a:off x="7185211" y="4545106"/>
+            <a:ext cx="3469341" cy="2312894"/>
+          </a:xfrm>
+          <a:prstGeom prst="rect">
+            <a:avLst/>
+          </a:prstGeom>
+        </p:spPr>
+      </p:pic>
     </p:spTree>
     <p:extLst>
       <p:ext uri="{BB962C8B-B14F-4D97-AF65-F5344CB8AC3E}">
-        <p14:creationId xmlns:p14="http://schemas.microsoft.com/office/powerpoint/2010/main" val="2544674410"/>
+        <p14:creationId xmlns:p14="http://schemas.microsoft.com/office/powerpoint/2010/main" val="107170454"/>
       </p:ext>
     </p:extLst>
   </p:cSld>
@@ -4352,19 +4366,8 @@
 </file>
 
 <file path=ppt/slides/slide13.xml><?xml version="1.0" encoding="utf-8"?>
-<p:sld xmlns:a="http://schemas.openxmlformats.org/drawingml/2006/main" xmlns:r="http://schemas.openxmlformats.org/officeDocument/2006/relationships" xmlns:p="http://schemas.openxmlformats.org/presentationml/2006/main">
+<p:sld xmlns:a="http://schemas.openxmlformats.org/drawingml/2006/main" xmlns:r="http://schemas.openxmlformats.org/officeDocument/2006/relationships" xmlns:p="http://schemas.openxmlformats.org/presentationml/2006/main" showMasterSp="0">
   <p:cSld>
-    <p:bg>
-      <p:bgPr>
-        <a:solidFill>
-          <a:schemeClr val="bg1">
-            <a:tint val="95000"/>
-            <a:satMod val="170000"/>
-          </a:schemeClr>
-        </a:solidFill>
-        <a:effectLst/>
-      </p:bgPr>
-    </p:bg>
     <p:spTree>
       <p:nvGrpSpPr>
         <p:cNvPr id="1" name=""/>
@@ -4444,7 +4447,7 @@
           <p:cNvPr id="2" name="Titel 1">
             <a:extLst>
               <a:ext uri="{FF2B5EF4-FFF2-40B4-BE49-F238E27FC236}">
-                <a16:creationId xmlns:a16="http://schemas.microsoft.com/office/drawing/2014/main" id="{F0ADB9DC-E92A-4C1C-A4C3-24DB7E40BC8F}"/>
+                <a16:creationId xmlns:a16="http://schemas.microsoft.com/office/drawing/2014/main" id="{31A3F8B4-0060-4A84-BF79-DC1E2C17A4B7}"/>
               </a:ext>
             </a:extLst>
           </p:cNvPr>
@@ -4459,6 +4462,41 @@
           <a:xfrm>
             <a:off x="1261872" y="365760"/>
             <a:ext cx="9692640" cy="1325562"/>
+          </a:xfrm>
+        </p:spPr>
+        <p:txBody>
+          <a:bodyPr>
+            <a:noAutofit/>
+          </a:bodyPr>
+          <a:lstStyle/>
+          <a:p>
+            <a:r>
+              <a:rPr lang="de-DE" dirty="0"/>
+              <a:t>Kurze Vorstellung unserer Thesen zu Aufgabe 5 c</a:t>
+            </a:r>
+          </a:p>
+        </p:txBody>
+      </p:sp>
+      <p:sp>
+        <p:nvSpPr>
+          <p:cNvPr id="3" name="Inhaltsplatzhalter 2">
+            <a:extLst>
+              <a:ext uri="{FF2B5EF4-FFF2-40B4-BE49-F238E27FC236}">
+                <a16:creationId xmlns:a16="http://schemas.microsoft.com/office/drawing/2014/main" id="{DDFE9216-9C54-4336-9FBA-E4E6594C7D4C}"/>
+              </a:ext>
+            </a:extLst>
+          </p:cNvPr>
+          <p:cNvSpPr>
+            <a:spLocks noGrp="1"/>
+          </p:cNvSpPr>
+          <p:nvPr>
+            <p:ph idx="1"/>
+          </p:nvPr>
+        </p:nvSpPr>
+        <p:spPr>
+          <a:xfrm>
+            <a:off x="1261872" y="1828800"/>
+            <a:ext cx="8595360" cy="4351337"/>
           </a:xfrm>
         </p:spPr>
         <p:txBody>
@@ -4469,55 +4507,20 @@
           <a:p>
             <a:r>
               <a:rPr lang="de-DE" dirty="0"/>
-              <a:t>Unsere Daten für die Analyse </a:t>
-            </a:r>
-          </a:p>
-        </p:txBody>
-      </p:sp>
-      <p:sp>
-        <p:nvSpPr>
-          <p:cNvPr id="3" name="Inhaltsplatzhalter 2">
-            <a:extLst>
-              <a:ext uri="{FF2B5EF4-FFF2-40B4-BE49-F238E27FC236}">
-                <a16:creationId xmlns:a16="http://schemas.microsoft.com/office/drawing/2014/main" id="{268A1151-2F3D-4BFF-AF23-3A0A285B9028}"/>
-              </a:ext>
-            </a:extLst>
-          </p:cNvPr>
-          <p:cNvSpPr>
-            <a:spLocks noGrp="1"/>
-          </p:cNvSpPr>
-          <p:nvPr>
-            <p:ph idx="1"/>
-          </p:nvPr>
-        </p:nvSpPr>
-        <p:spPr>
-          <a:xfrm>
-            <a:off x="1261872" y="1828800"/>
-            <a:ext cx="8595360" cy="4351337"/>
-          </a:xfrm>
-        </p:spPr>
-        <p:txBody>
-          <a:bodyPr>
-            <a:normAutofit/>
-          </a:bodyPr>
-          <a:lstStyle/>
+              <a:t>NO2 Konzentration im Winter ist signifikant höher als die NO2-Konzentration alle anderen Jahreszeiten </a:t>
+            </a:r>
+          </a:p>
           <a:p>
             <a:r>
               <a:rPr lang="de-DE" dirty="0"/>
-              <a:t>Alle Schadstofftypen im Ein-Stunden-Mittelwert für Bayern </a:t>
+              <a:t>Die jahreszeitlichen Höchstwerte sind im Winter zu verzeichnen</a:t>
             </a:r>
           </a:p>
           <a:p>
             <a:r>
               <a:rPr lang="de-DE" dirty="0"/>
-              <a:t>Alle Schadstofftypen im Ein-Stunden-Mittelwert für Deutschland (Erklärung hierzu folgt)</a:t>
-            </a:r>
-          </a:p>
-          <a:p>
-            <a:endParaRPr lang="de-DE" dirty="0"/>
-          </a:p>
-          <a:p>
-            <a:endParaRPr lang="de-DE" dirty="0"/>
+              <a:t>Außerdem lässt sich augenscheinlich eine sinkende Volatilität der NO2-Konzentration vermuten </a:t>
+            </a:r>
           </a:p>
         </p:txBody>
       </p:sp>
@@ -4578,10 +4581,46 @@
           </a:fontRef>
         </p:style>
       </p:sp>
+      <p:pic>
+        <p:nvPicPr>
+          <p:cNvPr id="6" name="Grafik 5" descr="Ein Bild, das Monitor, dunkel, Bildschirm, sitzend enthält.&#10;&#10;Automatisch generierte Beschreibung">
+            <a:extLst>
+              <a:ext uri="{FF2B5EF4-FFF2-40B4-BE49-F238E27FC236}">
+                <a16:creationId xmlns:a16="http://schemas.microsoft.com/office/drawing/2014/main" id="{9BC8B34A-673E-4660-BE8B-2E4175D9C63C}"/>
+              </a:ext>
+            </a:extLst>
+          </p:cNvPr>
+          <p:cNvPicPr>
+            <a:picLocks noChangeAspect="1"/>
+          </p:cNvPicPr>
+          <p:nvPr/>
+        </p:nvPicPr>
+        <p:blipFill>
+          <a:blip r:embed="rId2">
+            <a:extLst>
+              <a:ext uri="{28A0092B-C50C-407E-A947-70E740481C1C}">
+                <a14:useLocalDpi xmlns:a14="http://schemas.microsoft.com/office/drawing/2010/main" val="0"/>
+              </a:ext>
+            </a:extLst>
+          </a:blip>
+          <a:stretch>
+            <a:fillRect/>
+          </a:stretch>
+        </p:blipFill>
+        <p:spPr>
+          <a:xfrm>
+            <a:off x="4948518" y="3824941"/>
+            <a:ext cx="4549588" cy="3033059"/>
+          </a:xfrm>
+          <a:prstGeom prst="rect">
+            <a:avLst/>
+          </a:prstGeom>
+        </p:spPr>
+      </p:pic>
     </p:spTree>
     <p:extLst>
       <p:ext uri="{BB962C8B-B14F-4D97-AF65-F5344CB8AC3E}">
-        <p14:creationId xmlns:p14="http://schemas.microsoft.com/office/powerpoint/2010/main" val="3364708847"/>
+        <p14:creationId xmlns:p14="http://schemas.microsoft.com/office/powerpoint/2010/main" val="3585282685"/>
       </p:ext>
     </p:extLst>
   </p:cSld>
@@ -4592,19 +4631,8 @@
 </file>
 
 <file path=ppt/slides/slide14.xml><?xml version="1.0" encoding="utf-8"?>
-<p:sld xmlns:a="http://schemas.openxmlformats.org/drawingml/2006/main" xmlns:r="http://schemas.openxmlformats.org/officeDocument/2006/relationships" xmlns:p="http://schemas.openxmlformats.org/presentationml/2006/main">
+<p:sld xmlns:a="http://schemas.openxmlformats.org/drawingml/2006/main" xmlns:r="http://schemas.openxmlformats.org/officeDocument/2006/relationships" xmlns:p="http://schemas.openxmlformats.org/presentationml/2006/main" showMasterSp="0">
   <p:cSld>
-    <p:bg>
-      <p:bgPr>
-        <a:solidFill>
-          <a:schemeClr val="bg1">
-            <a:tint val="95000"/>
-            <a:satMod val="170000"/>
-          </a:schemeClr>
-        </a:solidFill>
-        <a:effectLst/>
-      </p:bgPr>
-    </p:bg>
     <p:spTree>
       <p:nvGrpSpPr>
         <p:cNvPr id="1" name=""/>
@@ -4684,7 +4712,7 @@
           <p:cNvPr id="2" name="Titel 1">
             <a:extLst>
               <a:ext uri="{FF2B5EF4-FFF2-40B4-BE49-F238E27FC236}">
-                <a16:creationId xmlns:a16="http://schemas.microsoft.com/office/drawing/2014/main" id="{D50CB3C2-C1A3-4779-A5B3-39F8247F4382}"/>
+                <a16:creationId xmlns:a16="http://schemas.microsoft.com/office/drawing/2014/main" id="{3AF07DF1-285D-43B2-A8A9-608CA9D7B9A1}"/>
               </a:ext>
             </a:extLst>
           </p:cNvPr>
@@ -4697,7 +4725,7 @@
         </p:nvSpPr>
         <p:spPr>
           <a:xfrm>
-            <a:off x="1261872" y="365760"/>
+            <a:off x="995172" y="275492"/>
             <a:ext cx="9692640" cy="1325562"/>
           </a:xfrm>
         </p:spPr>
@@ -4709,7 +4737,7 @@
           <a:p>
             <a:r>
               <a:rPr lang="de-DE" dirty="0"/>
-              <a:t>Unsere Analysen</a:t>
+              <a:t>Kurze Vorstellung der Thesen zu Aufgabe 6 b</a:t>
             </a:r>
           </a:p>
         </p:txBody>
@@ -4719,7 +4747,7 @@
           <p:cNvPr id="3" name="Inhaltsplatzhalter 2">
             <a:extLst>
               <a:ext uri="{FF2B5EF4-FFF2-40B4-BE49-F238E27FC236}">
-                <a16:creationId xmlns:a16="http://schemas.microsoft.com/office/drawing/2014/main" id="{51721078-C958-4DEF-AE7A-0185FB2EACDA}"/>
+                <a16:creationId xmlns:a16="http://schemas.microsoft.com/office/drawing/2014/main" id="{5A241E60-9092-464A-8091-5EC6FBDB5601}"/>
               </a:ext>
             </a:extLst>
           </p:cNvPr>
@@ -4732,8 +4760,8 @@
         </p:nvSpPr>
         <p:spPr>
           <a:xfrm>
-            <a:off x="1261872" y="1828800"/>
-            <a:ext cx="8595360" cy="4351337"/>
+            <a:off x="142504" y="1601054"/>
+            <a:ext cx="6796278" cy="1953578"/>
           </a:xfrm>
         </p:spPr>
         <p:txBody>
@@ -4744,14 +4772,45 @@
           <a:p>
             <a:r>
               <a:rPr lang="de-DE" dirty="0"/>
-              <a:t>Das Plotten der durchschnittliche Ein-Stunden-Mittelwerte im Tagesdurchschnitt der Vorjahre und der selben Daten aus dem Jahr 2020</a:t>
-            </a:r>
-          </a:p>
-          <a:p>
+              <a:t>Thesen:</a:t>
+            </a:r>
+          </a:p>
+          <a:p>
+            <a:pPr marL="617220" lvl="1" indent="-342900">
+              <a:buFont typeface="+mj-lt"/>
+              <a:buAutoNum type="arabicPeriod"/>
+            </a:pPr>
             <a:r>
               <a:rPr lang="de-DE" dirty="0"/>
-              <a:t>Das Plotten der durchschnittlichen Ein-Stunden-Mittelwerte der NO2-Konzentration im Tagesdurchschnitt der Vorjahre und der selben Daten aus dem Jahr 2020 sortiert nach Typ</a:t>
-            </a:r>
+              <a:t>Freitag Abends und Montag Morgens ist, bei allen Typen, eine erhöhte NO2-Konzentration zu erkennen</a:t>
+            </a:r>
+          </a:p>
+          <a:p>
+            <a:pPr marL="617220" lvl="1" indent="-342900">
+              <a:buFont typeface="+mj-lt"/>
+              <a:buAutoNum type="arabicPeriod"/>
+            </a:pPr>
+            <a:r>
+              <a:rPr lang="de-DE" dirty="0"/>
+              <a:t>Jeden Wochentag zwischen 6 und 9 Uhr bzw. 17 und 21 Uhr sind Peaks zu vermuten</a:t>
+            </a:r>
+          </a:p>
+          <a:p>
+            <a:pPr marL="617220" lvl="1" indent="-342900">
+              <a:buFont typeface="+mj-lt"/>
+              <a:buAutoNum type="arabicPeriod"/>
+            </a:pPr>
+            <a:r>
+              <a:rPr lang="de-DE" dirty="0"/>
+              <a:t>Traffic Stationen haben einen grundsätzlich höheren Durchschnittswert als Background Stationen</a:t>
+            </a:r>
+          </a:p>
+          <a:p>
+            <a:pPr marL="617220" lvl="1" indent="-342900">
+              <a:buFont typeface="+mj-lt"/>
+              <a:buAutoNum type="arabicPeriod"/>
+            </a:pPr>
+            <a:endParaRPr lang="de-DE" dirty="0"/>
           </a:p>
         </p:txBody>
       </p:sp>
@@ -4812,10 +4871,154 @@
           </a:fontRef>
         </p:style>
       </p:sp>
+      <p:sp>
+        <p:nvSpPr>
+          <p:cNvPr id="4" name="Textfeld 3">
+            <a:extLst>
+              <a:ext uri="{FF2B5EF4-FFF2-40B4-BE49-F238E27FC236}">
+                <a16:creationId xmlns:a16="http://schemas.microsoft.com/office/drawing/2014/main" id="{F989DF4A-3305-497D-90EA-3BF36808430C}"/>
+              </a:ext>
+            </a:extLst>
+          </p:cNvPr>
+          <p:cNvSpPr txBox="1"/>
+          <p:nvPr/>
+        </p:nvSpPr>
+        <p:spPr>
+          <a:xfrm>
+            <a:off x="142504" y="3444083"/>
+            <a:ext cx="5880100" cy="3693319"/>
+          </a:xfrm>
+          <a:prstGeom prst="rect">
+            <a:avLst/>
+          </a:prstGeom>
+          <a:noFill/>
+        </p:spPr>
+        <p:txBody>
+          <a:bodyPr wrap="square" rtlCol="0">
+            <a:spAutoFit/>
+          </a:bodyPr>
+          <a:lstStyle/>
+          <a:p>
+            <a:pPr marL="285750" indent="-285750" defTabSz="914400">
+              <a:buClr>
+                <a:schemeClr val="accent1"/>
+              </a:buClr>
+              <a:buFont typeface="Arial" panose="020B0604020202020204" pitchFamily="34" charset="0"/>
+              <a:buChar char="•"/>
+            </a:pPr>
+            <a:r>
+              <a:rPr lang="de-DE" spc="10" dirty="0"/>
+              <a:t>Fakten:</a:t>
+            </a:r>
+          </a:p>
+          <a:p>
+            <a:pPr marL="800100" lvl="1" indent="-342900" defTabSz="914400">
+              <a:buClr>
+                <a:schemeClr val="accent1"/>
+              </a:buClr>
+              <a:buFont typeface="+mj-lt"/>
+              <a:buAutoNum type="arabicPeriod"/>
+            </a:pPr>
+            <a:r>
+              <a:rPr lang="de-DE" spc="10" dirty="0"/>
+              <a:t>Montag Morgen ist keine erhöhte Konzentration zu erkennen</a:t>
+            </a:r>
+          </a:p>
+          <a:p>
+            <a:pPr marL="800100" lvl="1" indent="-342900" defTabSz="914400">
+              <a:buClr>
+                <a:schemeClr val="accent1"/>
+              </a:buClr>
+              <a:buFont typeface="+mj-lt"/>
+              <a:buAutoNum type="arabicPeriod"/>
+            </a:pPr>
+            <a:r>
+              <a:rPr lang="de-DE" spc="10" dirty="0"/>
+              <a:t>These 2 ist bestätig. Es lassen sich Rushhour-Peaks erkennen.</a:t>
+            </a:r>
+          </a:p>
+          <a:p>
+            <a:pPr marL="800100" lvl="1" indent="-342900" defTabSz="914400">
+              <a:buClr>
+                <a:schemeClr val="accent1"/>
+              </a:buClr>
+              <a:buFont typeface="+mj-lt"/>
+              <a:buAutoNum type="arabicPeriod"/>
+            </a:pPr>
+            <a:r>
+              <a:rPr lang="de-DE" spc="10" dirty="0"/>
+              <a:t>These 3 ist bestätigt. Erhöhte NO2 Konzentration an Traffic Stationen ist gegeben</a:t>
+            </a:r>
+          </a:p>
+          <a:p>
+            <a:pPr marL="800100" lvl="1" indent="-342900" defTabSz="914400">
+              <a:buClr>
+                <a:schemeClr val="accent1"/>
+              </a:buClr>
+              <a:buFont typeface="+mj-lt"/>
+              <a:buAutoNum type="arabicPeriod"/>
+            </a:pPr>
+            <a:r>
+              <a:rPr lang="de-DE" spc="10" dirty="0"/>
+              <a:t>Freitag Abend eine auffällige Erhöhung der Messwerte </a:t>
+            </a:r>
+          </a:p>
+          <a:p>
+            <a:pPr marL="800100" lvl="1" indent="-342900" defTabSz="914400">
+              <a:buClr>
+                <a:schemeClr val="accent1"/>
+              </a:buClr>
+              <a:buFont typeface="+mj-lt"/>
+              <a:buAutoNum type="arabicPeriod"/>
+            </a:pPr>
+            <a:r>
+              <a:rPr lang="de-DE" spc="10" dirty="0"/>
+              <a:t>Von Montag bis Freitag steigen die Messwerte in den Abendstunden</a:t>
+            </a:r>
+          </a:p>
+          <a:p>
+            <a:pPr marL="285750" indent="-285750">
+              <a:buFont typeface="Arial" panose="020B0604020202020204" pitchFamily="34" charset="0"/>
+              <a:buChar char="•"/>
+            </a:pPr>
+            <a:endParaRPr lang="de-DE" dirty="0"/>
+          </a:p>
+        </p:txBody>
+      </p:sp>
+      <p:pic>
+        <p:nvPicPr>
+          <p:cNvPr id="5" name="Grafik 4">
+            <a:extLst>
+              <a:ext uri="{FF2B5EF4-FFF2-40B4-BE49-F238E27FC236}">
+                <a16:creationId xmlns:a16="http://schemas.microsoft.com/office/drawing/2014/main" id="{611EE8FB-8F39-4542-BBB5-C545C4F3F16F}"/>
+              </a:ext>
+            </a:extLst>
+          </p:cNvPr>
+          <p:cNvPicPr>
+            <a:picLocks noChangeAspect="1"/>
+          </p:cNvPicPr>
+          <p:nvPr/>
+        </p:nvPicPr>
+        <p:blipFill>
+          <a:blip r:embed="rId2"/>
+          <a:stretch>
+            <a:fillRect/>
+          </a:stretch>
+        </p:blipFill>
+        <p:spPr>
+          <a:xfrm>
+            <a:off x="6656120" y="4305855"/>
+            <a:ext cx="4487740" cy="1969774"/>
+          </a:xfrm>
+          <a:prstGeom prst="rect">
+            <a:avLst/>
+          </a:prstGeom>
+        </p:spPr>
+      </p:pic>
     </p:spTree>
     <p:extLst>
       <p:ext uri="{BB962C8B-B14F-4D97-AF65-F5344CB8AC3E}">
-        <p14:creationId xmlns:p14="http://schemas.microsoft.com/office/powerpoint/2010/main" val="4028848059"/>
+        <p14:creationId xmlns:p14="http://schemas.microsoft.com/office/powerpoint/2010/main" val="2623306327"/>
       </p:ext>
     </p:extLst>
   </p:cSld>
@@ -4826,19 +5029,8 @@
 </file>
 
 <file path=ppt/slides/slide15.xml><?xml version="1.0" encoding="utf-8"?>
-<p:sld xmlns:a="http://schemas.openxmlformats.org/drawingml/2006/main" xmlns:r="http://schemas.openxmlformats.org/officeDocument/2006/relationships" xmlns:p="http://schemas.openxmlformats.org/presentationml/2006/main">
+<p:sld xmlns:a="http://schemas.openxmlformats.org/drawingml/2006/main" xmlns:r="http://schemas.openxmlformats.org/officeDocument/2006/relationships" xmlns:p="http://schemas.openxmlformats.org/presentationml/2006/main" showMasterSp="0">
   <p:cSld>
-    <p:bg>
-      <p:bgPr>
-        <a:solidFill>
-          <a:schemeClr val="bg1">
-            <a:tint val="95000"/>
-            <a:satMod val="170000"/>
-          </a:schemeClr>
-        </a:solidFill>
-        <a:effectLst/>
-      </p:bgPr>
-    </p:bg>
     <p:spTree>
       <p:nvGrpSpPr>
         <p:cNvPr id="1" name=""/>
@@ -4918,7 +5110,7 @@
           <p:cNvPr id="2" name="Titel 1">
             <a:extLst>
               <a:ext uri="{FF2B5EF4-FFF2-40B4-BE49-F238E27FC236}">
-                <a16:creationId xmlns:a16="http://schemas.microsoft.com/office/drawing/2014/main" id="{C2B70286-7BDC-4347-90D1-BB2C43A47D3D}"/>
+                <a16:creationId xmlns:a16="http://schemas.microsoft.com/office/drawing/2014/main" id="{9B66AB13-0DC0-4B5B-80DD-FCA0073F738E}"/>
               </a:ext>
             </a:extLst>
           </p:cNvPr>
@@ -4933,6 +5125,41 @@
           <a:xfrm>
             <a:off x="1261872" y="365760"/>
             <a:ext cx="9692640" cy="1325562"/>
+          </a:xfrm>
+        </p:spPr>
+        <p:txBody>
+          <a:bodyPr>
+            <a:noAutofit/>
+          </a:bodyPr>
+          <a:lstStyle/>
+          <a:p>
+            <a:r>
+              <a:rPr lang="de-DE" dirty="0"/>
+              <a:t>Kurze Vorstellung der Thesen zu den Aufgaben 7 e</a:t>
+            </a:r>
+          </a:p>
+        </p:txBody>
+      </p:sp>
+      <p:sp>
+        <p:nvSpPr>
+          <p:cNvPr id="3" name="Inhaltsplatzhalter 2">
+            <a:extLst>
+              <a:ext uri="{FF2B5EF4-FFF2-40B4-BE49-F238E27FC236}">
+                <a16:creationId xmlns:a16="http://schemas.microsoft.com/office/drawing/2014/main" id="{0C9DA881-2C1F-4BB5-9000-C4D982A85C51}"/>
+              </a:ext>
+            </a:extLst>
+          </p:cNvPr>
+          <p:cNvSpPr>
+            <a:spLocks noGrp="1"/>
+          </p:cNvSpPr>
+          <p:nvPr>
+            <p:ph idx="1"/>
+          </p:nvPr>
+        </p:nvSpPr>
+        <p:spPr>
+          <a:xfrm>
+            <a:off x="1261872" y="1828800"/>
+            <a:ext cx="8595360" cy="4351337"/>
           </a:xfrm>
         </p:spPr>
         <p:txBody>
@@ -4943,7 +5170,13 @@
           <a:p>
             <a:r>
               <a:rPr lang="de-DE" dirty="0"/>
-              <a:t>Graph für die Allgemeine Schadstoffanalyse</a:t>
+              <a:t>Ein klar zu erkennender Trend ist die erhöhte Konzentration von Ozon in den Sommermonaten. </a:t>
+            </a:r>
+          </a:p>
+          <a:p>
+            <a:r>
+              <a:rPr lang="de-DE" dirty="0"/>
+              <a:t>Dies kann auf die erhöhe Bildung von Ozon im Sommer zurückgeführt werden[2].</a:t>
             </a:r>
           </a:p>
         </p:txBody>
@@ -5007,10 +5240,10 @@
       </p:sp>
       <p:pic>
         <p:nvPicPr>
-          <p:cNvPr id="3" name="Grafik 2">
-            <a:extLst>
-              <a:ext uri="{FF2B5EF4-FFF2-40B4-BE49-F238E27FC236}">
-                <a16:creationId xmlns:a16="http://schemas.microsoft.com/office/drawing/2014/main" id="{3EC18B4F-CA97-495F-B78D-0F0DF8EC4B7C}"/>
+          <p:cNvPr id="6" name="Grafik 5" descr="Ein Bild, das Monitor, Bildschirm, Tisch, sitzend enthält.&#10;&#10;Automatisch generierte Beschreibung">
+            <a:extLst>
+              <a:ext uri="{FF2B5EF4-FFF2-40B4-BE49-F238E27FC236}">
+                <a16:creationId xmlns:a16="http://schemas.microsoft.com/office/drawing/2014/main" id="{A4335D67-4A11-4048-8EA0-D1BD94CFDE35}"/>
               </a:ext>
             </a:extLst>
           </p:cNvPr>
@@ -5020,15 +5253,21 @@
           <p:nvPr/>
         </p:nvPicPr>
         <p:blipFill>
-          <a:blip r:embed="rId2"/>
+          <a:blip r:embed="rId2">
+            <a:extLst>
+              <a:ext uri="{28A0092B-C50C-407E-A947-70E740481C1C}">
+                <a14:useLocalDpi xmlns:a14="http://schemas.microsoft.com/office/drawing/2010/main" val="0"/>
+              </a:ext>
+            </a:extLst>
+          </a:blip>
           <a:stretch>
             <a:fillRect/>
           </a:stretch>
         </p:blipFill>
         <p:spPr>
           <a:xfrm>
-            <a:off x="3267004" y="1762347"/>
-            <a:ext cx="5039428" cy="4839375"/>
+            <a:off x="4055185" y="3429000"/>
+            <a:ext cx="4881282" cy="3254188"/>
           </a:xfrm>
           <a:prstGeom prst="rect">
             <a:avLst/>
@@ -5038,7 +5277,7 @@
     </p:spTree>
     <p:extLst>
       <p:ext uri="{BB962C8B-B14F-4D97-AF65-F5344CB8AC3E}">
-        <p14:creationId xmlns:p14="http://schemas.microsoft.com/office/powerpoint/2010/main" val="135476140"/>
+        <p14:creationId xmlns:p14="http://schemas.microsoft.com/office/powerpoint/2010/main" val="3087420659"/>
       </p:ext>
     </p:extLst>
   </p:cSld>
@@ -5049,19 +5288,8 @@
 </file>
 
 <file path=ppt/slides/slide16.xml><?xml version="1.0" encoding="utf-8"?>
-<p:sld xmlns:a="http://schemas.openxmlformats.org/drawingml/2006/main" xmlns:r="http://schemas.openxmlformats.org/officeDocument/2006/relationships" xmlns:p="http://schemas.openxmlformats.org/presentationml/2006/main">
+<p:sld xmlns:a="http://schemas.openxmlformats.org/drawingml/2006/main" xmlns:r="http://schemas.openxmlformats.org/officeDocument/2006/relationships" xmlns:p="http://schemas.openxmlformats.org/presentationml/2006/main" showMasterSp="0">
   <p:cSld>
-    <p:bg>
-      <p:bgPr>
-        <a:solidFill>
-          <a:schemeClr val="bg1">
-            <a:tint val="95000"/>
-            <a:satMod val="170000"/>
-          </a:schemeClr>
-        </a:solidFill>
-        <a:effectLst/>
-      </p:bgPr>
-    </p:bg>
     <p:spTree>
       <p:nvGrpSpPr>
         <p:cNvPr id="1" name=""/>
@@ -5141,7 +5369,7 @@
           <p:cNvPr id="2" name="Titel 1">
             <a:extLst>
               <a:ext uri="{FF2B5EF4-FFF2-40B4-BE49-F238E27FC236}">
-                <a16:creationId xmlns:a16="http://schemas.microsoft.com/office/drawing/2014/main" id="{6668E8AC-62F8-4B45-BE48-45BC93E57DD2}"/>
+                <a16:creationId xmlns:a16="http://schemas.microsoft.com/office/drawing/2014/main" id="{842B19AD-456B-4609-A1DA-B7A70B16E82A}"/>
               </a:ext>
             </a:extLst>
           </p:cNvPr>
@@ -5166,14 +5394,7 @@
           <a:p>
             <a:r>
               <a:rPr lang="de-DE" dirty="0"/>
-              <a:t>Unsere Beobachtungen:</a:t>
-            </a:r>
-            <a:br>
-              <a:rPr lang="de-DE" dirty="0"/>
-            </a:br>
-            <a:r>
-              <a:rPr lang="de-DE" dirty="0"/>
-              <a:t>Allgemeine Schadstoffanalyse</a:t>
+              <a:t>Kurze Vorstellung der Thesen zu den Aufgaben 7 f</a:t>
             </a:r>
           </a:p>
         </p:txBody>
@@ -5183,7 +5404,7 @@
           <p:cNvPr id="3" name="Inhaltsplatzhalter 2">
             <a:extLst>
               <a:ext uri="{FF2B5EF4-FFF2-40B4-BE49-F238E27FC236}">
-                <a16:creationId xmlns:a16="http://schemas.microsoft.com/office/drawing/2014/main" id="{C5EABB9A-AC9F-4014-82EC-EFE90129B328}"/>
+                <a16:creationId xmlns:a16="http://schemas.microsoft.com/office/drawing/2014/main" id="{A6FF065B-2548-462D-91A4-DA6B0523A019}"/>
               </a:ext>
             </a:extLst>
           </p:cNvPr>
@@ -5208,34 +5429,29 @@
           <a:p>
             <a:r>
               <a:rPr lang="de-DE" dirty="0"/>
-              <a:t>Keine Ein-Stunden-Mittelwerte für irgendeinen Schadstoff vorhanden für das Jahr 2015</a:t>
-            </a:r>
-          </a:p>
-          <a:p>
+              <a:t>Unter 12°C gibt es keinen Datenpunkt mit einer Konzentration von Ozon über</a:t>
+            </a:r>
+            <a:r>
+              <a:rPr lang="el-GR" dirty="0"/>
+              <a:t> </a:t>
+            </a:r>
             <a:r>
               <a:rPr lang="de-DE" dirty="0"/>
-              <a:t>Keine Ein-Stunden-Mittelwerte für den Schadstoff CO für den Zeitraum 2015-2020, weswegen auch kein Diagramm für diesen Schadstoff gezeichnet wurde</a:t>
-            </a:r>
-          </a:p>
-          <a:p>
+              <a:t>100 </a:t>
+            </a:r>
+            <a:r>
+              <a:rPr lang="el-GR" dirty="0"/>
+              <a:t>μ</a:t>
+            </a:r>
             <a:r>
               <a:rPr lang="de-DE" dirty="0"/>
-              <a:t>Ein-Stunden-Mittelwerte für den Schadstoff PM10 existieren erst seit Ende März 2019</a:t>
+              <a:t>g/m3 </a:t>
             </a:r>
           </a:p>
           <a:p>
             <a:r>
               <a:rPr lang="de-DE" dirty="0"/>
-              <a:t>Keine Ein-Stunden-Mittelwerte für den Schadstoff SO2 nach Juni 2018</a:t>
-            </a:r>
-          </a:p>
-          <a:p>
-            <a:pPr marL="0" indent="0">
-              <a:buNone/>
-            </a:pPr>
-            <a:r>
-              <a:rPr lang="de-DE" dirty="0"/>
-              <a:t>Zusammenfassend lässt sich sagen, dass die Daten relativ unvollständig sind.</a:t>
+              <a:t>Erklären lässt sich dies durch den direkten Zusammenhang (Korrelation) zwischen höheren Temperaturen und der Ozon Bildungsrate [2]</a:t>
             </a:r>
           </a:p>
         </p:txBody>
@@ -5297,10 +5513,40 @@
           </a:fontRef>
         </p:style>
       </p:sp>
+      <p:pic>
+        <p:nvPicPr>
+          <p:cNvPr id="5" name="Grafik 4">
+            <a:extLst>
+              <a:ext uri="{FF2B5EF4-FFF2-40B4-BE49-F238E27FC236}">
+                <a16:creationId xmlns:a16="http://schemas.microsoft.com/office/drawing/2014/main" id="{DEBDFF5C-A5C3-4482-BBED-AF5B5AA4835E}"/>
+              </a:ext>
+            </a:extLst>
+          </p:cNvPr>
+          <p:cNvPicPr>
+            <a:picLocks noChangeAspect="1"/>
+          </p:cNvPicPr>
+          <p:nvPr/>
+        </p:nvPicPr>
+        <p:blipFill>
+          <a:blip r:embed="rId2"/>
+          <a:stretch>
+            <a:fillRect/>
+          </a:stretch>
+        </p:blipFill>
+        <p:spPr>
+          <a:xfrm>
+            <a:off x="2830606" y="3243003"/>
+            <a:ext cx="4515850" cy="3513086"/>
+          </a:xfrm>
+          <a:prstGeom prst="rect">
+            <a:avLst/>
+          </a:prstGeom>
+        </p:spPr>
+      </p:pic>
     </p:spTree>
     <p:extLst>
       <p:ext uri="{BB962C8B-B14F-4D97-AF65-F5344CB8AC3E}">
-        <p14:creationId xmlns:p14="http://schemas.microsoft.com/office/powerpoint/2010/main" val="4017115495"/>
+        <p14:creationId xmlns:p14="http://schemas.microsoft.com/office/powerpoint/2010/main" val="254976642"/>
       </p:ext>
     </p:extLst>
   </p:cSld>
@@ -5311,19 +5557,8 @@
 </file>
 
 <file path=ppt/slides/slide17.xml><?xml version="1.0" encoding="utf-8"?>
-<p:sld xmlns:a="http://schemas.openxmlformats.org/drawingml/2006/main" xmlns:r="http://schemas.openxmlformats.org/officeDocument/2006/relationships" xmlns:p="http://schemas.openxmlformats.org/presentationml/2006/main">
+<p:sld xmlns:a="http://schemas.openxmlformats.org/drawingml/2006/main" xmlns:r="http://schemas.openxmlformats.org/officeDocument/2006/relationships" xmlns:p="http://schemas.openxmlformats.org/presentationml/2006/main" showMasterSp="0">
   <p:cSld>
-    <p:bg>
-      <p:bgPr>
-        <a:solidFill>
-          <a:schemeClr val="bg1">
-            <a:tint val="95000"/>
-            <a:satMod val="170000"/>
-          </a:schemeClr>
-        </a:solidFill>
-        <a:effectLst/>
-      </p:bgPr>
-    </p:bg>
     <p:spTree>
       <p:nvGrpSpPr>
         <p:cNvPr id="1" name=""/>
@@ -5403,7 +5638,7 @@
           <p:cNvPr id="2" name="Titel 1">
             <a:extLst>
               <a:ext uri="{FF2B5EF4-FFF2-40B4-BE49-F238E27FC236}">
-                <a16:creationId xmlns:a16="http://schemas.microsoft.com/office/drawing/2014/main" id="{6668E8AC-62F8-4B45-BE48-45BC93E57DD2}"/>
+                <a16:creationId xmlns:a16="http://schemas.microsoft.com/office/drawing/2014/main" id="{3AD90AC5-CF26-4F4F-B1DC-79E6D9B756DB}"/>
               </a:ext>
             </a:extLst>
           </p:cNvPr>
@@ -5428,14 +5663,7 @@
           <a:p>
             <a:r>
               <a:rPr lang="de-DE" dirty="0"/>
-              <a:t>Unsere Beobachtungen und Fazit:</a:t>
-            </a:r>
-            <a:br>
-              <a:rPr lang="de-DE" dirty="0"/>
-            </a:br>
-            <a:r>
-              <a:rPr lang="de-DE" dirty="0"/>
-              <a:t>Allgemeine Schadstoffanalyse</a:t>
+              <a:t>Unsere Hypothese zu Aufgabe 8</a:t>
             </a:r>
           </a:p>
         </p:txBody>
@@ -5445,7 +5673,7 @@
           <p:cNvPr id="3" name="Inhaltsplatzhalter 2">
             <a:extLst>
               <a:ext uri="{FF2B5EF4-FFF2-40B4-BE49-F238E27FC236}">
-                <a16:creationId xmlns:a16="http://schemas.microsoft.com/office/drawing/2014/main" id="{C5EABB9A-AC9F-4014-82EC-EFE90129B328}"/>
+                <a16:creationId xmlns:a16="http://schemas.microsoft.com/office/drawing/2014/main" id="{643E05D1-FAEB-4A7B-8518-2CE9885D97D4}"/>
               </a:ext>
             </a:extLst>
           </p:cNvPr>
@@ -5470,22 +5698,7 @@
           <a:p>
             <a:r>
               <a:rPr lang="de-DE" dirty="0"/>
-              <a:t>Ein-Stunden-Mittelwerte für NO2 ist im durchschnitt niedriger als die Durchschnittswerte der Vorjahre</a:t>
-            </a:r>
-          </a:p>
-          <a:p>
-            <a:r>
-              <a:rPr lang="de-DE" dirty="0"/>
-              <a:t>O3 hat einen Vollständigen Datensatz. Jedoch lassen sich hier keine Besonderheiten erkennen</a:t>
-            </a:r>
-          </a:p>
-          <a:p>
-            <a:pPr marL="0" indent="0">
-              <a:buNone/>
-            </a:pPr>
-            <a:r>
-              <a:rPr lang="de-DE" dirty="0"/>
-              <a:t>Fazit: Der Ein-Stunden-Mittelwert von NO2 ist neben dem Ein-Stunden-Mittelwerte für Ozon der einzige Datensatz, der stabil genug ist, um analysiert zu werden. Da Ozon, wie in Aufgabe 7 f angemerkt, nur wenig unter Menschlichen Einfluss steht, werden für den zweiten Teil unserer Analyse nur Ein-Stunden-Mittelwert von NO2 in Betracht gezogen.</a:t>
+              <a:t>Corona hat einen Einfluss auf die Schadstoffkonzentration, vor allem wird sich dies eher bei den städtischen Stationen bemerkbar machen, da hier der Verkehr stark gesunken gewesen ist</a:t>
             </a:r>
           </a:p>
         </p:txBody>
@@ -5550,7 +5763,7 @@
     </p:spTree>
     <p:extLst>
       <p:ext uri="{BB962C8B-B14F-4D97-AF65-F5344CB8AC3E}">
-        <p14:creationId xmlns:p14="http://schemas.microsoft.com/office/powerpoint/2010/main" val="3148354516"/>
+        <p14:creationId xmlns:p14="http://schemas.microsoft.com/office/powerpoint/2010/main" val="2544674410"/>
       </p:ext>
     </p:extLst>
   </p:cSld>
@@ -5561,19 +5774,8 @@
 </file>
 
 <file path=ppt/slides/slide18.xml><?xml version="1.0" encoding="utf-8"?>
-<p:sld xmlns:a="http://schemas.openxmlformats.org/drawingml/2006/main" xmlns:r="http://schemas.openxmlformats.org/officeDocument/2006/relationships" xmlns:p="http://schemas.openxmlformats.org/presentationml/2006/main">
+<p:sld xmlns:a="http://schemas.openxmlformats.org/drawingml/2006/main" xmlns:r="http://schemas.openxmlformats.org/officeDocument/2006/relationships" xmlns:p="http://schemas.openxmlformats.org/presentationml/2006/main" showMasterSp="0">
   <p:cSld>
-    <p:bg>
-      <p:bgPr>
-        <a:solidFill>
-          <a:schemeClr val="bg1">
-            <a:tint val="95000"/>
-            <a:satMod val="170000"/>
-          </a:schemeClr>
-        </a:solidFill>
-        <a:effectLst/>
-      </p:bgPr>
-    </p:bg>
     <p:spTree>
       <p:nvGrpSpPr>
         <p:cNvPr id="1" name=""/>
@@ -5653,7 +5855,7 @@
           <p:cNvPr id="2" name="Titel 1">
             <a:extLst>
               <a:ext uri="{FF2B5EF4-FFF2-40B4-BE49-F238E27FC236}">
-                <a16:creationId xmlns:a16="http://schemas.microsoft.com/office/drawing/2014/main" id="{B2943A57-6C0E-48C6-A35A-DEA0A9759647}"/>
+                <a16:creationId xmlns:a16="http://schemas.microsoft.com/office/drawing/2014/main" id="{F0ADB9DC-E92A-4C1C-A4C3-24DB7E40BC8F}"/>
               </a:ext>
             </a:extLst>
           </p:cNvPr>
@@ -5667,7 +5869,7 @@
         <p:spPr>
           <a:xfrm>
             <a:off x="1261872" y="365760"/>
-            <a:ext cx="9692640" cy="815340"/>
+            <a:ext cx="9692640" cy="1325562"/>
           </a:xfrm>
         </p:spPr>
         <p:txBody>
@@ -5678,8 +5880,55 @@
           <a:p>
             <a:r>
               <a:rPr lang="de-DE" dirty="0"/>
-              <a:t>Graph für die NO2 Analyse</a:t>
-            </a:r>
+              <a:t>Unsere Daten für die Analyse </a:t>
+            </a:r>
+          </a:p>
+        </p:txBody>
+      </p:sp>
+      <p:sp>
+        <p:nvSpPr>
+          <p:cNvPr id="3" name="Inhaltsplatzhalter 2">
+            <a:extLst>
+              <a:ext uri="{FF2B5EF4-FFF2-40B4-BE49-F238E27FC236}">
+                <a16:creationId xmlns:a16="http://schemas.microsoft.com/office/drawing/2014/main" id="{268A1151-2F3D-4BFF-AF23-3A0A285B9028}"/>
+              </a:ext>
+            </a:extLst>
+          </p:cNvPr>
+          <p:cNvSpPr>
+            <a:spLocks noGrp="1"/>
+          </p:cNvSpPr>
+          <p:nvPr>
+            <p:ph idx="1"/>
+          </p:nvPr>
+        </p:nvSpPr>
+        <p:spPr>
+          <a:xfrm>
+            <a:off x="1261872" y="1828800"/>
+            <a:ext cx="8595360" cy="4351337"/>
+          </a:xfrm>
+        </p:spPr>
+        <p:txBody>
+          <a:bodyPr>
+            <a:normAutofit/>
+          </a:bodyPr>
+          <a:lstStyle/>
+          <a:p>
+            <a:r>
+              <a:rPr lang="de-DE" dirty="0"/>
+              <a:t>Alle Schadstofftypen im Ein-Stunden-Mittelwert für Bayern </a:t>
+            </a:r>
+          </a:p>
+          <a:p>
+            <a:r>
+              <a:rPr lang="de-DE" dirty="0"/>
+              <a:t>Alle Schadstofftypen im Ein-Stunden-Mittelwert für Deutschland (Erklärung hierzu folgt)</a:t>
+            </a:r>
+          </a:p>
+          <a:p>
+            <a:endParaRPr lang="de-DE" dirty="0"/>
+          </a:p>
+          <a:p>
+            <a:endParaRPr lang="de-DE" dirty="0"/>
           </a:p>
         </p:txBody>
       </p:sp>
@@ -5740,40 +5989,10 @@
           </a:fontRef>
         </p:style>
       </p:sp>
-      <p:pic>
-        <p:nvPicPr>
-          <p:cNvPr id="3" name="Grafik 2">
-            <a:extLst>
-              <a:ext uri="{FF2B5EF4-FFF2-40B4-BE49-F238E27FC236}">
-                <a16:creationId xmlns:a16="http://schemas.microsoft.com/office/drawing/2014/main" id="{B14405B3-35FD-47F1-8B20-F2FF0812A71F}"/>
-              </a:ext>
-            </a:extLst>
-          </p:cNvPr>
-          <p:cNvPicPr>
-            <a:picLocks noChangeAspect="1"/>
-          </p:cNvPicPr>
-          <p:nvPr/>
-        </p:nvPicPr>
-        <p:blipFill>
-          <a:blip r:embed="rId2"/>
-          <a:stretch>
-            <a:fillRect/>
-          </a:stretch>
-        </p:blipFill>
-        <p:spPr>
-          <a:xfrm>
-            <a:off x="2979406" y="1181100"/>
-            <a:ext cx="4592648" cy="5553635"/>
-          </a:xfrm>
-          <a:prstGeom prst="rect">
-            <a:avLst/>
-          </a:prstGeom>
-        </p:spPr>
-      </p:pic>
     </p:spTree>
     <p:extLst>
       <p:ext uri="{BB962C8B-B14F-4D97-AF65-F5344CB8AC3E}">
-        <p14:creationId xmlns:p14="http://schemas.microsoft.com/office/powerpoint/2010/main" val="4224395399"/>
+        <p14:creationId xmlns:p14="http://schemas.microsoft.com/office/powerpoint/2010/main" val="3364708847"/>
       </p:ext>
     </p:extLst>
   </p:cSld>
@@ -5784,19 +6003,8 @@
 </file>
 
 <file path=ppt/slides/slide19.xml><?xml version="1.0" encoding="utf-8"?>
-<p:sld xmlns:a="http://schemas.openxmlformats.org/drawingml/2006/main" xmlns:r="http://schemas.openxmlformats.org/officeDocument/2006/relationships" xmlns:p="http://schemas.openxmlformats.org/presentationml/2006/main">
+<p:sld xmlns:a="http://schemas.openxmlformats.org/drawingml/2006/main" xmlns:r="http://schemas.openxmlformats.org/officeDocument/2006/relationships" xmlns:p="http://schemas.openxmlformats.org/presentationml/2006/main" showMasterSp="0">
   <p:cSld>
-    <p:bg>
-      <p:bgPr>
-        <a:solidFill>
-          <a:schemeClr val="bg1">
-            <a:tint val="95000"/>
-            <a:satMod val="170000"/>
-          </a:schemeClr>
-        </a:solidFill>
-        <a:effectLst/>
-      </p:bgPr>
-    </p:bg>
     <p:spTree>
       <p:nvGrpSpPr>
         <p:cNvPr id="1" name=""/>
@@ -5876,7 +6084,7 @@
           <p:cNvPr id="2" name="Titel 1">
             <a:extLst>
               <a:ext uri="{FF2B5EF4-FFF2-40B4-BE49-F238E27FC236}">
-                <a16:creationId xmlns:a16="http://schemas.microsoft.com/office/drawing/2014/main" id="{B2943A57-6C0E-48C6-A35A-DEA0A9759647}"/>
+                <a16:creationId xmlns:a16="http://schemas.microsoft.com/office/drawing/2014/main" id="{D50CB3C2-C1A3-4779-A5B3-39F8247F4382}"/>
               </a:ext>
             </a:extLst>
           </p:cNvPr>
@@ -5901,14 +6109,7 @@
           <a:p>
             <a:r>
               <a:rPr lang="de-DE" dirty="0"/>
-              <a:t>Unsere Beobachtungen:</a:t>
-            </a:r>
-            <a:br>
-              <a:rPr lang="de-DE" dirty="0"/>
-            </a:br>
-            <a:r>
-              <a:rPr lang="de-DE" dirty="0"/>
-              <a:t>NO2 Analyse</a:t>
+              <a:t>Unsere Analysen</a:t>
             </a:r>
           </a:p>
         </p:txBody>
@@ -5918,7 +6119,7 @@
           <p:cNvPr id="3" name="Inhaltsplatzhalter 2">
             <a:extLst>
               <a:ext uri="{FF2B5EF4-FFF2-40B4-BE49-F238E27FC236}">
-                <a16:creationId xmlns:a16="http://schemas.microsoft.com/office/drawing/2014/main" id="{483DE828-7E8A-4D74-8242-1F336DC18CCE}"/>
+                <a16:creationId xmlns:a16="http://schemas.microsoft.com/office/drawing/2014/main" id="{51721078-C958-4DEF-AE7A-0185FB2EACDA}"/>
               </a:ext>
             </a:extLst>
           </p:cNvPr>
@@ -5943,31 +6144,13 @@
           <a:p>
             <a:r>
               <a:rPr lang="de-DE" dirty="0"/>
-              <a:t>Prozentuell gesehen hohe Werte im Vergleich zu den Vorjahreskonzentrationen im Januar 2020</a:t>
+              <a:t>Das Plotten der durchschnittliche Ein-Stunden-Mittelwerte im Tagesdurchschnitt der Vorjahre und der selben Daten aus dem Jahr 2020</a:t>
             </a:r>
           </a:p>
           <a:p>
             <a:r>
               <a:rPr lang="de-DE" dirty="0"/>
-              <a:t>Der Großteil des Graphs liegt unter der 100% Marke</a:t>
-            </a:r>
-          </a:p>
-          <a:p>
-            <a:r>
-              <a:rPr lang="de-DE" dirty="0"/>
-              <a:t>Es ist ein Abfall der NO2-Konzentration zu erkennen, als die Ausgangssperre in Kraft getreten ist</a:t>
-            </a:r>
-          </a:p>
-          <a:p>
-            <a:r>
-              <a:rPr lang="de-DE" dirty="0"/>
-              <a:t>Es ist ein Abfall der NO2-Konzentration vom 14.04.2020-19.01.2020 zu erkennen</a:t>
-            </a:r>
-          </a:p>
-          <a:p>
-            <a:r>
-              <a:rPr lang="de-DE" dirty="0"/>
-              <a:t>Der relativ Wert der NO2-Konzentration ist bei Background-Stationen näher an der 100% Marke als bei den Traffic-Stationen</a:t>
+              <a:t>Das Plotten der durchschnittlichen Ein-Stunden-Mittelwerte der NO2-Konzentration im Tagesdurchschnitt der Vorjahre und der selben Daten aus dem Jahr 2020 sortiert nach Typ</a:t>
             </a:r>
           </a:p>
         </p:txBody>
@@ -6032,7 +6215,7 @@
     </p:spTree>
     <p:extLst>
       <p:ext uri="{BB962C8B-B14F-4D97-AF65-F5344CB8AC3E}">
-        <p14:creationId xmlns:p14="http://schemas.microsoft.com/office/powerpoint/2010/main" val="217223181"/>
+        <p14:creationId xmlns:p14="http://schemas.microsoft.com/office/powerpoint/2010/main" val="4028848059"/>
       </p:ext>
     </p:extLst>
   </p:cSld>
@@ -6043,19 +6226,8 @@
 </file>
 
 <file path=ppt/slides/slide2.xml><?xml version="1.0" encoding="utf-8"?>
-<p:sld xmlns:a="http://schemas.openxmlformats.org/drawingml/2006/main" xmlns:r="http://schemas.openxmlformats.org/officeDocument/2006/relationships" xmlns:p="http://schemas.openxmlformats.org/presentationml/2006/main">
+<p:sld xmlns:a="http://schemas.openxmlformats.org/drawingml/2006/main" xmlns:r="http://schemas.openxmlformats.org/officeDocument/2006/relationships" xmlns:p="http://schemas.openxmlformats.org/presentationml/2006/main" showMasterSp="0">
   <p:cSld>
-    <p:bg>
-      <p:bgPr>
-        <a:solidFill>
-          <a:schemeClr val="bg1">
-            <a:tint val="95000"/>
-            <a:satMod val="170000"/>
-          </a:schemeClr>
-        </a:solidFill>
-        <a:effectLst/>
-      </p:bgPr>
-    </p:bg>
     <p:spTree>
       <p:nvGrpSpPr>
         <p:cNvPr id="1" name=""/>
@@ -6070,37 +6242,29 @@
           <a:chExt cx="0" cy="0"/>
         </a:xfrm>
       </p:grpSpPr>
-      <p:sp useBgFill="1">
-        <p:nvSpPr>
-          <p:cNvPr id="14" name="Rectangle 7">
-            <a:extLst>
-              <a:ext uri="{FF2B5EF4-FFF2-40B4-BE49-F238E27FC236}">
-                <a16:creationId xmlns:a16="http://schemas.microsoft.com/office/drawing/2014/main" id="{5DB0431E-0B04-44A1-9C51-531E28D18A60}"/>
-              </a:ext>
-              <a:ext uri="{C183D7F6-B498-43B3-948B-1728B52AA6E4}">
-                <adec:decorative xmlns:adec="http://schemas.microsoft.com/office/drawing/2017/decorative" val="1"/>
-              </a:ext>
-            </a:extLst>
-          </p:cNvPr>
-          <p:cNvSpPr>
-            <a:spLocks noGrp="1" noRot="1" noChangeAspect="1" noMove="1" noResize="1" noEditPoints="1" noAdjustHandles="1" noChangeArrowheads="1" noChangeShapeType="1" noTextEdit="1"/>
-          </p:cNvSpPr>
-          <p:nvPr>
-            <p:extLst>
-              <p:ext uri="{386F3935-93C4-4BCD-93E2-E3B085C9AB24}">
-                <p16:designElem xmlns:p16="http://schemas.microsoft.com/office/powerpoint/2015/main" val="1"/>
-              </p:ext>
-            </p:extLst>
-          </p:nvPr>
-        </p:nvSpPr>
-        <p:spPr>
-          <a:xfrm>
-            <a:off x="0" y="0"/>
-            <a:ext cx="12192000" cy="6858000"/>
+      <p:sp>
+        <p:nvSpPr>
+          <p:cNvPr id="4" name="Rechteck 3">
+            <a:extLst>
+              <a:ext uri="{FF2B5EF4-FFF2-40B4-BE49-F238E27FC236}">
+                <a16:creationId xmlns:a16="http://schemas.microsoft.com/office/drawing/2014/main" id="{738B24FA-D388-49F2-94D6-56E41A4D7841}"/>
+              </a:ext>
+            </a:extLst>
+          </p:cNvPr>
+          <p:cNvSpPr/>
+          <p:nvPr/>
+        </p:nvSpPr>
+        <p:spPr>
+          <a:xfrm>
+            <a:off x="1098203" y="1529811"/>
+            <a:ext cx="4860637" cy="1228581"/>
           </a:xfrm>
           <a:prstGeom prst="rect">
             <a:avLst/>
           </a:prstGeom>
+          <a:solidFill>
+            <a:srgbClr val="333F50"/>
+          </a:solidFill>
           <a:ln>
             <a:noFill/>
           </a:ln>
@@ -6126,145 +6290,136 @@
           <a:lstStyle/>
           <a:p>
             <a:pPr algn="ctr"/>
-            <a:endParaRPr lang="en-US"/>
-          </a:p>
-        </p:txBody>
-      </p:sp>
-      <p:sp>
-        <p:nvSpPr>
-          <p:cNvPr id="2" name="Titel 1">
-            <a:extLst>
-              <a:ext uri="{FF2B5EF4-FFF2-40B4-BE49-F238E27FC236}">
-                <a16:creationId xmlns:a16="http://schemas.microsoft.com/office/drawing/2014/main" id="{166EB6E4-A3AD-4524-A551-8AD47396C83D}"/>
-              </a:ext>
-            </a:extLst>
-          </p:cNvPr>
-          <p:cNvSpPr>
-            <a:spLocks noGrp="1"/>
-          </p:cNvSpPr>
-          <p:nvPr>
-            <p:ph type="title"/>
-          </p:nvPr>
-        </p:nvSpPr>
-        <p:spPr>
-          <a:xfrm>
-            <a:off x="1261872" y="365760"/>
-            <a:ext cx="9692640" cy="1325562"/>
-          </a:xfrm>
-        </p:spPr>
-        <p:txBody>
-          <a:bodyPr>
+            <a:endParaRPr lang="en-DE"/>
+          </a:p>
+        </p:txBody>
+      </p:sp>
+      <p:sp>
+        <p:nvSpPr>
+          <p:cNvPr id="5" name="Titel 1">
+            <a:extLst>
+              <a:ext uri="{FF2B5EF4-FFF2-40B4-BE49-F238E27FC236}">
+                <a16:creationId xmlns:a16="http://schemas.microsoft.com/office/drawing/2014/main" id="{0EAB2CDD-F5CC-45CA-BA59-F92AC21ABEAD}"/>
+              </a:ext>
+            </a:extLst>
+          </p:cNvPr>
+          <p:cNvSpPr txBox="1">
+            <a:spLocks/>
+          </p:cNvSpPr>
+          <p:nvPr/>
+        </p:nvSpPr>
+        <p:spPr>
+          <a:xfrm>
+            <a:off x="1405543" y="1529811"/>
+            <a:ext cx="4454238" cy="1228581"/>
+          </a:xfrm>
+          <a:prstGeom prst="rect">
+            <a:avLst/>
+          </a:prstGeom>
+        </p:spPr>
+        <p:txBody>
+          <a:bodyPr vert="horz" lIns="91440" tIns="45720" rIns="91440" bIns="45720" rtlCol="0" anchor="ctr">
             <a:normAutofit/>
           </a:bodyPr>
-          <a:lstStyle/>
-          <a:p>
-            <a:r>
-              <a:rPr lang="de-DE" dirty="0"/>
-              <a:t>Gliederung des Vortrags</a:t>
-            </a:r>
-          </a:p>
-        </p:txBody>
-      </p:sp>
-      <p:sp>
-        <p:nvSpPr>
-          <p:cNvPr id="3" name="Inhaltsplatzhalter 2">
-            <a:extLst>
-              <a:ext uri="{FF2B5EF4-FFF2-40B4-BE49-F238E27FC236}">
-                <a16:creationId xmlns:a16="http://schemas.microsoft.com/office/drawing/2014/main" id="{542CD07C-260D-4CD9-A323-FC9709AB298A}"/>
-              </a:ext>
-            </a:extLst>
-          </p:cNvPr>
-          <p:cNvSpPr>
-            <a:spLocks noGrp="1"/>
-          </p:cNvSpPr>
-          <p:nvPr>
-            <p:ph idx="1"/>
-          </p:nvPr>
-        </p:nvSpPr>
-        <p:spPr>
-          <a:xfrm>
-            <a:off x="1261872" y="1828800"/>
-            <a:ext cx="8595360" cy="4351337"/>
-          </a:xfrm>
-        </p:spPr>
-        <p:txBody>
-          <a:bodyPr>
-            <a:normAutofit/>
-          </a:bodyPr>
-          <a:lstStyle/>
-          <a:p>
-            <a:r>
-              <a:rPr lang="de-DE" dirty="0"/>
-              <a:t>Kurzzusammenfassung der ersten vier Aufgabe</a:t>
-            </a:r>
-          </a:p>
-          <a:p>
-            <a:r>
-              <a:rPr lang="de-DE" dirty="0"/>
-              <a:t>Kurze Vorstellung unserer Thesen zu Aufgabe 5 b und c</a:t>
-            </a:r>
-          </a:p>
-          <a:p>
-            <a:r>
-              <a:rPr lang="de-DE" dirty="0"/>
-              <a:t>Kurze Vorstellung der Thesen zu Aufgabe 6 b</a:t>
-            </a:r>
-          </a:p>
-          <a:p>
-            <a:r>
-              <a:rPr lang="de-DE" dirty="0"/>
-              <a:t>Kurze Vorstellung der Thesen zu den Aufgaben 7 e und f</a:t>
-            </a:r>
-          </a:p>
-          <a:p>
-            <a:r>
-              <a:rPr lang="de-DE" dirty="0"/>
-              <a:t>Vortrag über unsere Hypothese, Daten für die Analyse, Analysen und Resultate bezüglich Aufgabe 8</a:t>
-            </a:r>
-          </a:p>
-          <a:p>
-            <a:r>
-              <a:rPr lang="de-DE" dirty="0"/>
-              <a:t>Quellen</a:t>
-            </a:r>
-          </a:p>
-        </p:txBody>
-      </p:sp>
-      <p:sp>
-        <p:nvSpPr>
-          <p:cNvPr id="15" name="Rectangle 9">
-            <a:extLst>
-              <a:ext uri="{FF2B5EF4-FFF2-40B4-BE49-F238E27FC236}">
-                <a16:creationId xmlns:a16="http://schemas.microsoft.com/office/drawing/2014/main" id="{6B424749-EEE0-49C9-9ABF-97B171A3EA00}"/>
-              </a:ext>
-              <a:ext uri="{C183D7F6-B498-43B3-948B-1728B52AA6E4}">
-                <adec:decorative xmlns:adec="http://schemas.microsoft.com/office/drawing/2017/decorative" val="1"/>
-              </a:ext>
-            </a:extLst>
-          </p:cNvPr>
-          <p:cNvSpPr>
-            <a:spLocks noGrp="1" noRot="1" noChangeAspect="1" noMove="1" noResize="1" noEditPoints="1" noAdjustHandles="1" noChangeArrowheads="1" noChangeShapeType="1" noTextEdit="1"/>
-          </p:cNvSpPr>
-          <p:nvPr>
-            <p:extLst>
-              <p:ext uri="{386F3935-93C4-4BCD-93E2-E3B085C9AB24}">
-                <p16:designElem xmlns:p16="http://schemas.microsoft.com/office/powerpoint/2015/main" val="1"/>
-              </p:ext>
-            </p:extLst>
-          </p:nvPr>
-        </p:nvSpPr>
-        <p:spPr>
-          <a:xfrm>
-            <a:off x="11277600" y="0"/>
-            <a:ext cx="914400" cy="6858000"/>
+          <a:lstStyle>
+            <a:lvl1pPr algn="l" defTabSz="914400" rtl="0" eaLnBrk="1" latinLnBrk="0" hangingPunct="1">
+              <a:lnSpc>
+                <a:spcPct val="90000"/>
+              </a:lnSpc>
+              <a:spcBef>
+                <a:spcPct val="0"/>
+              </a:spcBef>
+              <a:buNone/>
+              <a:defRPr sz="4400" kern="1200" spc="-50" baseline="0">
+                <a:solidFill>
+                  <a:schemeClr val="tx1"/>
+                </a:solidFill>
+                <a:latin typeface="+mj-lt"/>
+                <a:ea typeface="+mj-ea"/>
+                <a:cs typeface="+mj-cs"/>
+              </a:defRPr>
+            </a:lvl1pPr>
+          </a:lstStyle>
+          <a:p>
+            <a:r>
+              <a:rPr lang="en-US" sz="5400" b="1" dirty="0" err="1">
+                <a:solidFill>
+                  <a:schemeClr val="bg1"/>
+                </a:solidFill>
+                <a:latin typeface="Bahnschrift" panose="020B0502040204020203" pitchFamily="34" charset="0"/>
+              </a:rPr>
+              <a:t>Studienarbeit</a:t>
+            </a:r>
+            <a:endParaRPr lang="en-DE" sz="5400" b="1" dirty="0">
+              <a:solidFill>
+                <a:schemeClr val="bg1"/>
+              </a:solidFill>
+              <a:latin typeface="Bahnschrift" panose="020B0502040204020203" pitchFamily="34" charset="0"/>
+            </a:endParaRPr>
+          </a:p>
+        </p:txBody>
+      </p:sp>
+      <p:pic>
+        <p:nvPicPr>
+          <p:cNvPr id="7" name="Picture 2" descr="Bildergebnis für oth amberg logo">
+            <a:extLst>
+              <a:ext uri="{FF2B5EF4-FFF2-40B4-BE49-F238E27FC236}">
+                <a16:creationId xmlns:a16="http://schemas.microsoft.com/office/drawing/2014/main" id="{D0DD1353-4CE5-494B-ADA9-FF4FB68FD2A9}"/>
+              </a:ext>
+            </a:extLst>
+          </p:cNvPr>
+          <p:cNvPicPr>
+            <a:picLocks noChangeAspect="1" noChangeArrowheads="1"/>
+          </p:cNvPicPr>
+          <p:nvPr/>
+        </p:nvPicPr>
+        <p:blipFill>
+          <a:blip r:embed="rId2" cstate="print">
+            <a:extLst>
+              <a:ext uri="{28A0092B-C50C-407E-A947-70E740481C1C}">
+                <a14:useLocalDpi xmlns:a14="http://schemas.microsoft.com/office/drawing/2010/main" val="0"/>
+              </a:ext>
+            </a:extLst>
+          </a:blip>
+          <a:srcRect/>
+          <a:stretch>
+            <a:fillRect/>
+          </a:stretch>
+        </p:blipFill>
+        <p:spPr bwMode="auto">
+          <a:xfrm>
+            <a:off x="9984757" y="280117"/>
+            <a:ext cx="1733533" cy="885546"/>
+          </a:xfrm>
+          <a:prstGeom prst="rect">
+            <a:avLst/>
+          </a:prstGeom>
+          <a:noFill/>
+          <a:extLst/>
+        </p:spPr>
+      </p:pic>
+      <p:sp>
+        <p:nvSpPr>
+          <p:cNvPr id="8" name="Rechteck 7">
+            <a:extLst>
+              <a:ext uri="{FF2B5EF4-FFF2-40B4-BE49-F238E27FC236}">
+                <a16:creationId xmlns:a16="http://schemas.microsoft.com/office/drawing/2014/main" id="{70B63746-1616-4A6B-AA57-3B92812521B4}"/>
+              </a:ext>
+            </a:extLst>
+          </p:cNvPr>
+          <p:cNvSpPr/>
+          <p:nvPr/>
+        </p:nvSpPr>
+        <p:spPr>
+          <a:xfrm>
+            <a:off x="4087800" y="2758392"/>
+            <a:ext cx="4860637" cy="1228581"/>
           </a:xfrm>
           <a:prstGeom prst="rect">
             <a:avLst/>
           </a:prstGeom>
           <a:solidFill>
-            <a:schemeClr val="tx2">
-              <a:lumMod val="75000"/>
-            </a:schemeClr>
+            <a:srgbClr val="333F50"/>
           </a:solidFill>
           <a:ln>
             <a:noFill/>
@@ -6286,34 +6441,173 @@
             <a:schemeClr val="lt1"/>
           </a:fontRef>
         </p:style>
+        <p:txBody>
+          <a:bodyPr rtlCol="0" anchor="ctr"/>
+          <a:lstStyle/>
+          <a:p>
+            <a:pPr algn="ctr"/>
+            <a:endParaRPr lang="en-DE"/>
+          </a:p>
+        </p:txBody>
+      </p:sp>
+      <p:sp>
+        <p:nvSpPr>
+          <p:cNvPr id="9" name="Titel 1">
+            <a:extLst>
+              <a:ext uri="{FF2B5EF4-FFF2-40B4-BE49-F238E27FC236}">
+                <a16:creationId xmlns:a16="http://schemas.microsoft.com/office/drawing/2014/main" id="{7AD2AD7C-345E-4582-93D7-82CBC48C894F}"/>
+              </a:ext>
+            </a:extLst>
+          </p:cNvPr>
+          <p:cNvSpPr txBox="1">
+            <a:spLocks/>
+          </p:cNvSpPr>
+          <p:nvPr/>
+        </p:nvSpPr>
+        <p:spPr>
+          <a:xfrm>
+            <a:off x="4480560" y="2836034"/>
+            <a:ext cx="4467877" cy="1073298"/>
+          </a:xfrm>
+          <a:prstGeom prst="rect">
+            <a:avLst/>
+          </a:prstGeom>
+        </p:spPr>
+        <p:txBody>
+          <a:bodyPr vert="horz" lIns="91440" tIns="45720" rIns="91440" bIns="45720" rtlCol="0" anchor="ctr">
+            <a:normAutofit fontScale="92500"/>
+          </a:bodyPr>
+          <a:lstStyle>
+            <a:lvl1pPr algn="l" defTabSz="914400" rtl="0" eaLnBrk="1" latinLnBrk="0" hangingPunct="1">
+              <a:lnSpc>
+                <a:spcPct val="90000"/>
+              </a:lnSpc>
+              <a:spcBef>
+                <a:spcPct val="0"/>
+              </a:spcBef>
+              <a:buNone/>
+              <a:defRPr sz="4400" kern="1200" spc="-50" baseline="0">
+                <a:solidFill>
+                  <a:schemeClr val="tx1"/>
+                </a:solidFill>
+                <a:latin typeface="+mj-lt"/>
+                <a:ea typeface="+mj-ea"/>
+                <a:cs typeface="+mj-cs"/>
+              </a:defRPr>
+            </a:lvl1pPr>
+          </a:lstStyle>
+          <a:p>
+            <a:r>
+              <a:rPr lang="en-US" sz="5400" b="1" dirty="0">
+                <a:solidFill>
+                  <a:schemeClr val="bg1"/>
+                </a:solidFill>
+                <a:latin typeface="Bahnschrift" panose="020B0502040204020203" pitchFamily="34" charset="0"/>
+              </a:rPr>
+              <a:t>Data Analytics</a:t>
+            </a:r>
+            <a:endParaRPr lang="en-DE" sz="5400" b="1" dirty="0">
+              <a:solidFill>
+                <a:schemeClr val="bg1"/>
+              </a:solidFill>
+              <a:latin typeface="Bahnschrift" panose="020B0502040204020203" pitchFamily="34" charset="0"/>
+            </a:endParaRPr>
+          </a:p>
+        </p:txBody>
+      </p:sp>
+      <p:pic>
+        <p:nvPicPr>
+          <p:cNvPr id="11" name="Grafik 10">
+            <a:extLst>
+              <a:ext uri="{FF2B5EF4-FFF2-40B4-BE49-F238E27FC236}">
+                <a16:creationId xmlns:a16="http://schemas.microsoft.com/office/drawing/2014/main" id="{AC16A7B6-A3AF-4098-9FC6-A3BE504F6A00}"/>
+              </a:ext>
+            </a:extLst>
+          </p:cNvPr>
+          <p:cNvPicPr>
+            <a:picLocks noChangeAspect="1"/>
+          </p:cNvPicPr>
+          <p:nvPr/>
+        </p:nvPicPr>
+        <p:blipFill>
+          <a:blip r:embed="rId3"/>
+          <a:stretch>
+            <a:fillRect/>
+          </a:stretch>
+        </p:blipFill>
+        <p:spPr>
+          <a:xfrm>
+            <a:off x="0" y="6573750"/>
+            <a:ext cx="12192000" cy="299997"/>
+          </a:xfrm>
+          <a:prstGeom prst="rect">
+            <a:avLst/>
+          </a:prstGeom>
+        </p:spPr>
+      </p:pic>
+      <p:sp>
+        <p:nvSpPr>
+          <p:cNvPr id="12" name="Textfeld 11">
+            <a:extLst>
+              <a:ext uri="{FF2B5EF4-FFF2-40B4-BE49-F238E27FC236}">
+                <a16:creationId xmlns:a16="http://schemas.microsoft.com/office/drawing/2014/main" id="{AC884421-9122-4DE6-947D-E54BAA9C092E}"/>
+              </a:ext>
+            </a:extLst>
+          </p:cNvPr>
+          <p:cNvSpPr txBox="1"/>
+          <p:nvPr/>
+        </p:nvSpPr>
+        <p:spPr>
+          <a:xfrm>
+            <a:off x="-1" y="6563706"/>
+            <a:ext cx="12191999" cy="307777"/>
+          </a:xfrm>
+          <a:prstGeom prst="rect">
+            <a:avLst/>
+          </a:prstGeom>
+          <a:noFill/>
+        </p:spPr>
+        <p:txBody>
+          <a:bodyPr wrap="square" rtlCol="0" anchor="ctr">
+            <a:spAutoFit/>
+          </a:bodyPr>
+          <a:lstStyle/>
+          <a:p>
+            <a:pPr algn="ctr"/>
+            <a:r>
+              <a:rPr lang="en-US" sz="1400" dirty="0">
+                <a:solidFill>
+                  <a:schemeClr val="bg1"/>
+                </a:solidFill>
+                <a:latin typeface="+mj-lt"/>
+              </a:rPr>
+              <a:t>Christoph Kennerknecht, Jan Friedrich</a:t>
+            </a:r>
+            <a:endParaRPr lang="en-DE" sz="1400" dirty="0">
+              <a:solidFill>
+                <a:schemeClr val="bg1"/>
+              </a:solidFill>
+              <a:latin typeface="+mj-lt"/>
+            </a:endParaRPr>
+          </a:p>
+        </p:txBody>
       </p:sp>
     </p:spTree>
     <p:extLst>
       <p:ext uri="{BB962C8B-B14F-4D97-AF65-F5344CB8AC3E}">
-        <p14:creationId xmlns:p14="http://schemas.microsoft.com/office/powerpoint/2010/main" val="7974162"/>
+        <p14:creationId xmlns:p14="http://schemas.microsoft.com/office/powerpoint/2010/main" val="70565683"/>
       </p:ext>
     </p:extLst>
   </p:cSld>
   <p:clrMapOvr>
-    <a:overrideClrMapping bg1="dk1" tx1="lt1" bg2="dk2" tx2="lt2" accent1="accent1" accent2="accent2" accent3="accent3" accent4="accent4" accent5="accent5" accent6="accent6" hlink="hlink" folHlink="folHlink"/>
+    <a:masterClrMapping/>
   </p:clrMapOvr>
 </p:sld>
 </file>
 
 <file path=ppt/slides/slide20.xml><?xml version="1.0" encoding="utf-8"?>
-<p:sld xmlns:a="http://schemas.openxmlformats.org/drawingml/2006/main" xmlns:r="http://schemas.openxmlformats.org/officeDocument/2006/relationships" xmlns:p="http://schemas.openxmlformats.org/presentationml/2006/main">
+<p:sld xmlns:a="http://schemas.openxmlformats.org/drawingml/2006/main" xmlns:r="http://schemas.openxmlformats.org/officeDocument/2006/relationships" xmlns:p="http://schemas.openxmlformats.org/presentationml/2006/main" showMasterSp="0">
   <p:cSld>
-    <p:bg>
-      <p:bgPr>
-        <a:solidFill>
-          <a:schemeClr val="bg1">
-            <a:tint val="95000"/>
-            <a:satMod val="170000"/>
-          </a:schemeClr>
-        </a:solidFill>
-        <a:effectLst/>
-      </p:bgPr>
-    </p:bg>
     <p:spTree>
       <p:nvGrpSpPr>
         <p:cNvPr id="1" name=""/>
@@ -6393,7 +6687,7 @@
           <p:cNvPr id="2" name="Titel 1">
             <a:extLst>
               <a:ext uri="{FF2B5EF4-FFF2-40B4-BE49-F238E27FC236}">
-                <a16:creationId xmlns:a16="http://schemas.microsoft.com/office/drawing/2014/main" id="{A014AC96-3965-4711-96D6-3B5D52C761AD}"/>
+                <a16:creationId xmlns:a16="http://schemas.microsoft.com/office/drawing/2014/main" id="{C2B70286-7BDC-4347-90D1-BB2C43A47D3D}"/>
               </a:ext>
             </a:extLst>
           </p:cNvPr>
@@ -6418,67 +6712,7 @@
           <a:p>
             <a:r>
               <a:rPr lang="de-DE" dirty="0"/>
-              <a:t>Fakten:</a:t>
-            </a:r>
-            <a:br>
-              <a:rPr lang="de-DE" dirty="0"/>
-            </a:br>
-            <a:r>
-              <a:rPr lang="de-DE" dirty="0"/>
-              <a:t>NO2 Analyse</a:t>
-            </a:r>
-          </a:p>
-        </p:txBody>
-      </p:sp>
-      <p:sp>
-        <p:nvSpPr>
-          <p:cNvPr id="3" name="Inhaltsplatzhalter 2">
-            <a:extLst>
-              <a:ext uri="{FF2B5EF4-FFF2-40B4-BE49-F238E27FC236}">
-                <a16:creationId xmlns:a16="http://schemas.microsoft.com/office/drawing/2014/main" id="{77DE16E2-6804-4D3E-B958-FE2E29501E69}"/>
-              </a:ext>
-            </a:extLst>
-          </p:cNvPr>
-          <p:cNvSpPr>
-            <a:spLocks noGrp="1"/>
-          </p:cNvSpPr>
-          <p:nvPr>
-            <p:ph idx="1"/>
-          </p:nvPr>
-        </p:nvSpPr>
-        <p:spPr>
-          <a:xfrm>
-            <a:off x="1261872" y="1828800"/>
-            <a:ext cx="8595360" cy="4351337"/>
-          </a:xfrm>
-        </p:spPr>
-        <p:txBody>
-          <a:bodyPr>
-            <a:normAutofit/>
-          </a:bodyPr>
-          <a:lstStyle/>
-          <a:p>
-            <a:r>
-              <a:rPr lang="de-DE" dirty="0"/>
-              <a:t>Am 20.03 trat die Ausgangsperre in Kraft [5]</a:t>
-            </a:r>
-          </a:p>
-          <a:p>
-            <a:r>
-              <a:rPr lang="de-DE" dirty="0"/>
-              <a:t>Vom 14.01.2020-19.01.2020 gab es außergewöhnliche Wetterbedingungen[3]</a:t>
-            </a:r>
-          </a:p>
-          <a:p>
-            <a:r>
-              <a:rPr lang="de-DE" dirty="0"/>
-              <a:t>Am 27.01.2020 wurde der erste Corona-Fall in Deutschland bestätigt[4]</a:t>
-            </a:r>
-          </a:p>
-          <a:p>
-            <a:r>
-              <a:rPr lang="de-DE" dirty="0"/>
-              <a:t>Der Graph ist stark schwankend, da nur Daten aus den vier Vorjahren als Grundmenge herangezogen wurden (Da vorher keine vorhanden)</a:t>
+              <a:t>Graph für die Allgemeine Schadstoffanalyse</a:t>
             </a:r>
           </a:p>
         </p:txBody>
@@ -6540,10 +6774,40 @@
           </a:fontRef>
         </p:style>
       </p:sp>
+      <p:pic>
+        <p:nvPicPr>
+          <p:cNvPr id="3" name="Grafik 2">
+            <a:extLst>
+              <a:ext uri="{FF2B5EF4-FFF2-40B4-BE49-F238E27FC236}">
+                <a16:creationId xmlns:a16="http://schemas.microsoft.com/office/drawing/2014/main" id="{3EC18B4F-CA97-495F-B78D-0F0DF8EC4B7C}"/>
+              </a:ext>
+            </a:extLst>
+          </p:cNvPr>
+          <p:cNvPicPr>
+            <a:picLocks noChangeAspect="1"/>
+          </p:cNvPicPr>
+          <p:nvPr/>
+        </p:nvPicPr>
+        <p:blipFill>
+          <a:blip r:embed="rId2"/>
+          <a:stretch>
+            <a:fillRect/>
+          </a:stretch>
+        </p:blipFill>
+        <p:spPr>
+          <a:xfrm>
+            <a:off x="3267004" y="1762347"/>
+            <a:ext cx="5039428" cy="4839375"/>
+          </a:xfrm>
+          <a:prstGeom prst="rect">
+            <a:avLst/>
+          </a:prstGeom>
+        </p:spPr>
+      </p:pic>
     </p:spTree>
     <p:extLst>
       <p:ext uri="{BB962C8B-B14F-4D97-AF65-F5344CB8AC3E}">
-        <p14:creationId xmlns:p14="http://schemas.microsoft.com/office/powerpoint/2010/main" val="337653055"/>
+        <p14:creationId xmlns:p14="http://schemas.microsoft.com/office/powerpoint/2010/main" val="135476140"/>
       </p:ext>
     </p:extLst>
   </p:cSld>
@@ -6554,19 +6818,8 @@
 </file>
 
 <file path=ppt/slides/slide21.xml><?xml version="1.0" encoding="utf-8"?>
-<p:sld xmlns:a="http://schemas.openxmlformats.org/drawingml/2006/main" xmlns:r="http://schemas.openxmlformats.org/officeDocument/2006/relationships" xmlns:p="http://schemas.openxmlformats.org/presentationml/2006/main">
+<p:sld xmlns:a="http://schemas.openxmlformats.org/drawingml/2006/main" xmlns:r="http://schemas.openxmlformats.org/officeDocument/2006/relationships" xmlns:p="http://schemas.openxmlformats.org/presentationml/2006/main" showMasterSp="0">
   <p:cSld>
-    <p:bg>
-      <p:bgPr>
-        <a:solidFill>
-          <a:schemeClr val="bg1">
-            <a:tint val="95000"/>
-            <a:satMod val="170000"/>
-          </a:schemeClr>
-        </a:solidFill>
-        <a:effectLst/>
-      </p:bgPr>
-    </p:bg>
     <p:spTree>
       <p:nvGrpSpPr>
         <p:cNvPr id="1" name=""/>
@@ -6646,7 +6899,7 @@
           <p:cNvPr id="2" name="Titel 1">
             <a:extLst>
               <a:ext uri="{FF2B5EF4-FFF2-40B4-BE49-F238E27FC236}">
-                <a16:creationId xmlns:a16="http://schemas.microsoft.com/office/drawing/2014/main" id="{B2943A57-6C0E-48C6-A35A-DEA0A9759647}"/>
+                <a16:creationId xmlns:a16="http://schemas.microsoft.com/office/drawing/2014/main" id="{6668E8AC-62F8-4B45-BE48-45BC93E57DD2}"/>
               </a:ext>
             </a:extLst>
           </p:cNvPr>
@@ -6671,14 +6924,14 @@
           <a:p>
             <a:r>
               <a:rPr lang="de-DE" dirty="0"/>
-              <a:t>Unser Fazit:</a:t>
+              <a:t>Unsere Beobachtungen:</a:t>
             </a:r>
             <a:br>
               <a:rPr lang="de-DE" dirty="0"/>
             </a:br>
             <a:r>
               <a:rPr lang="de-DE" dirty="0"/>
-              <a:t>NO2 Analyse</a:t>
+              <a:t>Allgemeine Schadstoffanalyse</a:t>
             </a:r>
           </a:p>
         </p:txBody>
@@ -6688,7 +6941,7 @@
           <p:cNvPr id="3" name="Inhaltsplatzhalter 2">
             <a:extLst>
               <a:ext uri="{FF2B5EF4-FFF2-40B4-BE49-F238E27FC236}">
-                <a16:creationId xmlns:a16="http://schemas.microsoft.com/office/drawing/2014/main" id="{483DE828-7E8A-4D74-8242-1F336DC18CCE}"/>
+                <a16:creationId xmlns:a16="http://schemas.microsoft.com/office/drawing/2014/main" id="{C5EABB9A-AC9F-4014-82EC-EFE90129B328}"/>
               </a:ext>
             </a:extLst>
           </p:cNvPr>
@@ -6713,19 +6966,34 @@
           <a:p>
             <a:r>
               <a:rPr lang="de-DE" dirty="0"/>
-              <a:t>Der Beginn der Ausgangssperre hat einen kurzzeitigen Effekt auf die NO2-Konzentration gehabt</a:t>
+              <a:t>Das Jahr 2015 liefert keine Ein-Stunden-Mittelwerte für irgendeinen Schadstoffe</a:t>
             </a:r>
           </a:p>
           <a:p>
             <a:r>
               <a:rPr lang="de-DE" dirty="0"/>
-              <a:t>Der Graph hält sich seit dem ersten Corona Fall in Deutschland meistens unter der 100% Marke auf, was einen klaren Einfluss der Corona Pandemie auf die NO2-Konzentration zeigt</a:t>
+              <a:t>Keine Ein-Stunden-Mittelwerte für den Schadstoff CO für den Zeitraum 2015-2020, weswegen auch kein Diagramm für diesen Schadstoff gezeichnet wurde</a:t>
             </a:r>
           </a:p>
           <a:p>
             <a:r>
               <a:rPr lang="de-DE" dirty="0"/>
-              <a:t>Die Background-Stationen haben einen höheren relativen Wert zu den Vorjahren als die Traffic-Stationen, was vermuten lässt, dass die Corona Pandemie einen stärkeren Einfluss auf die NO2-Konzentration in Gebieten nahe der Traffic-Stationen hat als nahe der Background-Stationen</a:t>
+              <a:t>Ein-Stunden-Mittelwerte für den Schadstoff PM10 existieren erst seit Ende März 2019</a:t>
+            </a:r>
+          </a:p>
+          <a:p>
+            <a:r>
+              <a:rPr lang="de-DE" dirty="0"/>
+              <a:t>Keine Ein-Stunden-Mittelwerte für den Schadstoff SO2 nach Juni 2018</a:t>
+            </a:r>
+          </a:p>
+          <a:p>
+            <a:pPr marL="0" indent="0">
+              <a:buNone/>
+            </a:pPr>
+            <a:r>
+              <a:rPr lang="de-DE" dirty="0"/>
+              <a:t>Zusammenfassend lässt sich sagen, dass die Daten relativ unvollständig sind.</a:t>
             </a:r>
           </a:p>
         </p:txBody>
@@ -6790,7 +7058,7 @@
     </p:spTree>
     <p:extLst>
       <p:ext uri="{BB962C8B-B14F-4D97-AF65-F5344CB8AC3E}">
-        <p14:creationId xmlns:p14="http://schemas.microsoft.com/office/powerpoint/2010/main" val="2670695128"/>
+        <p14:creationId xmlns:p14="http://schemas.microsoft.com/office/powerpoint/2010/main" val="4017115495"/>
       </p:ext>
     </p:extLst>
   </p:cSld>
@@ -6801,19 +7069,8 @@
 </file>
 
 <file path=ppt/slides/slide22.xml><?xml version="1.0" encoding="utf-8"?>
-<p:sld xmlns:a="http://schemas.openxmlformats.org/drawingml/2006/main" xmlns:r="http://schemas.openxmlformats.org/officeDocument/2006/relationships" xmlns:p="http://schemas.openxmlformats.org/presentationml/2006/main">
+<p:sld xmlns:a="http://schemas.openxmlformats.org/drawingml/2006/main" xmlns:r="http://schemas.openxmlformats.org/officeDocument/2006/relationships" xmlns:p="http://schemas.openxmlformats.org/presentationml/2006/main" showMasterSp="0">
   <p:cSld>
-    <p:bg>
-      <p:bgPr>
-        <a:solidFill>
-          <a:schemeClr val="bg1">
-            <a:tint val="95000"/>
-            <a:satMod val="170000"/>
-          </a:schemeClr>
-        </a:solidFill>
-        <a:effectLst/>
-      </p:bgPr>
-    </p:bg>
     <p:spTree>
       <p:nvGrpSpPr>
         <p:cNvPr id="1" name=""/>
@@ -6893,7 +7150,7 @@
           <p:cNvPr id="2" name="Titel 1">
             <a:extLst>
               <a:ext uri="{FF2B5EF4-FFF2-40B4-BE49-F238E27FC236}">
-                <a16:creationId xmlns:a16="http://schemas.microsoft.com/office/drawing/2014/main" id="{3FE12925-E092-4881-A267-684BFAAA9D27}"/>
+                <a16:creationId xmlns:a16="http://schemas.microsoft.com/office/drawing/2014/main" id="{6668E8AC-62F8-4B45-BE48-45BC93E57DD2}"/>
               </a:ext>
             </a:extLst>
           </p:cNvPr>
@@ -6918,7 +7175,14 @@
           <a:p>
             <a:r>
               <a:rPr lang="de-DE" dirty="0"/>
-              <a:t>Quellen</a:t>
+              <a:t>Unsere Beobachtungen und Fazit:</a:t>
+            </a:r>
+            <a:br>
+              <a:rPr lang="de-DE" dirty="0"/>
+            </a:br>
+            <a:r>
+              <a:rPr lang="de-DE" dirty="0"/>
+              <a:t>Allgemeine Schadstoffanalyse</a:t>
             </a:r>
           </a:p>
         </p:txBody>
@@ -6928,7 +7192,7 @@
           <p:cNvPr id="3" name="Inhaltsplatzhalter 2">
             <a:extLst>
               <a:ext uri="{FF2B5EF4-FFF2-40B4-BE49-F238E27FC236}">
-                <a16:creationId xmlns:a16="http://schemas.microsoft.com/office/drawing/2014/main" id="{A09BB4C1-870C-47BD-AFF6-6DCF4FD269A2}"/>
+                <a16:creationId xmlns:a16="http://schemas.microsoft.com/office/drawing/2014/main" id="{C5EABB9A-AC9F-4014-82EC-EFE90129B328}"/>
               </a:ext>
             </a:extLst>
           </p:cNvPr>
@@ -6941,8 +7205,8 @@
         </p:nvSpPr>
         <p:spPr>
           <a:xfrm>
-            <a:off x="203200" y="1828800"/>
-            <a:ext cx="10909300" cy="4351337"/>
+            <a:off x="1261872" y="1828800"/>
+            <a:ext cx="8595360" cy="4351337"/>
           </a:xfrm>
         </p:spPr>
         <p:txBody>
@@ -6953,35 +7217,23 @@
           <a:p>
             <a:r>
               <a:rPr lang="de-DE" dirty="0"/>
-              <a:t>[1] https://www.hlnug.de/fileadmin/dokumente/luft/faltblaetter/Stickstoffoxid_12Seiten_2017_170606_Web.pdf</a:t>
+              <a:t>Ein-Stunden-Mittelwerte für NO2 ist im Durchschnitt niedriger als die Durchschnittswerte der Vorjahre</a:t>
             </a:r>
           </a:p>
           <a:p>
             <a:r>
               <a:rPr lang="de-DE" dirty="0"/>
-              <a:t>[2] https://www.esrl.noaa.gov/csl/assessments/ozone/2010/twentyquestions/Q2.pdf</a:t>
-            </a:r>
-          </a:p>
-          <a:p>
+              <a:t>O3 hat einen vollständigen Datensatz, jedoch lassen sich hier keine Besonderheiten erkennen</a:t>
+            </a:r>
+          </a:p>
+          <a:p>
+            <a:pPr marL="0" indent="0">
+              <a:buNone/>
+            </a:pPr>
             <a:r>
               <a:rPr lang="de-DE" dirty="0"/>
-              <a:t>[3] https://www.merkur.de/welt/wetter-deutschland-2020-prognose-warnung-winter-schnee-wende-glaette-vorhersage-kachelmann-januar-dwd-zr-13433972.html</a:t>
-            </a:r>
-          </a:p>
-          <a:p>
-            <a:r>
-              <a:rPr lang="de-DE" dirty="0"/>
-              <a:t>[4] https://www.spiegel.de/wissenschaft/medizin/erster-corona-fall-in-deutschland-die-unglueckliche-reise-von-patientin-0-a-2096d364-dcd8-4ec8-98ca-7a8ca1d63524</a:t>
-            </a:r>
-          </a:p>
-          <a:p>
-            <a:r>
-              <a:rPr lang="de-DE" dirty="0"/>
-              <a:t>[5] https://www.tagesschau.de/inland/soeder-363.html</a:t>
-            </a:r>
-          </a:p>
-          <a:p>
-            <a:endParaRPr lang="de-DE" dirty="0"/>
+              <a:t>Fazit: Der Ein-Stunden-Mittelwert von NO2 ist neben dem Ein-Stunden-Mittelwerte für Ozon der einzige Datensatz, der stabil genug ist, um analysiert zu werden. Da Ozon, wie in Aufgabe 7 f angemerkt, nur wenig unter menschlichen Einfluss steht, werden für den zweiten Teil unserer Analyse nur Ein-Stunden-Mittelwert von NO2 in Betracht gezogen.</a:t>
+            </a:r>
           </a:p>
         </p:txBody>
       </p:sp>
@@ -7045,7 +7297,7 @@
     </p:spTree>
     <p:extLst>
       <p:ext uri="{BB962C8B-B14F-4D97-AF65-F5344CB8AC3E}">
-        <p14:creationId xmlns:p14="http://schemas.microsoft.com/office/powerpoint/2010/main" val="2668023791"/>
+        <p14:creationId xmlns:p14="http://schemas.microsoft.com/office/powerpoint/2010/main" val="3148354516"/>
       </p:ext>
     </p:extLst>
   </p:cSld>
@@ -7056,19 +7308,8 @@
 </file>
 
 <file path=ppt/slides/slide23.xml><?xml version="1.0" encoding="utf-8"?>
-<p:sld xmlns:a="http://schemas.openxmlformats.org/drawingml/2006/main" xmlns:r="http://schemas.openxmlformats.org/officeDocument/2006/relationships" xmlns:p="http://schemas.openxmlformats.org/presentationml/2006/main">
+<p:sld xmlns:a="http://schemas.openxmlformats.org/drawingml/2006/main" xmlns:r="http://schemas.openxmlformats.org/officeDocument/2006/relationships" xmlns:p="http://schemas.openxmlformats.org/presentationml/2006/main" showMasterSp="0">
   <p:cSld>
-    <p:bg>
-      <p:bgPr>
-        <a:solidFill>
-          <a:schemeClr val="bg1">
-            <a:tint val="95000"/>
-            <a:satMod val="170000"/>
-          </a:schemeClr>
-        </a:solidFill>
-        <a:effectLst/>
-      </p:bgPr>
-    </p:bg>
     <p:spTree>
       <p:nvGrpSpPr>
         <p:cNvPr id="1" name=""/>
@@ -7148,7 +7389,7 @@
           <p:cNvPr id="2" name="Titel 1">
             <a:extLst>
               <a:ext uri="{FF2B5EF4-FFF2-40B4-BE49-F238E27FC236}">
-                <a16:creationId xmlns:a16="http://schemas.microsoft.com/office/drawing/2014/main" id="{9DC34185-A0D5-485A-B3BC-4515439FC209}"/>
+                <a16:creationId xmlns:a16="http://schemas.microsoft.com/office/drawing/2014/main" id="{B2943A57-6C0E-48C6-A35A-DEA0A9759647}"/>
               </a:ext>
             </a:extLst>
           </p:cNvPr>
@@ -7161,25 +7402,20 @@
         </p:nvSpPr>
         <p:spPr>
           <a:xfrm>
-            <a:off x="906272" y="2207260"/>
-            <a:ext cx="9692640" cy="1325562"/>
+            <a:off x="6366610" y="739471"/>
+            <a:ext cx="4025745" cy="815340"/>
           </a:xfrm>
         </p:spPr>
         <p:txBody>
           <a:bodyPr>
-            <a:normAutofit/>
+            <a:normAutofit fontScale="90000"/>
           </a:bodyPr>
           <a:lstStyle/>
           <a:p>
             <a:r>
               <a:rPr lang="de-DE" dirty="0"/>
-              <a:t>Danke für </a:t>
-            </a:r>
-            <a:r>
-              <a:rPr lang="de-DE"/>
-              <a:t>ihre Aufmerksamkeit</a:t>
-            </a:r>
-            <a:endParaRPr lang="de-DE" dirty="0"/>
+              <a:t>Graph für die NO2 Analyse</a:t>
+            </a:r>
           </a:p>
         </p:txBody>
       </p:sp>
@@ -7240,10 +7476,116 @@
           </a:fontRef>
         </p:style>
       </p:sp>
+      <p:pic>
+        <p:nvPicPr>
+          <p:cNvPr id="3" name="Grafik 2">
+            <a:extLst>
+              <a:ext uri="{FF2B5EF4-FFF2-40B4-BE49-F238E27FC236}">
+                <a16:creationId xmlns:a16="http://schemas.microsoft.com/office/drawing/2014/main" id="{B14405B3-35FD-47F1-8B20-F2FF0812A71F}"/>
+              </a:ext>
+            </a:extLst>
+          </p:cNvPr>
+          <p:cNvPicPr>
+            <a:picLocks noChangeAspect="1"/>
+          </p:cNvPicPr>
+          <p:nvPr/>
+        </p:nvPicPr>
+        <p:blipFill>
+          <a:blip r:embed="rId2"/>
+          <a:stretch>
+            <a:fillRect/>
+          </a:stretch>
+        </p:blipFill>
+        <p:spPr>
+          <a:xfrm>
+            <a:off x="629794" y="278296"/>
+            <a:ext cx="5254171" cy="6406544"/>
+          </a:xfrm>
+          <a:prstGeom prst="rect">
+            <a:avLst/>
+          </a:prstGeom>
+        </p:spPr>
+      </p:pic>
+      <p:sp>
+        <p:nvSpPr>
+          <p:cNvPr id="4" name="Textfeld 3">
+            <a:extLst>
+              <a:ext uri="{FF2B5EF4-FFF2-40B4-BE49-F238E27FC236}">
+                <a16:creationId xmlns:a16="http://schemas.microsoft.com/office/drawing/2014/main" id="{4DDF853C-5AD2-41E0-B5D7-B596633A1E07}"/>
+              </a:ext>
+            </a:extLst>
+          </p:cNvPr>
+          <p:cNvSpPr txBox="1"/>
+          <p:nvPr/>
+        </p:nvSpPr>
+        <p:spPr>
+          <a:xfrm>
+            <a:off x="7362906" y="2623930"/>
+            <a:ext cx="2560321" cy="646331"/>
+          </a:xfrm>
+          <a:prstGeom prst="rect">
+            <a:avLst/>
+          </a:prstGeom>
+          <a:noFill/>
+        </p:spPr>
+        <p:txBody>
+          <a:bodyPr wrap="square" rtlCol="0">
+            <a:spAutoFit/>
+          </a:bodyPr>
+          <a:lstStyle/>
+          <a:p>
+            <a:r>
+              <a:rPr lang="en-GB" dirty="0" err="1">
+                <a:solidFill>
+                  <a:srgbClr val="FF0000"/>
+                </a:solidFill>
+              </a:rPr>
+              <a:t>Neuen</a:t>
+            </a:r>
+            <a:r>
+              <a:rPr lang="en-GB" dirty="0">
+                <a:solidFill>
+                  <a:srgbClr val="FF0000"/>
+                </a:solidFill>
+              </a:rPr>
+              <a:t> </a:t>
+            </a:r>
+            <a:r>
+              <a:rPr lang="en-GB" dirty="0" err="1">
+                <a:solidFill>
+                  <a:srgbClr val="FF0000"/>
+                </a:solidFill>
+              </a:rPr>
+              <a:t>großer</a:t>
+            </a:r>
+            <a:r>
+              <a:rPr lang="en-GB" dirty="0">
+                <a:solidFill>
+                  <a:srgbClr val="FF0000"/>
+                </a:solidFill>
+              </a:rPr>
+              <a:t> screenshot </a:t>
+            </a:r>
+            <a:r>
+              <a:rPr lang="en-GB" dirty="0" err="1">
+                <a:solidFill>
+                  <a:srgbClr val="FF0000"/>
+                </a:solidFill>
+              </a:rPr>
+              <a:t>machen</a:t>
+            </a:r>
+            <a:endParaRPr lang="de-DE" dirty="0">
+              <a:solidFill>
+                <a:srgbClr val="FF0000"/>
+              </a:solidFill>
+            </a:endParaRPr>
+          </a:p>
+        </p:txBody>
+      </p:sp>
     </p:spTree>
     <p:extLst>
       <p:ext uri="{BB962C8B-B14F-4D97-AF65-F5344CB8AC3E}">
-        <p14:creationId xmlns:p14="http://schemas.microsoft.com/office/powerpoint/2010/main" val="2037290481"/>
+        <p14:creationId xmlns:p14="http://schemas.microsoft.com/office/powerpoint/2010/main" val="4224395399"/>
       </p:ext>
     </p:extLst>
   </p:cSld>
@@ -7253,20 +7595,9 @@
 </p:sld>
 </file>
 
-<file path=ppt/slides/slide3.xml><?xml version="1.0" encoding="utf-8"?>
-<p:sld xmlns:a="http://schemas.openxmlformats.org/drawingml/2006/main" xmlns:r="http://schemas.openxmlformats.org/officeDocument/2006/relationships" xmlns:p="http://schemas.openxmlformats.org/presentationml/2006/main">
+<file path=ppt/slides/slide24.xml><?xml version="1.0" encoding="utf-8"?>
+<p:sld xmlns:a="http://schemas.openxmlformats.org/drawingml/2006/main" xmlns:r="http://schemas.openxmlformats.org/officeDocument/2006/relationships" xmlns:p="http://schemas.openxmlformats.org/presentationml/2006/main" showMasterSp="0">
   <p:cSld>
-    <p:bg>
-      <p:bgPr>
-        <a:solidFill>
-          <a:schemeClr val="bg1">
-            <a:tint val="95000"/>
-            <a:satMod val="170000"/>
-          </a:schemeClr>
-        </a:solidFill>
-        <a:effectLst/>
-      </p:bgPr>
-    </p:bg>
     <p:spTree>
       <p:nvGrpSpPr>
         <p:cNvPr id="1" name=""/>
@@ -7346,7 +7677,7 @@
           <p:cNvPr id="2" name="Titel 1">
             <a:extLst>
               <a:ext uri="{FF2B5EF4-FFF2-40B4-BE49-F238E27FC236}">
-                <a16:creationId xmlns:a16="http://schemas.microsoft.com/office/drawing/2014/main" id="{69BE4B77-5195-4F4B-A629-2A71D3B0B7AC}"/>
+                <a16:creationId xmlns:a16="http://schemas.microsoft.com/office/drawing/2014/main" id="{B2943A57-6C0E-48C6-A35A-DEA0A9759647}"/>
               </a:ext>
             </a:extLst>
           </p:cNvPr>
@@ -7371,7 +7702,14 @@
           <a:p>
             <a:r>
               <a:rPr lang="de-DE" dirty="0"/>
-              <a:t>Kurzvorstellung der ersten vier Aufgaben: Aufgabe 1</a:t>
+              <a:t>Unsere Beobachtungen:</a:t>
+            </a:r>
+            <a:br>
+              <a:rPr lang="de-DE" dirty="0"/>
+            </a:br>
+            <a:r>
+              <a:rPr lang="de-DE" dirty="0"/>
+              <a:t>NO2 Analyse</a:t>
             </a:r>
           </a:p>
         </p:txBody>
@@ -7381,7 +7719,7 @@
           <p:cNvPr id="3" name="Inhaltsplatzhalter 2">
             <a:extLst>
               <a:ext uri="{FF2B5EF4-FFF2-40B4-BE49-F238E27FC236}">
-                <a16:creationId xmlns:a16="http://schemas.microsoft.com/office/drawing/2014/main" id="{D4119DB6-7E8A-4100-A225-54E93B2ADC95}"/>
+                <a16:creationId xmlns:a16="http://schemas.microsoft.com/office/drawing/2014/main" id="{483DE828-7E8A-4D74-8242-1F336DC18CCE}"/>
               </a:ext>
             </a:extLst>
           </p:cNvPr>
@@ -7394,7 +7732,7 @@
         </p:nvSpPr>
         <p:spPr>
           <a:xfrm>
-            <a:off x="1026548" y="1691322"/>
+            <a:off x="1261872" y="1828800"/>
             <a:ext cx="8595360" cy="4351337"/>
           </a:xfrm>
         </p:spPr>
@@ -7406,23 +7744,32 @@
           <a:p>
             <a:r>
               <a:rPr lang="de-DE" dirty="0"/>
-              <a:t>Es sind deutschlandweit 431 Stationen aktiv</a:t>
+              <a:t>Prozentuell gesehen hohe Werte im Vergleich zu den Vorjahreskonzentrationen im Januar 2020</a:t>
             </a:r>
           </a:p>
           <a:p>
             <a:r>
               <a:rPr lang="de-DE" dirty="0"/>
-              <a:t>Die Stationen setzten sich wie in der Grafik zu sehen zusammen</a:t>
+              <a:t>Der Großteil des Graphs liegt unter der 100% Marke</a:t>
             </a:r>
           </a:p>
           <a:p>
             <a:r>
               <a:rPr lang="de-DE" dirty="0"/>
-              <a:t>Die Stationen sind ungefähr gleich verteilt in Deutschland</a:t>
-            </a:r>
-          </a:p>
-          <a:p>
-            <a:endParaRPr lang="de-DE" dirty="0"/>
+              <a:t>Es ist ein Abfall der NO2-Konzentration zu erkennen, als die Ausgangssperre in Kraft getreten ist</a:t>
+            </a:r>
+          </a:p>
+          <a:p>
+            <a:r>
+              <a:rPr lang="de-DE" dirty="0"/>
+              <a:t>Es ist ein Abfall der NO2-Konzentration vom 14.04.2020-19.01.2020 zu erkennen</a:t>
+            </a:r>
+          </a:p>
+          <a:p>
+            <a:r>
+              <a:rPr lang="de-DE" dirty="0"/>
+              <a:t>Der relativ Wert der NO2-Konzentration ist bei Background-Stationen näher an der 100% Marke als bei den Traffic-Stationen</a:t>
+            </a:r>
           </a:p>
         </p:txBody>
       </p:sp>
@@ -7483,70 +7830,10 @@
           </a:fontRef>
         </p:style>
       </p:sp>
-      <p:pic>
-        <p:nvPicPr>
-          <p:cNvPr id="4" name="Grafik 3">
-            <a:extLst>
-              <a:ext uri="{FF2B5EF4-FFF2-40B4-BE49-F238E27FC236}">
-                <a16:creationId xmlns:a16="http://schemas.microsoft.com/office/drawing/2014/main" id="{A6D02D33-23B3-4D27-85FD-087B98F271E2}"/>
-              </a:ext>
-            </a:extLst>
-          </p:cNvPr>
-          <p:cNvPicPr>
-            <a:picLocks noChangeAspect="1"/>
-          </p:cNvPicPr>
-          <p:nvPr/>
-        </p:nvPicPr>
-        <p:blipFill>
-          <a:blip r:embed="rId2"/>
-          <a:stretch>
-            <a:fillRect/>
-          </a:stretch>
-        </p:blipFill>
-        <p:spPr>
-          <a:xfrm>
-            <a:off x="9006619" y="1297641"/>
-            <a:ext cx="2183217" cy="2131359"/>
-          </a:xfrm>
-          <a:prstGeom prst="rect">
-            <a:avLst/>
-          </a:prstGeom>
-        </p:spPr>
-      </p:pic>
-      <p:pic>
-        <p:nvPicPr>
-          <p:cNvPr id="5" name="Grafik 4">
-            <a:extLst>
-              <a:ext uri="{FF2B5EF4-FFF2-40B4-BE49-F238E27FC236}">
-                <a16:creationId xmlns:a16="http://schemas.microsoft.com/office/drawing/2014/main" id="{8216B71A-6310-40B3-A7DF-0418645A2986}"/>
-              </a:ext>
-            </a:extLst>
-          </p:cNvPr>
-          <p:cNvPicPr>
-            <a:picLocks noChangeAspect="1"/>
-          </p:cNvPicPr>
-          <p:nvPr/>
-        </p:nvPicPr>
-        <p:blipFill>
-          <a:blip r:embed="rId3"/>
-          <a:stretch>
-            <a:fillRect/>
-          </a:stretch>
-        </p:blipFill>
-        <p:spPr>
-          <a:xfrm>
-            <a:off x="1451058" y="3631013"/>
-            <a:ext cx="2448267" cy="2772162"/>
-          </a:xfrm>
-          <a:prstGeom prst="rect">
-            <a:avLst/>
-          </a:prstGeom>
-        </p:spPr>
-      </p:pic>
     </p:spTree>
     <p:extLst>
       <p:ext uri="{BB962C8B-B14F-4D97-AF65-F5344CB8AC3E}">
-        <p14:creationId xmlns:p14="http://schemas.microsoft.com/office/powerpoint/2010/main" val="3701406194"/>
+        <p14:creationId xmlns:p14="http://schemas.microsoft.com/office/powerpoint/2010/main" val="217223181"/>
       </p:ext>
     </p:extLst>
   </p:cSld>
@@ -7556,20 +7843,9 @@
 </p:sld>
 </file>
 
-<file path=ppt/slides/slide4.xml><?xml version="1.0" encoding="utf-8"?>
-<p:sld xmlns:a="http://schemas.openxmlformats.org/drawingml/2006/main" xmlns:r="http://schemas.openxmlformats.org/officeDocument/2006/relationships" xmlns:p="http://schemas.openxmlformats.org/presentationml/2006/main">
+<file path=ppt/slides/slide25.xml><?xml version="1.0" encoding="utf-8"?>
+<p:sld xmlns:a="http://schemas.openxmlformats.org/drawingml/2006/main" xmlns:r="http://schemas.openxmlformats.org/officeDocument/2006/relationships" xmlns:p="http://schemas.openxmlformats.org/presentationml/2006/main" showMasterSp="0">
   <p:cSld>
-    <p:bg>
-      <p:bgPr>
-        <a:solidFill>
-          <a:schemeClr val="bg1">
-            <a:tint val="95000"/>
-            <a:satMod val="170000"/>
-          </a:schemeClr>
-        </a:solidFill>
-        <a:effectLst/>
-      </p:bgPr>
-    </p:bg>
     <p:spTree>
       <p:nvGrpSpPr>
         <p:cNvPr id="1" name=""/>
@@ -7649,7 +7925,7 @@
           <p:cNvPr id="2" name="Titel 1">
             <a:extLst>
               <a:ext uri="{FF2B5EF4-FFF2-40B4-BE49-F238E27FC236}">
-                <a16:creationId xmlns:a16="http://schemas.microsoft.com/office/drawing/2014/main" id="{C3436BE3-3B86-42A3-8A05-1FECC58216CA}"/>
+                <a16:creationId xmlns:a16="http://schemas.microsoft.com/office/drawing/2014/main" id="{A014AC96-3965-4711-96D6-3B5D52C761AD}"/>
               </a:ext>
             </a:extLst>
           </p:cNvPr>
@@ -7674,7 +7950,14 @@
           <a:p>
             <a:r>
               <a:rPr lang="de-DE" dirty="0"/>
-              <a:t>Aufgabe 2</a:t>
+              <a:t>Fakten:</a:t>
+            </a:r>
+            <a:br>
+              <a:rPr lang="de-DE" dirty="0"/>
+            </a:br>
+            <a:r>
+              <a:rPr lang="de-DE" dirty="0"/>
+              <a:t>NO2 Analyse</a:t>
             </a:r>
           </a:p>
         </p:txBody>
@@ -7684,7 +7967,7 @@
           <p:cNvPr id="3" name="Inhaltsplatzhalter 2">
             <a:extLst>
               <a:ext uri="{FF2B5EF4-FFF2-40B4-BE49-F238E27FC236}">
-                <a16:creationId xmlns:a16="http://schemas.microsoft.com/office/drawing/2014/main" id="{F0AA21B6-6F5C-4858-8F83-CF13C957ACE1}"/>
+                <a16:creationId xmlns:a16="http://schemas.microsoft.com/office/drawing/2014/main" id="{77DE16E2-6804-4D3E-B958-FE2E29501E69}"/>
               </a:ext>
             </a:extLst>
           </p:cNvPr>
@@ -7709,11 +7992,26 @@
           <a:p>
             <a:r>
               <a:rPr lang="de-DE" dirty="0"/>
-              <a:t>Nur 45 der 53 bayrischen Stationen erfüllen die Anforderungen aus Aufgabe 2</a:t>
-            </a:r>
-          </a:p>
-          <a:p>
-            <a:endParaRPr lang="de-DE" dirty="0"/>
+              <a:t>Am 20.03 trat die Ausgangsperre in Kraft [5]</a:t>
+            </a:r>
+          </a:p>
+          <a:p>
+            <a:r>
+              <a:rPr lang="de-DE" dirty="0"/>
+              <a:t>Vom 14.01.2020-19.01.2020 gab es außergewöhnliche Wetterbedingungen[3]</a:t>
+            </a:r>
+          </a:p>
+          <a:p>
+            <a:r>
+              <a:rPr lang="de-DE" dirty="0"/>
+              <a:t>Am 27.01.2020 wurde der erste Corona-Fall in Deutschland bestätigt[4]</a:t>
+            </a:r>
+          </a:p>
+          <a:p>
+            <a:r>
+              <a:rPr lang="de-DE" dirty="0"/>
+              <a:t>Der Graph ist stark schwankend, da nur Daten aus den vier Vorjahren als Grundmenge herangezogen wurden (Da vorher keine vorhanden)</a:t>
+            </a:r>
           </a:p>
         </p:txBody>
       </p:sp>
@@ -7777,7 +8075,7 @@
     </p:spTree>
     <p:extLst>
       <p:ext uri="{BB962C8B-B14F-4D97-AF65-F5344CB8AC3E}">
-        <p14:creationId xmlns:p14="http://schemas.microsoft.com/office/powerpoint/2010/main" val="964927136"/>
+        <p14:creationId xmlns:p14="http://schemas.microsoft.com/office/powerpoint/2010/main" val="337653055"/>
       </p:ext>
     </p:extLst>
   </p:cSld>
@@ -7787,20 +8085,9 @@
 </p:sld>
 </file>
 
-<file path=ppt/slides/slide5.xml><?xml version="1.0" encoding="utf-8"?>
-<p:sld xmlns:a="http://schemas.openxmlformats.org/drawingml/2006/main" xmlns:r="http://schemas.openxmlformats.org/officeDocument/2006/relationships" xmlns:p="http://schemas.openxmlformats.org/presentationml/2006/main">
+<file path=ppt/slides/slide26.xml><?xml version="1.0" encoding="utf-8"?>
+<p:sld xmlns:a="http://schemas.openxmlformats.org/drawingml/2006/main" xmlns:r="http://schemas.openxmlformats.org/officeDocument/2006/relationships" xmlns:p="http://schemas.openxmlformats.org/presentationml/2006/main" showMasterSp="0">
   <p:cSld>
-    <p:bg>
-      <p:bgPr>
-        <a:solidFill>
-          <a:schemeClr val="bg1">
-            <a:tint val="95000"/>
-            <a:satMod val="170000"/>
-          </a:schemeClr>
-        </a:solidFill>
-        <a:effectLst/>
-      </p:bgPr>
-    </p:bg>
     <p:spTree>
       <p:nvGrpSpPr>
         <p:cNvPr id="1" name=""/>
@@ -7880,7 +8167,7 @@
           <p:cNvPr id="2" name="Titel 1">
             <a:extLst>
               <a:ext uri="{FF2B5EF4-FFF2-40B4-BE49-F238E27FC236}">
-                <a16:creationId xmlns:a16="http://schemas.microsoft.com/office/drawing/2014/main" id="{7E6496B9-5747-4F40-BCEE-AC4762D9EBD4}"/>
+                <a16:creationId xmlns:a16="http://schemas.microsoft.com/office/drawing/2014/main" id="{B2943A57-6C0E-48C6-A35A-DEA0A9759647}"/>
               </a:ext>
             </a:extLst>
           </p:cNvPr>
@@ -7893,7 +8180,7 @@
         </p:nvSpPr>
         <p:spPr>
           <a:xfrm>
-            <a:off x="1162669" y="98565"/>
+            <a:off x="1261872" y="365760"/>
             <a:ext cx="9692640" cy="1325562"/>
           </a:xfrm>
         </p:spPr>
@@ -7905,7 +8192,14 @@
           <a:p>
             <a:r>
               <a:rPr lang="de-DE" dirty="0"/>
-              <a:t>Aufgabe 3</a:t>
+              <a:t>Unser Fazit:</a:t>
+            </a:r>
+            <a:br>
+              <a:rPr lang="de-DE" dirty="0"/>
+            </a:br>
+            <a:r>
+              <a:rPr lang="de-DE" dirty="0"/>
+              <a:t>NO2 Analyse</a:t>
             </a:r>
           </a:p>
         </p:txBody>
@@ -7915,7 +8209,7 @@
           <p:cNvPr id="3" name="Inhaltsplatzhalter 2">
             <a:extLst>
               <a:ext uri="{FF2B5EF4-FFF2-40B4-BE49-F238E27FC236}">
-                <a16:creationId xmlns:a16="http://schemas.microsoft.com/office/drawing/2014/main" id="{DB710410-B89C-41FB-8F14-05A62736443F}"/>
+                <a16:creationId xmlns:a16="http://schemas.microsoft.com/office/drawing/2014/main" id="{483DE828-7E8A-4D74-8242-1F336DC18CCE}"/>
               </a:ext>
             </a:extLst>
           </p:cNvPr>
@@ -7928,8 +8222,8 @@
         </p:nvSpPr>
         <p:spPr>
           <a:xfrm>
-            <a:off x="305908" y="1644732"/>
-            <a:ext cx="6148331" cy="4351337"/>
+            <a:off x="1261872" y="1828800"/>
+            <a:ext cx="8595360" cy="4351337"/>
           </a:xfrm>
         </p:spPr>
         <p:txBody>
@@ -7940,47 +8234,55 @@
           <a:p>
             <a:r>
               <a:rPr lang="de-DE" dirty="0"/>
-              <a:t>Die höchste gemessene NO2-Konzentration beträgt 270 </a:t>
-            </a:r>
-            <a:r>
-              <a:rPr lang="el-GR" dirty="0"/>
-              <a:t>μ</a:t>
-            </a:r>
+              <a:t>Der Beginn der Ausgangssperre hat einen kurzzeitigen starken Effekt auf die NO2-Konzentration gehabt.</a:t>
+            </a:r>
+          </a:p>
+          <a:p>
             <a:r>
               <a:rPr lang="de-DE" dirty="0"/>
-              <a:t>g/m3 und wurde an der Station 535 am 22.06.2017 um 16:00:00 gemessen.</a:t>
+              <a:t>Der Graph hält sich seit dem ersten Corona Fall in Deutschland meistens unter der 100% Marke auf, was einen klaren Einfluss der Corona Pandemie auf die NO2-Konzentration zeigt.</a:t>
             </a:r>
           </a:p>
           <a:p>
             <a:r>
               <a:rPr lang="de-DE" dirty="0"/>
-              <a:t>Der Tag mit der höchsten durchschnittlichen NO2-Konzentration war der 23.01.2017 mit 75.72</a:t>
-            </a:r>
-            <a:r>
-              <a:rPr lang="el-GR" dirty="0"/>
-              <a:t> μ</a:t>
-            </a:r>
-            <a:r>
+              <a:t>Die Background-Stationen haben einen höheren relativen Wert zu den Vorjahren als die Traffic-Stationen, was vermuten lässt, dass die Corona Pandemie einen stärkeren Einfluss auf die NO2-Konzentration in Gebieten nahe der Traffic-Stationen hat als nahe der Background-Stationen.</a:t>
+            </a:r>
+            <a:br>
               <a:rPr lang="de-DE" dirty="0"/>
-              <a:t>g/m3.</a:t>
-            </a:r>
-          </a:p>
-          <a:p>
+            </a:br>
             <a:r>
               <a:rPr lang="de-DE" dirty="0"/>
-              <a:t>Die </a:t>
-            </a:r>
-            <a:r>
-              <a:rPr lang="de-DE" dirty="0" err="1"/>
-              <a:t>Jahrensdurchschnittswerte</a:t>
+              <a:t>Dies wäre mit einem reduzierten Straßenverkehr erklärbar, welcher, wie schon eine vorherige Beobachtung erkennen ließ, einen Einfluss auf die </a:t>
+            </a:r>
+            <a:r>
+              <a:rPr lang="de-DE" dirty="0">
+                <a:solidFill>
+                  <a:srgbClr val="FF0000"/>
+                </a:solidFill>
+              </a:rPr>
+              <a:t>NO</a:t>
+            </a:r>
+            <a:r>
+              <a:rPr lang="de-DE" sz="1200" dirty="0">
+                <a:solidFill>
+                  <a:srgbClr val="FF0000"/>
+                </a:solidFill>
+              </a:rPr>
+              <a:t>2 </a:t>
+            </a:r>
+            <a:r>
+              <a:rPr lang="de-DE" dirty="0">
+                <a:solidFill>
+                  <a:srgbClr val="FF0000"/>
+                </a:solidFill>
+              </a:rPr>
+              <a:t>- Konzentration </a:t>
             </a:r>
             <a:r>
               <a:rPr lang="de-DE" dirty="0"/>
-              <a:t> der NO2-Konzentration seit 2016 fallen bei Traffic-Stationen sichtbar ab</a:t>
-            </a:r>
-          </a:p>
-          <a:p>
-            <a:endParaRPr lang="de-DE" dirty="0"/>
+              <a:t>durch die Abgase hat.</a:t>
+            </a:r>
           </a:p>
         </p:txBody>
       </p:sp>
@@ -8041,40 +8343,10 @@
           </a:fontRef>
         </p:style>
       </p:sp>
-      <p:pic>
-        <p:nvPicPr>
-          <p:cNvPr id="4" name="Grafik 3">
-            <a:extLst>
-              <a:ext uri="{FF2B5EF4-FFF2-40B4-BE49-F238E27FC236}">
-                <a16:creationId xmlns:a16="http://schemas.microsoft.com/office/drawing/2014/main" id="{B1090A95-288F-4B64-AF63-97C51D13EDA7}"/>
-              </a:ext>
-            </a:extLst>
-          </p:cNvPr>
-          <p:cNvPicPr>
-            <a:picLocks noChangeAspect="1"/>
-          </p:cNvPicPr>
-          <p:nvPr/>
-        </p:nvPicPr>
-        <p:blipFill>
-          <a:blip r:embed="rId2"/>
-          <a:stretch>
-            <a:fillRect/>
-          </a:stretch>
-        </p:blipFill>
-        <p:spPr>
-          <a:xfrm>
-            <a:off x="7549847" y="1644732"/>
-            <a:ext cx="3178411" cy="3283772"/>
-          </a:xfrm>
-          <a:prstGeom prst="rect">
-            <a:avLst/>
-          </a:prstGeom>
-        </p:spPr>
-      </p:pic>
     </p:spTree>
     <p:extLst>
       <p:ext uri="{BB962C8B-B14F-4D97-AF65-F5344CB8AC3E}">
-        <p14:creationId xmlns:p14="http://schemas.microsoft.com/office/powerpoint/2010/main" val="1543333641"/>
+        <p14:creationId xmlns:p14="http://schemas.microsoft.com/office/powerpoint/2010/main" val="2670695128"/>
       </p:ext>
     </p:extLst>
   </p:cSld>
@@ -8084,20 +8356,9 @@
 </p:sld>
 </file>
 
-<file path=ppt/slides/slide6.xml><?xml version="1.0" encoding="utf-8"?>
-<p:sld xmlns:a="http://schemas.openxmlformats.org/drawingml/2006/main" xmlns:r="http://schemas.openxmlformats.org/officeDocument/2006/relationships" xmlns:p="http://schemas.openxmlformats.org/presentationml/2006/main">
+<file path=ppt/slides/slide27.xml><?xml version="1.0" encoding="utf-8"?>
+<p:sld xmlns:a="http://schemas.openxmlformats.org/drawingml/2006/main" xmlns:r="http://schemas.openxmlformats.org/officeDocument/2006/relationships" xmlns:p="http://schemas.openxmlformats.org/presentationml/2006/main" showMasterSp="0">
   <p:cSld>
-    <p:bg>
-      <p:bgPr>
-        <a:solidFill>
-          <a:schemeClr val="bg1">
-            <a:tint val="95000"/>
-            <a:satMod val="170000"/>
-          </a:schemeClr>
-        </a:solidFill>
-        <a:effectLst/>
-      </p:bgPr>
-    </p:bg>
     <p:spTree>
       <p:nvGrpSpPr>
         <p:cNvPr id="1" name=""/>
@@ -8177,7 +8438,7 @@
           <p:cNvPr id="2" name="Titel 1">
             <a:extLst>
               <a:ext uri="{FF2B5EF4-FFF2-40B4-BE49-F238E27FC236}">
-                <a16:creationId xmlns:a16="http://schemas.microsoft.com/office/drawing/2014/main" id="{7E6496B9-5747-4F40-BCEE-AC4762D9EBD4}"/>
+                <a16:creationId xmlns:a16="http://schemas.microsoft.com/office/drawing/2014/main" id="{3FE12925-E092-4881-A267-684BFAAA9D27}"/>
               </a:ext>
             </a:extLst>
           </p:cNvPr>
@@ -8202,7 +8463,7 @@
           <a:p>
             <a:r>
               <a:rPr lang="de-DE" dirty="0"/>
-              <a:t>Aufgabe 4</a:t>
+              <a:t>Quellen</a:t>
             </a:r>
           </a:p>
         </p:txBody>
@@ -8212,7 +8473,7 @@
           <p:cNvPr id="3" name="Inhaltsplatzhalter 2">
             <a:extLst>
               <a:ext uri="{FF2B5EF4-FFF2-40B4-BE49-F238E27FC236}">
-                <a16:creationId xmlns:a16="http://schemas.microsoft.com/office/drawing/2014/main" id="{DB710410-B89C-41FB-8F14-05A62736443F}"/>
+                <a16:creationId xmlns:a16="http://schemas.microsoft.com/office/drawing/2014/main" id="{A09BB4C1-870C-47BD-AFF6-6DCF4FD269A2}"/>
               </a:ext>
             </a:extLst>
           </p:cNvPr>
@@ -8225,8 +8486,8 @@
         </p:nvSpPr>
         <p:spPr>
           <a:xfrm>
-            <a:off x="1261872" y="1828800"/>
-            <a:ext cx="8595360" cy="4351337"/>
+            <a:off x="203200" y="1828800"/>
+            <a:ext cx="10909300" cy="4351337"/>
           </a:xfrm>
         </p:spPr>
         <p:txBody>
@@ -8237,33 +8498,34 @@
           <a:p>
             <a:r>
               <a:rPr lang="de-DE" dirty="0"/>
-              <a:t>Die Stationen, die das Kriterium für den Stundegrenzwert von 200 </a:t>
-            </a:r>
-            <a:r>
-              <a:rPr lang="el-GR" dirty="0"/>
-              <a:t>μ</a:t>
-            </a:r>
+              <a:t>[1] https://www.hlnug.de/fileadmin/dokumente/luft/faltblaetter/Stickstoffoxid_12Seiten_2017_170606_Web.pdf</a:t>
+            </a:r>
+          </a:p>
+          <a:p>
             <a:r>
               <a:rPr lang="de-DE" dirty="0"/>
-              <a:t>g/m3 überschreiten sind: 473,530,535 und 539</a:t>
+              <a:t>[2] https://www.esrl.noaa.gov/csl/assessments/ozone/2010/twentyquestions/Q2.pdf</a:t>
             </a:r>
           </a:p>
           <a:p>
             <a:r>
               <a:rPr lang="de-DE" dirty="0"/>
-              <a:t>Die Station 535 überschritt diesen Grenzwert in den letzten vier Jahren 27 mal davon 13 mal 2016 und 12 mal 2017.</a:t>
+              <a:t>[3] https://www.merkur.de/welt/wetter-deutschland-2020-prognose-warnung-winter-schnee-wende-glaette-vorhersage-kachelmann-januar-dwd-zr-13433972.html</a:t>
             </a:r>
           </a:p>
           <a:p>
             <a:r>
               <a:rPr lang="de-DE" dirty="0"/>
-              <a:t>Auffällig ist hier, das keine Station diesen Grenzwert öfter als 18 mal im Jahr überschreitet.</a:t>
-            </a:r>
-          </a:p>
-          <a:p>
-            <a:pPr marL="0" indent="0">
-              <a:buNone/>
-            </a:pPr>
+              <a:t>[4] https://www.spiegel.de/wissenschaft/medizin/erster-corona-fall-in-deutschland-die-unglueckliche-reise-von-patientin-0-a-2096d364-dcd8-4ec8-98ca-7a8ca1d63524</a:t>
+            </a:r>
+          </a:p>
+          <a:p>
+            <a:r>
+              <a:rPr lang="de-DE" dirty="0"/>
+              <a:t>[5] https://www.tagesschau.de/inland/soeder-363.html</a:t>
+            </a:r>
+          </a:p>
+          <a:p>
             <a:endParaRPr lang="de-DE" dirty="0"/>
           </a:p>
         </p:txBody>
@@ -8328,7 +8590,7 @@
     </p:spTree>
     <p:extLst>
       <p:ext uri="{BB962C8B-B14F-4D97-AF65-F5344CB8AC3E}">
-        <p14:creationId xmlns:p14="http://schemas.microsoft.com/office/powerpoint/2010/main" val="90216314"/>
+        <p14:creationId xmlns:p14="http://schemas.microsoft.com/office/powerpoint/2010/main" val="2668023791"/>
       </p:ext>
     </p:extLst>
   </p:cSld>
@@ -8338,20 +8600,9 @@
 </p:sld>
 </file>
 
-<file path=ppt/slides/slide7.xml><?xml version="1.0" encoding="utf-8"?>
-<p:sld xmlns:a="http://schemas.openxmlformats.org/drawingml/2006/main" xmlns:r="http://schemas.openxmlformats.org/officeDocument/2006/relationships" xmlns:p="http://schemas.openxmlformats.org/presentationml/2006/main">
+<file path=ppt/slides/slide28.xml><?xml version="1.0" encoding="utf-8"?>
+<p:sld xmlns:a="http://schemas.openxmlformats.org/drawingml/2006/main" xmlns:r="http://schemas.openxmlformats.org/officeDocument/2006/relationships" xmlns:p="http://schemas.openxmlformats.org/presentationml/2006/main" showMasterSp="0">
   <p:cSld>
-    <p:bg>
-      <p:bgPr>
-        <a:solidFill>
-          <a:schemeClr val="bg1">
-            <a:tint val="95000"/>
-            <a:satMod val="170000"/>
-          </a:schemeClr>
-        </a:solidFill>
-        <a:effectLst/>
-      </p:bgPr>
-    </p:bg>
     <p:spTree>
       <p:nvGrpSpPr>
         <p:cNvPr id="1" name=""/>
@@ -8431,7 +8682,7 @@
           <p:cNvPr id="2" name="Titel 1">
             <a:extLst>
               <a:ext uri="{FF2B5EF4-FFF2-40B4-BE49-F238E27FC236}">
-                <a16:creationId xmlns:a16="http://schemas.microsoft.com/office/drawing/2014/main" id="{31A3F8B4-0060-4A84-BF79-DC1E2C17A4B7}"/>
+                <a16:creationId xmlns:a16="http://schemas.microsoft.com/office/drawing/2014/main" id="{9DC34185-A0D5-485A-B3BC-4515439FC209}"/>
               </a:ext>
             </a:extLst>
           </p:cNvPr>
@@ -8444,46 +8695,8 @@
         </p:nvSpPr>
         <p:spPr>
           <a:xfrm>
-            <a:off x="1261872" y="365760"/>
+            <a:off x="906272" y="2207260"/>
             <a:ext cx="9692640" cy="1325562"/>
-          </a:xfrm>
-        </p:spPr>
-        <p:txBody>
-          <a:bodyPr>
-            <a:normAutofit fontScale="90000"/>
-          </a:bodyPr>
-          <a:lstStyle/>
-          <a:p>
-            <a:br>
-              <a:rPr lang="de-DE" dirty="0"/>
-            </a:br>
-            <a:r>
-              <a:rPr lang="de-DE" dirty="0"/>
-              <a:t>Kurze Vorstellung unserer Thesen zu Aufgabe 5 b</a:t>
-            </a:r>
-          </a:p>
-        </p:txBody>
-      </p:sp>
-      <p:sp>
-        <p:nvSpPr>
-          <p:cNvPr id="3" name="Inhaltsplatzhalter 2">
-            <a:extLst>
-              <a:ext uri="{FF2B5EF4-FFF2-40B4-BE49-F238E27FC236}">
-                <a16:creationId xmlns:a16="http://schemas.microsoft.com/office/drawing/2014/main" id="{DDFE9216-9C54-4336-9FBA-E4E6594C7D4C}"/>
-              </a:ext>
-            </a:extLst>
-          </p:cNvPr>
-          <p:cNvSpPr>
-            <a:spLocks noGrp="1"/>
-          </p:cNvSpPr>
-          <p:nvPr>
-            <p:ph idx="1"/>
-          </p:nvPr>
-        </p:nvSpPr>
-        <p:spPr>
-          <a:xfrm>
-            <a:off x="1261872" y="1828800"/>
-            <a:ext cx="8595360" cy="4351337"/>
           </a:xfrm>
         </p:spPr>
         <p:txBody>
@@ -8494,20 +8707,13 @@
           <a:p>
             <a:r>
               <a:rPr lang="de-DE" dirty="0"/>
-              <a:t>NO2-Konzentration im Winter ist signifikant höher als die NO2-Konzentration alle anderen Jahreszeiten </a:t>
-            </a:r>
-          </a:p>
-          <a:p>
-            <a:r>
-              <a:rPr lang="de-DE" dirty="0"/>
-              <a:t>NO2-Konzentration im Sommer signifikant niedriger ist als in allen anderen Jahreszeiten</a:t>
-            </a:r>
-          </a:p>
-          <a:p>
-            <a:r>
-              <a:rPr lang="de-DE" dirty="0"/>
-              <a:t>Die hohe NO2-Konzentration ist durch das einsetzten von Gebäudeheizungen im Winter zu erklären[1]. Die Nutzung von Gebäudeheizungen ist zwar auch in den Jahreszeiten Herbst und Frühling vorhanden, aber weniger stark und im Sommer ist die Nutzung von Gebäudeheizungen vernachlässigbar klein.</a:t>
-            </a:r>
+              <a:t>Danke für </a:t>
+            </a:r>
+            <a:r>
+              <a:rPr lang="de-DE"/>
+              <a:t>ihre Aufmerksamkeit</a:t>
+            </a:r>
+            <a:endParaRPr lang="de-DE" dirty="0"/>
           </a:p>
         </p:txBody>
       </p:sp>
@@ -8568,46 +8774,10 @@
           </a:fontRef>
         </p:style>
       </p:sp>
-      <p:pic>
-        <p:nvPicPr>
-          <p:cNvPr id="6" name="Grafik 5" descr="Ein Bild, das sitzend enthält.&#10;&#10;Automatisch generierte Beschreibung">
-            <a:extLst>
-              <a:ext uri="{FF2B5EF4-FFF2-40B4-BE49-F238E27FC236}">
-                <a16:creationId xmlns:a16="http://schemas.microsoft.com/office/drawing/2014/main" id="{DD4B1BA3-388D-4A9E-BBDF-4BD667E88E9D}"/>
-              </a:ext>
-            </a:extLst>
-          </p:cNvPr>
-          <p:cNvPicPr>
-            <a:picLocks noChangeAspect="1"/>
-          </p:cNvPicPr>
-          <p:nvPr/>
-        </p:nvPicPr>
-        <p:blipFill>
-          <a:blip r:embed="rId2">
-            <a:extLst>
-              <a:ext uri="{28A0092B-C50C-407E-A947-70E740481C1C}">
-                <a14:useLocalDpi xmlns:a14="http://schemas.microsoft.com/office/drawing/2010/main" val="0"/>
-              </a:ext>
-            </a:extLst>
-          </a:blip>
-          <a:stretch>
-            <a:fillRect/>
-          </a:stretch>
-        </p:blipFill>
-        <p:spPr>
-          <a:xfrm>
-            <a:off x="7185211" y="4545106"/>
-            <a:ext cx="3469341" cy="2312894"/>
-          </a:xfrm>
-          <a:prstGeom prst="rect">
-            <a:avLst/>
-          </a:prstGeom>
-        </p:spPr>
-      </p:pic>
     </p:spTree>
     <p:extLst>
       <p:ext uri="{BB962C8B-B14F-4D97-AF65-F5344CB8AC3E}">
-        <p14:creationId xmlns:p14="http://schemas.microsoft.com/office/powerpoint/2010/main" val="107170454"/>
+        <p14:creationId xmlns:p14="http://schemas.microsoft.com/office/powerpoint/2010/main" val="2037290481"/>
       </p:ext>
     </p:extLst>
   </p:cSld>
@@ -8617,20 +8787,1618 @@
 </p:sld>
 </file>
 
-<file path=ppt/slides/slide8.xml><?xml version="1.0" encoding="utf-8"?>
-<p:sld xmlns:a="http://schemas.openxmlformats.org/drawingml/2006/main" xmlns:r="http://schemas.openxmlformats.org/officeDocument/2006/relationships" xmlns:p="http://schemas.openxmlformats.org/presentationml/2006/main">
+<file path=ppt/slides/slide3.xml><?xml version="1.0" encoding="utf-8"?>
+<p:sld xmlns:a="http://schemas.openxmlformats.org/drawingml/2006/main" xmlns:r="http://schemas.openxmlformats.org/officeDocument/2006/relationships" xmlns:p="http://schemas.openxmlformats.org/presentationml/2006/main" showMasterSp="0">
   <p:cSld>
-    <p:bg>
-      <p:bgPr>
-        <a:solidFill>
-          <a:schemeClr val="bg1">
-            <a:tint val="95000"/>
-            <a:satMod val="170000"/>
-          </a:schemeClr>
-        </a:solidFill>
-        <a:effectLst/>
-      </p:bgPr>
-    </p:bg>
+    <p:spTree>
+      <p:nvGrpSpPr>
+        <p:cNvPr id="1" name=""/>
+        <p:cNvGrpSpPr/>
+        <p:nvPr/>
+      </p:nvGrpSpPr>
+      <p:grpSpPr>
+        <a:xfrm>
+          <a:off x="0" y="0"/>
+          <a:ext cx="0" cy="0"/>
+          <a:chOff x="0" y="0"/>
+          <a:chExt cx="0" cy="0"/>
+        </a:xfrm>
+      </p:grpSpPr>
+      <p:pic>
+        <p:nvPicPr>
+          <p:cNvPr id="4" name="Picture 2" descr="Bildergebnis für oth amberg logo">
+            <a:extLst>
+              <a:ext uri="{FF2B5EF4-FFF2-40B4-BE49-F238E27FC236}">
+                <a16:creationId xmlns:a16="http://schemas.microsoft.com/office/drawing/2014/main" id="{29488141-5C36-40F1-9CC9-3B7B670EB5C4}"/>
+              </a:ext>
+            </a:extLst>
+          </p:cNvPr>
+          <p:cNvPicPr>
+            <a:picLocks noChangeAspect="1" noChangeArrowheads="1"/>
+          </p:cNvPicPr>
+          <p:nvPr/>
+        </p:nvPicPr>
+        <p:blipFill>
+          <a:blip r:embed="rId2" cstate="print">
+            <a:extLst>
+              <a:ext uri="{28A0092B-C50C-407E-A947-70E740481C1C}">
+                <a14:useLocalDpi xmlns:a14="http://schemas.microsoft.com/office/drawing/2010/main" val="0"/>
+              </a:ext>
+            </a:extLst>
+          </a:blip>
+          <a:srcRect/>
+          <a:stretch>
+            <a:fillRect/>
+          </a:stretch>
+        </p:blipFill>
+        <p:spPr bwMode="auto">
+          <a:xfrm>
+            <a:off x="9927607" y="289642"/>
+            <a:ext cx="1733533" cy="885546"/>
+          </a:xfrm>
+          <a:prstGeom prst="rect">
+            <a:avLst/>
+          </a:prstGeom>
+          <a:noFill/>
+          <a:extLst/>
+        </p:spPr>
+      </p:pic>
+      <p:sp>
+        <p:nvSpPr>
+          <p:cNvPr id="3" name="Textfeld 2">
+            <a:extLst>
+              <a:ext uri="{FF2B5EF4-FFF2-40B4-BE49-F238E27FC236}">
+                <a16:creationId xmlns:a16="http://schemas.microsoft.com/office/drawing/2014/main" id="{BB898B23-4E0C-4D55-88B6-6D849B95DE38}"/>
+              </a:ext>
+            </a:extLst>
+          </p:cNvPr>
+          <p:cNvSpPr txBox="1"/>
+          <p:nvPr/>
+        </p:nvSpPr>
+        <p:spPr>
+          <a:xfrm>
+            <a:off x="418156" y="1964791"/>
+            <a:ext cx="11355688" cy="3785652"/>
+          </a:xfrm>
+          <a:prstGeom prst="rect">
+            <a:avLst/>
+          </a:prstGeom>
+          <a:noFill/>
+        </p:spPr>
+        <p:txBody>
+          <a:bodyPr wrap="square" rtlCol="0" anchor="t">
+            <a:spAutoFit/>
+          </a:bodyPr>
+          <a:lstStyle/>
+          <a:p>
+            <a:pPr marL="457200" indent="-457200">
+              <a:buAutoNum type="arabicPeriod"/>
+            </a:pPr>
+            <a:r>
+              <a:rPr lang="de-DE" sz="2000" b="1" dirty="0">
+                <a:solidFill>
+                  <a:srgbClr val="333F50"/>
+                </a:solidFill>
+              </a:rPr>
+              <a:t>Allgemeines über autonomes Fahren</a:t>
+            </a:r>
+          </a:p>
+          <a:p>
+            <a:pPr marL="457200" indent="-457200">
+              <a:buAutoNum type="arabicPeriod"/>
+            </a:pPr>
+            <a:endParaRPr lang="de-DE" sz="2000" b="1" dirty="0">
+              <a:solidFill>
+                <a:srgbClr val="333F50"/>
+              </a:solidFill>
+            </a:endParaRPr>
+          </a:p>
+          <a:p>
+            <a:pPr marL="457200" indent="-457200">
+              <a:buAutoNum type="arabicPeriod"/>
+            </a:pPr>
+            <a:r>
+              <a:rPr lang="de-DE" sz="2000" b="1" dirty="0">
+                <a:solidFill>
+                  <a:srgbClr val="333F50"/>
+                </a:solidFill>
+              </a:rPr>
+              <a:t>5 Stufen des autonomes Fahrens </a:t>
+            </a:r>
+            <a:endParaRPr lang="de-DE" sz="2000" b="1" dirty="0">
+              <a:solidFill>
+                <a:srgbClr val="333F50"/>
+              </a:solidFill>
+              <a:cs typeface="Calibri"/>
+            </a:endParaRPr>
+          </a:p>
+          <a:p>
+            <a:pPr marL="457200" indent="-457200">
+              <a:buAutoNum type="arabicPeriod"/>
+            </a:pPr>
+            <a:endParaRPr lang="de-DE" sz="2000" b="1" dirty="0">
+              <a:solidFill>
+                <a:srgbClr val="333F50"/>
+              </a:solidFill>
+            </a:endParaRPr>
+          </a:p>
+          <a:p>
+            <a:pPr marL="457200" indent="-457200">
+              <a:buAutoNum type="arabicPeriod"/>
+            </a:pPr>
+            <a:r>
+              <a:rPr lang="de-DE" sz="2000" b="1" dirty="0">
+                <a:solidFill>
+                  <a:srgbClr val="333F50"/>
+                </a:solidFill>
+              </a:rPr>
+              <a:t>Das Trolley Problem</a:t>
+            </a:r>
+            <a:endParaRPr lang="de-DE" sz="2000" b="1" dirty="0">
+              <a:solidFill>
+                <a:srgbClr val="333F50"/>
+              </a:solidFill>
+              <a:cs typeface="Calibri"/>
+            </a:endParaRPr>
+          </a:p>
+          <a:p>
+            <a:pPr marL="457200" indent="-457200">
+              <a:buAutoNum type="arabicPeriod"/>
+            </a:pPr>
+            <a:endParaRPr lang="de-DE" sz="2000" b="1" dirty="0">
+              <a:solidFill>
+                <a:srgbClr val="333F50"/>
+              </a:solidFill>
+            </a:endParaRPr>
+          </a:p>
+          <a:p>
+            <a:pPr marL="457200" indent="-457200">
+              <a:buAutoNum type="arabicPeriod"/>
+            </a:pPr>
+            <a:r>
+              <a:rPr lang="de-DE" sz="2000" b="1" dirty="0">
+                <a:solidFill>
+                  <a:srgbClr val="333F50"/>
+                </a:solidFill>
+              </a:rPr>
+              <a:t>Notwendigkeit moralischer Algorithmen</a:t>
+            </a:r>
+            <a:endParaRPr lang="de-DE" sz="2000" b="1" dirty="0">
+              <a:solidFill>
+                <a:srgbClr val="333F50"/>
+              </a:solidFill>
+              <a:cs typeface="Calibri"/>
+            </a:endParaRPr>
+          </a:p>
+          <a:p>
+            <a:pPr marL="457200" indent="-457200">
+              <a:buAutoNum type="arabicPeriod"/>
+            </a:pPr>
+            <a:endParaRPr lang="de-DE" sz="2000" b="1" dirty="0">
+              <a:solidFill>
+                <a:srgbClr val="333F50"/>
+              </a:solidFill>
+            </a:endParaRPr>
+          </a:p>
+          <a:p>
+            <a:pPr marL="457200" indent="-457200">
+              <a:buAutoNum type="arabicPeriod"/>
+            </a:pPr>
+            <a:r>
+              <a:rPr lang="de-DE" sz="2000" b="1" dirty="0">
+                <a:solidFill>
+                  <a:srgbClr val="333F50"/>
+                </a:solidFill>
+              </a:rPr>
+              <a:t>„Ethik programmieren“ </a:t>
+            </a:r>
+          </a:p>
+          <a:p>
+            <a:pPr marL="457200" indent="-457200">
+              <a:buAutoNum type="arabicPeriod"/>
+            </a:pPr>
+            <a:endParaRPr lang="de-DE" sz="2000" b="1" dirty="0">
+              <a:solidFill>
+                <a:srgbClr val="333F50"/>
+              </a:solidFill>
+            </a:endParaRPr>
+          </a:p>
+          <a:p>
+            <a:pPr marL="457200" indent="-457200">
+              <a:buAutoNum type="arabicPeriod"/>
+            </a:pPr>
+            <a:r>
+              <a:rPr lang="de-DE" sz="2000" b="1" dirty="0">
+                <a:solidFill>
+                  <a:srgbClr val="333F50"/>
+                </a:solidFill>
+              </a:rPr>
+              <a:t> Moralisches Dilemma</a:t>
+            </a:r>
+          </a:p>
+          <a:p>
+            <a:pPr marL="457200" indent="-457200">
+              <a:buAutoNum type="arabicPeriod"/>
+            </a:pPr>
+            <a:endParaRPr lang="de-DE" sz="2000" b="1" dirty="0">
+              <a:solidFill>
+                <a:srgbClr val="333F50"/>
+              </a:solidFill>
+              <a:cs typeface="Calibri"/>
+            </a:endParaRPr>
+          </a:p>
+        </p:txBody>
+      </p:sp>
+      <p:sp>
+        <p:nvSpPr>
+          <p:cNvPr id="5" name="Textfeld 4">
+            <a:extLst>
+              <a:ext uri="{FF2B5EF4-FFF2-40B4-BE49-F238E27FC236}">
+                <a16:creationId xmlns:a16="http://schemas.microsoft.com/office/drawing/2014/main" id="{AF7364DD-9D54-4431-9900-1309AACF7E2C}"/>
+              </a:ext>
+            </a:extLst>
+          </p:cNvPr>
+          <p:cNvSpPr txBox="1"/>
+          <p:nvPr/>
+        </p:nvSpPr>
+        <p:spPr>
+          <a:xfrm>
+            <a:off x="0" y="398240"/>
+            <a:ext cx="12192000" cy="769441"/>
+          </a:xfrm>
+          <a:prstGeom prst="rect">
+            <a:avLst/>
+          </a:prstGeom>
+          <a:noFill/>
+        </p:spPr>
+        <p:txBody>
+          <a:bodyPr wrap="square" rtlCol="0">
+            <a:spAutoFit/>
+          </a:bodyPr>
+          <a:lstStyle>
+            <a:defPPr>
+              <a:defRPr lang="de-DE"/>
+            </a:defPPr>
+            <a:lvl1pPr algn="ctr">
+              <a:defRPr sz="2400" b="1">
+                <a:solidFill>
+                  <a:srgbClr val="333F50"/>
+                </a:solidFill>
+                <a:latin typeface="Bahnschrift SemiBold" panose="020B0502040204020203" pitchFamily="34" charset="0"/>
+              </a:defRPr>
+            </a:lvl1pPr>
+          </a:lstStyle>
+          <a:p>
+            <a:r>
+              <a:rPr lang="de-DE" sz="4400" dirty="0"/>
+              <a:t>Gliederung</a:t>
+            </a:r>
+          </a:p>
+        </p:txBody>
+      </p:sp>
+    </p:spTree>
+    <p:extLst>
+      <p:ext uri="{BB962C8B-B14F-4D97-AF65-F5344CB8AC3E}">
+        <p14:creationId xmlns:p14="http://schemas.microsoft.com/office/powerpoint/2010/main" val="96594868"/>
+      </p:ext>
+    </p:extLst>
+  </p:cSld>
+  <p:clrMapOvr>
+    <a:masterClrMapping/>
+  </p:clrMapOvr>
+  <p:timing>
+    <p:tnLst>
+      <p:par>
+        <p:cTn id="1" dur="indefinite" restart="never" nodeType="tmRoot">
+          <p:childTnLst>
+            <p:seq concurrent="1" nextAc="seek">
+              <p:cTn id="2" dur="indefinite" nodeType="mainSeq">
+                <p:childTnLst>
+                  <p:par>
+                    <p:cTn id="3" fill="hold">
+                      <p:stCondLst>
+                        <p:cond delay="indefinite"/>
+                        <p:cond evt="onBegin" delay="0">
+                          <p:tn val="2"/>
+                        </p:cond>
+                      </p:stCondLst>
+                      <p:childTnLst>
+                        <p:par>
+                          <p:cTn id="4" fill="hold">
+                            <p:stCondLst>
+                              <p:cond delay="0"/>
+                            </p:stCondLst>
+                            <p:childTnLst>
+                              <p:par>
+                                <p:cTn id="5" presetID="10" presetClass="entr" presetSubtype="0" fill="hold" grpId="0" nodeType="afterEffect">
+                                  <p:stCondLst>
+                                    <p:cond delay="0"/>
+                                  </p:stCondLst>
+                                  <p:childTnLst>
+                                    <p:set>
+                                      <p:cBhvr>
+                                        <p:cTn id="6" dur="1" fill="hold">
+                                          <p:stCondLst>
+                                            <p:cond delay="0"/>
+                                          </p:stCondLst>
+                                        </p:cTn>
+                                        <p:tgtEl>
+                                          <p:spTgt spid="3">
+                                            <p:txEl>
+                                              <p:pRg st="0" end="0"/>
+                                            </p:txEl>
+                                          </p:spTgt>
+                                        </p:tgtEl>
+                                        <p:attrNameLst>
+                                          <p:attrName>style.visibility</p:attrName>
+                                        </p:attrNameLst>
+                                      </p:cBhvr>
+                                      <p:to>
+                                        <p:strVal val="visible"/>
+                                      </p:to>
+                                    </p:set>
+                                    <p:animEffect transition="in" filter="fade">
+                                      <p:cBhvr>
+                                        <p:cTn id="7" dur="500"/>
+                                        <p:tgtEl>
+                                          <p:spTgt spid="3">
+                                            <p:txEl>
+                                              <p:pRg st="0" end="0"/>
+                                            </p:txEl>
+                                          </p:spTgt>
+                                        </p:tgtEl>
+                                      </p:cBhvr>
+                                    </p:animEffect>
+                                  </p:childTnLst>
+                                </p:cTn>
+                              </p:par>
+                            </p:childTnLst>
+                          </p:cTn>
+                        </p:par>
+                        <p:par>
+                          <p:cTn id="8" fill="hold">
+                            <p:stCondLst>
+                              <p:cond delay="500"/>
+                            </p:stCondLst>
+                            <p:childTnLst>
+                              <p:par>
+                                <p:cTn id="9" presetID="10" presetClass="entr" presetSubtype="0" fill="hold" grpId="0" nodeType="afterEffect">
+                                  <p:stCondLst>
+                                    <p:cond delay="0"/>
+                                  </p:stCondLst>
+                                  <p:childTnLst>
+                                    <p:set>
+                                      <p:cBhvr>
+                                        <p:cTn id="10" dur="1" fill="hold">
+                                          <p:stCondLst>
+                                            <p:cond delay="0"/>
+                                          </p:stCondLst>
+                                        </p:cTn>
+                                        <p:tgtEl>
+                                          <p:spTgt spid="3">
+                                            <p:txEl>
+                                              <p:pRg st="2" end="2"/>
+                                            </p:txEl>
+                                          </p:spTgt>
+                                        </p:tgtEl>
+                                        <p:attrNameLst>
+                                          <p:attrName>style.visibility</p:attrName>
+                                        </p:attrNameLst>
+                                      </p:cBhvr>
+                                      <p:to>
+                                        <p:strVal val="visible"/>
+                                      </p:to>
+                                    </p:set>
+                                    <p:animEffect transition="in" filter="fade">
+                                      <p:cBhvr>
+                                        <p:cTn id="11" dur="500"/>
+                                        <p:tgtEl>
+                                          <p:spTgt spid="3">
+                                            <p:txEl>
+                                              <p:pRg st="2" end="2"/>
+                                            </p:txEl>
+                                          </p:spTgt>
+                                        </p:tgtEl>
+                                      </p:cBhvr>
+                                    </p:animEffect>
+                                  </p:childTnLst>
+                                </p:cTn>
+                              </p:par>
+                            </p:childTnLst>
+                          </p:cTn>
+                        </p:par>
+                        <p:par>
+                          <p:cTn id="12" fill="hold">
+                            <p:stCondLst>
+                              <p:cond delay="1000"/>
+                            </p:stCondLst>
+                            <p:childTnLst>
+                              <p:par>
+                                <p:cTn id="13" presetID="10" presetClass="entr" presetSubtype="0" fill="hold" grpId="0" nodeType="afterEffect">
+                                  <p:stCondLst>
+                                    <p:cond delay="0"/>
+                                  </p:stCondLst>
+                                  <p:childTnLst>
+                                    <p:set>
+                                      <p:cBhvr>
+                                        <p:cTn id="14" dur="1" fill="hold">
+                                          <p:stCondLst>
+                                            <p:cond delay="0"/>
+                                          </p:stCondLst>
+                                        </p:cTn>
+                                        <p:tgtEl>
+                                          <p:spTgt spid="3">
+                                            <p:txEl>
+                                              <p:pRg st="4" end="4"/>
+                                            </p:txEl>
+                                          </p:spTgt>
+                                        </p:tgtEl>
+                                        <p:attrNameLst>
+                                          <p:attrName>style.visibility</p:attrName>
+                                        </p:attrNameLst>
+                                      </p:cBhvr>
+                                      <p:to>
+                                        <p:strVal val="visible"/>
+                                      </p:to>
+                                    </p:set>
+                                    <p:animEffect transition="in" filter="fade">
+                                      <p:cBhvr>
+                                        <p:cTn id="15" dur="500"/>
+                                        <p:tgtEl>
+                                          <p:spTgt spid="3">
+                                            <p:txEl>
+                                              <p:pRg st="4" end="4"/>
+                                            </p:txEl>
+                                          </p:spTgt>
+                                        </p:tgtEl>
+                                      </p:cBhvr>
+                                    </p:animEffect>
+                                  </p:childTnLst>
+                                </p:cTn>
+                              </p:par>
+                            </p:childTnLst>
+                          </p:cTn>
+                        </p:par>
+                        <p:par>
+                          <p:cTn id="16" fill="hold">
+                            <p:stCondLst>
+                              <p:cond delay="1500"/>
+                            </p:stCondLst>
+                            <p:childTnLst>
+                              <p:par>
+                                <p:cTn id="17" presetID="10" presetClass="entr" presetSubtype="0" fill="hold" grpId="0" nodeType="afterEffect">
+                                  <p:stCondLst>
+                                    <p:cond delay="0"/>
+                                  </p:stCondLst>
+                                  <p:childTnLst>
+                                    <p:set>
+                                      <p:cBhvr>
+                                        <p:cTn id="18" dur="1" fill="hold">
+                                          <p:stCondLst>
+                                            <p:cond delay="0"/>
+                                          </p:stCondLst>
+                                        </p:cTn>
+                                        <p:tgtEl>
+                                          <p:spTgt spid="3">
+                                            <p:txEl>
+                                              <p:pRg st="6" end="6"/>
+                                            </p:txEl>
+                                          </p:spTgt>
+                                        </p:tgtEl>
+                                        <p:attrNameLst>
+                                          <p:attrName>style.visibility</p:attrName>
+                                        </p:attrNameLst>
+                                      </p:cBhvr>
+                                      <p:to>
+                                        <p:strVal val="visible"/>
+                                      </p:to>
+                                    </p:set>
+                                    <p:animEffect transition="in" filter="fade">
+                                      <p:cBhvr>
+                                        <p:cTn id="19" dur="500"/>
+                                        <p:tgtEl>
+                                          <p:spTgt spid="3">
+                                            <p:txEl>
+                                              <p:pRg st="6" end="6"/>
+                                            </p:txEl>
+                                          </p:spTgt>
+                                        </p:tgtEl>
+                                      </p:cBhvr>
+                                    </p:animEffect>
+                                  </p:childTnLst>
+                                </p:cTn>
+                              </p:par>
+                            </p:childTnLst>
+                          </p:cTn>
+                        </p:par>
+                        <p:par>
+                          <p:cTn id="20" fill="hold">
+                            <p:stCondLst>
+                              <p:cond delay="2000"/>
+                            </p:stCondLst>
+                            <p:childTnLst>
+                              <p:par>
+                                <p:cTn id="21" presetID="10" presetClass="entr" presetSubtype="0" fill="hold" grpId="0" nodeType="afterEffect">
+                                  <p:stCondLst>
+                                    <p:cond delay="0"/>
+                                  </p:stCondLst>
+                                  <p:childTnLst>
+                                    <p:set>
+                                      <p:cBhvr>
+                                        <p:cTn id="22" dur="1" fill="hold">
+                                          <p:stCondLst>
+                                            <p:cond delay="0"/>
+                                          </p:stCondLst>
+                                        </p:cTn>
+                                        <p:tgtEl>
+                                          <p:spTgt spid="3">
+                                            <p:txEl>
+                                              <p:pRg st="8" end="8"/>
+                                            </p:txEl>
+                                          </p:spTgt>
+                                        </p:tgtEl>
+                                        <p:attrNameLst>
+                                          <p:attrName>style.visibility</p:attrName>
+                                        </p:attrNameLst>
+                                      </p:cBhvr>
+                                      <p:to>
+                                        <p:strVal val="visible"/>
+                                      </p:to>
+                                    </p:set>
+                                    <p:animEffect transition="in" filter="fade">
+                                      <p:cBhvr>
+                                        <p:cTn id="23" dur="500"/>
+                                        <p:tgtEl>
+                                          <p:spTgt spid="3">
+                                            <p:txEl>
+                                              <p:pRg st="8" end="8"/>
+                                            </p:txEl>
+                                          </p:spTgt>
+                                        </p:tgtEl>
+                                      </p:cBhvr>
+                                    </p:animEffect>
+                                  </p:childTnLst>
+                                </p:cTn>
+                              </p:par>
+                            </p:childTnLst>
+                          </p:cTn>
+                        </p:par>
+                        <p:par>
+                          <p:cTn id="24" fill="hold">
+                            <p:stCondLst>
+                              <p:cond delay="2500"/>
+                            </p:stCondLst>
+                            <p:childTnLst>
+                              <p:par>
+                                <p:cTn id="25" presetID="10" presetClass="entr" presetSubtype="0" fill="hold" grpId="0" nodeType="afterEffect">
+                                  <p:stCondLst>
+                                    <p:cond delay="0"/>
+                                  </p:stCondLst>
+                                  <p:childTnLst>
+                                    <p:set>
+                                      <p:cBhvr>
+                                        <p:cTn id="26" dur="1" fill="hold">
+                                          <p:stCondLst>
+                                            <p:cond delay="0"/>
+                                          </p:stCondLst>
+                                        </p:cTn>
+                                        <p:tgtEl>
+                                          <p:spTgt spid="3">
+                                            <p:txEl>
+                                              <p:pRg st="10" end="10"/>
+                                            </p:txEl>
+                                          </p:spTgt>
+                                        </p:tgtEl>
+                                        <p:attrNameLst>
+                                          <p:attrName>style.visibility</p:attrName>
+                                        </p:attrNameLst>
+                                      </p:cBhvr>
+                                      <p:to>
+                                        <p:strVal val="visible"/>
+                                      </p:to>
+                                    </p:set>
+                                    <p:animEffect transition="in" filter="fade">
+                                      <p:cBhvr>
+                                        <p:cTn id="27" dur="500"/>
+                                        <p:tgtEl>
+                                          <p:spTgt spid="3">
+                                            <p:txEl>
+                                              <p:pRg st="10" end="10"/>
+                                            </p:txEl>
+                                          </p:spTgt>
+                                        </p:tgtEl>
+                                      </p:cBhvr>
+                                    </p:animEffect>
+                                  </p:childTnLst>
+                                </p:cTn>
+                              </p:par>
+                            </p:childTnLst>
+                          </p:cTn>
+                        </p:par>
+                      </p:childTnLst>
+                    </p:cTn>
+                  </p:par>
+                </p:childTnLst>
+              </p:cTn>
+              <p:prevCondLst>
+                <p:cond evt="onPrev" delay="0">
+                  <p:tgtEl>
+                    <p:sldTgt/>
+                  </p:tgtEl>
+                </p:cond>
+              </p:prevCondLst>
+              <p:nextCondLst>
+                <p:cond evt="onNext" delay="0">
+                  <p:tgtEl>
+                    <p:sldTgt/>
+                  </p:tgtEl>
+                </p:cond>
+              </p:nextCondLst>
+            </p:seq>
+          </p:childTnLst>
+        </p:cTn>
+      </p:par>
+    </p:tnLst>
+    <p:bldLst>
+      <p:bldP spid="3" grpId="0" uiExpand="1" build="p" bldLvl="5"/>
+    </p:bldLst>
+  </p:timing>
+</p:sld>
+</file>
+
+<file path=ppt/slides/slide4.xml><?xml version="1.0" encoding="utf-8"?>
+<p:sld xmlns:a="http://schemas.openxmlformats.org/drawingml/2006/main" xmlns:r="http://schemas.openxmlformats.org/officeDocument/2006/relationships" xmlns:p="http://schemas.openxmlformats.org/presentationml/2006/main" showMasterSp="0">
+  <p:cSld>
+    <p:spTree>
+      <p:nvGrpSpPr>
+        <p:cNvPr id="1" name=""/>
+        <p:cNvGrpSpPr/>
+        <p:nvPr/>
+      </p:nvGrpSpPr>
+      <p:grpSpPr>
+        <a:xfrm>
+          <a:off x="0" y="0"/>
+          <a:ext cx="0" cy="0"/>
+          <a:chOff x="0" y="0"/>
+          <a:chExt cx="0" cy="0"/>
+        </a:xfrm>
+      </p:grpSpPr>
+      <p:pic>
+        <p:nvPicPr>
+          <p:cNvPr id="4" name="Picture 2" descr="Bildergebnis für oth amberg logo">
+            <a:extLst>
+              <a:ext uri="{FF2B5EF4-FFF2-40B4-BE49-F238E27FC236}">
+                <a16:creationId xmlns:a16="http://schemas.microsoft.com/office/drawing/2014/main" id="{29488141-5C36-40F1-9CC9-3B7B670EB5C4}"/>
+              </a:ext>
+            </a:extLst>
+          </p:cNvPr>
+          <p:cNvPicPr>
+            <a:picLocks noChangeAspect="1" noChangeArrowheads="1"/>
+          </p:cNvPicPr>
+          <p:nvPr/>
+        </p:nvPicPr>
+        <p:blipFill>
+          <a:blip r:embed="rId2" cstate="print">
+            <a:extLst>
+              <a:ext uri="{28A0092B-C50C-407E-A947-70E740481C1C}">
+                <a14:useLocalDpi xmlns:a14="http://schemas.microsoft.com/office/drawing/2010/main" val="0"/>
+              </a:ext>
+            </a:extLst>
+          </a:blip>
+          <a:srcRect/>
+          <a:stretch>
+            <a:fillRect/>
+          </a:stretch>
+        </p:blipFill>
+        <p:spPr bwMode="auto">
+          <a:xfrm>
+            <a:off x="9927607" y="289642"/>
+            <a:ext cx="1733533" cy="885546"/>
+          </a:xfrm>
+          <a:prstGeom prst="rect">
+            <a:avLst/>
+          </a:prstGeom>
+          <a:noFill/>
+          <a:extLst/>
+        </p:spPr>
+      </p:pic>
+    </p:spTree>
+    <p:extLst>
+      <p:ext uri="{BB962C8B-B14F-4D97-AF65-F5344CB8AC3E}">
+        <p14:creationId xmlns:p14="http://schemas.microsoft.com/office/powerpoint/2010/main" val="859468212"/>
+      </p:ext>
+    </p:extLst>
+  </p:cSld>
+  <p:clrMapOvr>
+    <a:masterClrMapping/>
+  </p:clrMapOvr>
+</p:sld>
+</file>
+
+<file path=ppt/slides/slide5.xml><?xml version="1.0" encoding="utf-8"?>
+<p:sld xmlns:a="http://schemas.openxmlformats.org/drawingml/2006/main" xmlns:r="http://schemas.openxmlformats.org/officeDocument/2006/relationships" xmlns:p="http://schemas.openxmlformats.org/presentationml/2006/main" showMasterSp="0">
+  <p:cSld>
+    <p:spTree>
+      <p:nvGrpSpPr>
+        <p:cNvPr id="1" name=""/>
+        <p:cNvGrpSpPr/>
+        <p:nvPr/>
+      </p:nvGrpSpPr>
+      <p:grpSpPr>
+        <a:xfrm>
+          <a:off x="0" y="0"/>
+          <a:ext cx="0" cy="0"/>
+          <a:chOff x="0" y="0"/>
+          <a:chExt cx="0" cy="0"/>
+        </a:xfrm>
+      </p:grpSpPr>
+      <p:pic>
+        <p:nvPicPr>
+          <p:cNvPr id="4" name="Picture 2" descr="Bildergebnis für oth amberg logo">
+            <a:extLst>
+              <a:ext uri="{FF2B5EF4-FFF2-40B4-BE49-F238E27FC236}">
+                <a16:creationId xmlns:a16="http://schemas.microsoft.com/office/drawing/2014/main" id="{29488141-5C36-40F1-9CC9-3B7B670EB5C4}"/>
+              </a:ext>
+            </a:extLst>
+          </p:cNvPr>
+          <p:cNvPicPr>
+            <a:picLocks noChangeAspect="1" noChangeArrowheads="1"/>
+          </p:cNvPicPr>
+          <p:nvPr/>
+        </p:nvPicPr>
+        <p:blipFill>
+          <a:blip r:embed="rId2" cstate="print">
+            <a:extLst>
+              <a:ext uri="{28A0092B-C50C-407E-A947-70E740481C1C}">
+                <a14:useLocalDpi xmlns:a14="http://schemas.microsoft.com/office/drawing/2010/main" val="0"/>
+              </a:ext>
+            </a:extLst>
+          </a:blip>
+          <a:srcRect/>
+          <a:stretch>
+            <a:fillRect/>
+          </a:stretch>
+        </p:blipFill>
+        <p:spPr bwMode="auto">
+          <a:xfrm>
+            <a:off x="9927607" y="289642"/>
+            <a:ext cx="1733533" cy="885546"/>
+          </a:xfrm>
+          <a:prstGeom prst="rect">
+            <a:avLst/>
+          </a:prstGeom>
+          <a:noFill/>
+          <a:extLst/>
+        </p:spPr>
+      </p:pic>
+      <p:sp>
+        <p:nvSpPr>
+          <p:cNvPr id="3" name="Inhaltsplatzhalter 2">
+            <a:extLst>
+              <a:ext uri="{FF2B5EF4-FFF2-40B4-BE49-F238E27FC236}">
+                <a16:creationId xmlns:a16="http://schemas.microsoft.com/office/drawing/2014/main" id="{5AFE4C22-E795-4555-80B6-A96B93752E46}"/>
+              </a:ext>
+            </a:extLst>
+          </p:cNvPr>
+          <p:cNvSpPr>
+            <a:spLocks noGrp="1"/>
+          </p:cNvSpPr>
+          <p:nvPr>
+            <p:ph idx="1"/>
+          </p:nvPr>
+        </p:nvSpPr>
+        <p:spPr>
+          <a:xfrm>
+            <a:off x="838199" y="835317"/>
+            <a:ext cx="10515600" cy="5512317"/>
+          </a:xfrm>
+        </p:spPr>
+        <p:txBody>
+          <a:bodyPr vert="horz" lIns="91440" tIns="45720" rIns="91440" bIns="45720" rtlCol="0" anchor="t">
+            <a:noAutofit/>
+          </a:bodyPr>
+          <a:lstStyle/>
+          <a:p>
+            <a:pPr marL="0" indent="0">
+              <a:buNone/>
+            </a:pPr>
+            <a:r>
+              <a:rPr lang="de-DE" sz="1200" b="1" dirty="0">
+                <a:solidFill>
+                  <a:srgbClr val="333F50"/>
+                </a:solidFill>
+              </a:rPr>
+              <a:t>Textquellen</a:t>
+            </a:r>
+            <a:endParaRPr lang="de-DE" sz="1200" b="1" dirty="0">
+              <a:solidFill>
+                <a:srgbClr val="333F50"/>
+              </a:solidFill>
+              <a:ea typeface="+mn-lt"/>
+              <a:cs typeface="+mn-lt"/>
+              <a:hlinkClick r:id="rId3">
+                <a:extLst>
+                  <a:ext uri="{A12FA001-AC4F-418D-AE19-62706E023703}">
+                    <ahyp:hlinkClr xmlns:ahyp="http://schemas.microsoft.com/office/drawing/2018/hyperlinkcolor" val="tx"/>
+                  </a:ext>
+                </a:extLst>
+              </a:hlinkClick>
+            </a:endParaRPr>
+          </a:p>
+          <a:p>
+            <a:r>
+              <a:rPr lang="de-DE" sz="1100" dirty="0">
+                <a:solidFill>
+                  <a:schemeClr val="accent1"/>
+                </a:solidFill>
+                <a:ea typeface="+mn-lt"/>
+                <a:cs typeface="+mn-lt"/>
+                <a:hlinkClick r:id="rId3">
+                  <a:extLst>
+                    <a:ext uri="{A12FA001-AC4F-418D-AE19-62706E023703}">
+                      <ahyp:hlinkClr xmlns:ahyp="http://schemas.microsoft.com/office/drawing/2018/hyperlinkcolor" val="tx"/>
+                    </a:ext>
+                  </a:extLst>
+                </a:hlinkClick>
+              </a:rPr>
+              <a:t>Ethik-Kommission 2017 Automatisiertes und Vernetztes Fahren</a:t>
+            </a:r>
+            <a:r>
+              <a:rPr lang="de-DE" sz="1100" dirty="0">
+                <a:solidFill>
+                  <a:schemeClr val="accent1"/>
+                </a:solidFill>
+                <a:ea typeface="+mn-lt"/>
+                <a:cs typeface="+mn-lt"/>
+              </a:rPr>
+              <a:t> </a:t>
+            </a:r>
+          </a:p>
+          <a:p>
+            <a:r>
+              <a:rPr lang="de-DE" sz="1100" dirty="0">
+                <a:solidFill>
+                  <a:schemeClr val="accent1"/>
+                </a:solidFill>
+                <a:ea typeface="+mn-lt"/>
+                <a:cs typeface="+mn-lt"/>
+                <a:hlinkClick r:id="rId4">
+                  <a:extLst>
+                    <a:ext uri="{A12FA001-AC4F-418D-AE19-62706E023703}">
+                      <ahyp:hlinkClr xmlns:ahyp="http://schemas.microsoft.com/office/drawing/2018/hyperlinkcolor" val="tx"/>
+                    </a:ext>
+                  </a:extLst>
+                </a:hlinkClick>
+              </a:rPr>
+              <a:t>Brändle Grunwald 2019 Autonomes Fahren Aus Sicht Der Maschinenethik</a:t>
+            </a:r>
+          </a:p>
+          <a:p>
+            <a:r>
+              <a:rPr lang="de-DE" sz="1100" dirty="0">
+                <a:solidFill>
+                  <a:schemeClr val="accent1"/>
+                </a:solidFill>
+                <a:ea typeface="+mn-lt"/>
+                <a:cs typeface="+mn-lt"/>
+                <a:hlinkClick r:id="rId5">
+                  <a:extLst>
+                    <a:ext uri="{A12FA001-AC4F-418D-AE19-62706E023703}">
+                      <ahyp:hlinkClr xmlns:ahyp="http://schemas.microsoft.com/office/drawing/2018/hyperlinkcolor" val="tx"/>
+                    </a:ext>
+                  </a:extLst>
+                </a:hlinkClick>
+              </a:rPr>
+              <a:t>Jenkins 2018 Autonome Fahrzeuge</a:t>
+            </a:r>
+            <a:endParaRPr lang="de-DE" sz="1100" dirty="0">
+              <a:solidFill>
+                <a:schemeClr val="accent1"/>
+              </a:solidFill>
+              <a:ea typeface="+mn-lt"/>
+              <a:cs typeface="+mn-lt"/>
+            </a:endParaRPr>
+          </a:p>
+          <a:p>
+            <a:r>
+              <a:rPr lang="de-DE" sz="1100" dirty="0">
+                <a:solidFill>
+                  <a:schemeClr val="accent1"/>
+                </a:solidFill>
+                <a:ea typeface="+mn-lt"/>
+                <a:cs typeface="+mn-lt"/>
+                <a:hlinkClick r:id="rId6">
+                  <a:extLst>
+                    <a:ext uri="{A12FA001-AC4F-418D-AE19-62706E023703}">
+                      <ahyp:hlinkClr xmlns:ahyp="http://schemas.microsoft.com/office/drawing/2018/hyperlinkcolor" val="tx"/>
+                    </a:ext>
+                  </a:extLst>
+                </a:hlinkClick>
+              </a:rPr>
+              <a:t>http://moralmachineresults.scalablecoop.org/</a:t>
+            </a:r>
+            <a:endParaRPr lang="de-DE" sz="1100" dirty="0">
+              <a:solidFill>
+                <a:schemeClr val="accent1"/>
+              </a:solidFill>
+              <a:ea typeface="+mn-lt"/>
+              <a:cs typeface="+mn-lt"/>
+            </a:endParaRPr>
+          </a:p>
+          <a:p>
+            <a:r>
+              <a:rPr lang="de-DE" sz="1100" dirty="0">
+                <a:solidFill>
+                  <a:schemeClr val="accent1"/>
+                </a:solidFill>
+                <a:ea typeface="+mn-lt"/>
+                <a:cs typeface="+mn-lt"/>
+                <a:hlinkClick r:id="rId7">
+                  <a:extLst>
+                    <a:ext uri="{A12FA001-AC4F-418D-AE19-62706E023703}">
+                      <ahyp:hlinkClr xmlns:ahyp="http://schemas.microsoft.com/office/drawing/2018/hyperlinkcolor" val="tx"/>
+                    </a:ext>
+                  </a:extLst>
+                </a:hlinkClick>
+              </a:rPr>
+              <a:t>https://gizmodo.com/your-self-driving-car-will-be-programmed-to-kill-you-de-1782499265</a:t>
+            </a:r>
+            <a:endParaRPr lang="de-DE" sz="1100" dirty="0">
+              <a:solidFill>
+                <a:schemeClr val="accent1"/>
+              </a:solidFill>
+              <a:ea typeface="+mn-lt"/>
+              <a:cs typeface="+mn-lt"/>
+            </a:endParaRPr>
+          </a:p>
+          <a:p>
+            <a:r>
+              <a:rPr lang="de-DE" sz="1100" dirty="0">
+                <a:solidFill>
+                  <a:schemeClr val="accent1"/>
+                </a:solidFill>
+                <a:hlinkClick r:id="rId8">
+                  <a:extLst>
+                    <a:ext uri="{A12FA001-AC4F-418D-AE19-62706E023703}">
+                      <ahyp:hlinkClr xmlns:ahyp="http://schemas.microsoft.com/office/drawing/2018/hyperlinkcolor" val="tx"/>
+                    </a:ext>
+                  </a:extLst>
+                </a:hlinkClick>
+              </a:rPr>
+              <a:t>https://www.automobil-industrie.vogel.de/autonomes-fahren-definition-level-grundlagen-a-786184/</a:t>
+            </a:r>
+            <a:endParaRPr lang="de-DE" sz="1100" dirty="0">
+              <a:solidFill>
+                <a:schemeClr val="accent1"/>
+              </a:solidFill>
+            </a:endParaRPr>
+          </a:p>
+          <a:p>
+            <a:r>
+              <a:rPr lang="en-DE" sz="1100" dirty="0">
+                <a:solidFill>
+                  <a:schemeClr val="accent1"/>
+                </a:solidFill>
+                <a:ea typeface="+mn-lt"/>
+                <a:cs typeface="+mn-lt"/>
+                <a:hlinkClick r:id="rId9">
+                  <a:extLst>
+                    <a:ext uri="{A12FA001-AC4F-418D-AE19-62706E023703}">
+                      <ahyp:hlinkClr xmlns:ahyp="http://schemas.microsoft.com/office/drawing/2018/hyperlinkcolor" val="tx"/>
+                    </a:ext>
+                  </a:extLst>
+                </a:hlinkClick>
+              </a:rPr>
+              <a:t>https://www.tagesspiegel.de/wirtschaft/autonomes-fahren-ethik-kommission-schlaegt-20-regeln-vor/19958182.html</a:t>
+            </a:r>
+            <a:endParaRPr lang="en-DE" sz="1100" dirty="0">
+              <a:solidFill>
+                <a:schemeClr val="accent1"/>
+              </a:solidFill>
+              <a:ea typeface="+mn-lt"/>
+              <a:cs typeface="+mn-lt"/>
+            </a:endParaRPr>
+          </a:p>
+          <a:p>
+            <a:r>
+              <a:rPr lang="en-DE" sz="1100" dirty="0">
+                <a:solidFill>
+                  <a:schemeClr val="accent1"/>
+                </a:solidFill>
+                <a:ea typeface="+mn-lt"/>
+                <a:cs typeface="+mn-lt"/>
+                <a:hlinkClick r:id="rId10">
+                  <a:extLst>
+                    <a:ext uri="{A12FA001-AC4F-418D-AE19-62706E023703}">
+                      <ahyp:hlinkClr xmlns:ahyp="http://schemas.microsoft.com/office/drawing/2018/hyperlinkcolor" val="tx"/>
+                    </a:ext>
+                  </a:extLst>
+                </a:hlinkClick>
+              </a:rPr>
+              <a:t>https://www.elektronikpraxis.vogel.de/20-ethik-leitlinien-fuer-das-autonome-fahren-a-617789/</a:t>
+            </a:r>
+            <a:endParaRPr lang="en-US" sz="1100" dirty="0">
+              <a:solidFill>
+                <a:schemeClr val="accent1"/>
+              </a:solidFill>
+              <a:ea typeface="+mn-lt"/>
+              <a:cs typeface="+mn-lt"/>
+            </a:endParaRPr>
+          </a:p>
+          <a:p>
+            <a:r>
+              <a:rPr lang="de-DE" sz="1100" dirty="0">
+                <a:solidFill>
+                  <a:schemeClr val="accent1"/>
+                </a:solidFill>
+                <a:ea typeface="+mn-lt"/>
+                <a:cs typeface="+mn-lt"/>
+                <a:hlinkClick r:id="rId11">
+                  <a:extLst>
+                    <a:ext uri="{A12FA001-AC4F-418D-AE19-62706E023703}">
+                      <ahyp:hlinkClr xmlns:ahyp="http://schemas.microsoft.com/office/drawing/2018/hyperlinkcolor" val="tx"/>
+                    </a:ext>
+                  </a:extLst>
+                </a:hlinkClick>
+              </a:rPr>
+              <a:t>https://towardsdatascience.com/trolley-problem-isnt-theoretical-2fa92be4b050</a:t>
+            </a:r>
+            <a:endParaRPr lang="en-US" sz="1100" dirty="0">
+              <a:solidFill>
+                <a:schemeClr val="accent1"/>
+              </a:solidFill>
+              <a:ea typeface="+mn-lt"/>
+              <a:cs typeface="+mn-lt"/>
+            </a:endParaRPr>
+          </a:p>
+          <a:p>
+            <a:r>
+              <a:rPr lang="de-DE" sz="1100" dirty="0">
+                <a:solidFill>
+                  <a:schemeClr val="accent1"/>
+                </a:solidFill>
+                <a:ea typeface="+mn-lt"/>
+                <a:cs typeface="+mn-lt"/>
+                <a:hlinkClick r:id="rId12">
+                  <a:extLst>
+                    <a:ext uri="{A12FA001-AC4F-418D-AE19-62706E023703}">
+                      <ahyp:hlinkClr xmlns:ahyp="http://schemas.microsoft.com/office/drawing/2018/hyperlinkcolor" val="tx"/>
+                    </a:ext>
+                  </a:extLst>
+                </a:hlinkClick>
+              </a:rPr>
+              <a:t>https://www.forbes.com/sites/patricklin/2017/04/05/heres-how-tesla-solves-a-self-driving-crash-dilemma/#7d53ef926813</a:t>
+            </a:r>
+            <a:endParaRPr lang="de-DE" sz="1100" dirty="0">
+              <a:solidFill>
+                <a:schemeClr val="accent1"/>
+              </a:solidFill>
+              <a:ea typeface="+mn-lt"/>
+              <a:cs typeface="+mn-lt"/>
+            </a:endParaRPr>
+          </a:p>
+          <a:p>
+            <a:pPr marL="0" indent="0">
+              <a:buNone/>
+            </a:pPr>
+            <a:endParaRPr lang="de-DE" sz="1100" dirty="0">
+              <a:solidFill>
+                <a:schemeClr val="accent1"/>
+              </a:solidFill>
+            </a:endParaRPr>
+          </a:p>
+          <a:p>
+            <a:pPr marL="0" indent="0">
+              <a:buNone/>
+            </a:pPr>
+            <a:r>
+              <a:rPr lang="de-DE" sz="1200" b="1" dirty="0">
+                <a:solidFill>
+                  <a:srgbClr val="333F50"/>
+                </a:solidFill>
+              </a:rPr>
+              <a:t>Videoquellen</a:t>
+            </a:r>
+          </a:p>
+          <a:p>
+            <a:r>
+              <a:rPr lang="en-US" sz="1100" dirty="0">
+                <a:solidFill>
+                  <a:schemeClr val="accent1"/>
+                </a:solidFill>
+                <a:ea typeface="+mn-lt"/>
+                <a:cs typeface="+mn-lt"/>
+              </a:rPr>
+              <a:t>The Social Dilemma Of Driverless Cars | Iyad </a:t>
+            </a:r>
+            <a:r>
+              <a:rPr lang="en-US" sz="1100" dirty="0" err="1">
+                <a:solidFill>
+                  <a:schemeClr val="accent1"/>
+                </a:solidFill>
+                <a:ea typeface="+mn-lt"/>
+                <a:cs typeface="+mn-lt"/>
+              </a:rPr>
+              <a:t>Rahwan</a:t>
+            </a:r>
+            <a:r>
+              <a:rPr lang="en-US" sz="1100" dirty="0">
+                <a:solidFill>
+                  <a:schemeClr val="accent1"/>
+                </a:solidFill>
+                <a:ea typeface="+mn-lt"/>
+                <a:cs typeface="+mn-lt"/>
+              </a:rPr>
+              <a:t> | </a:t>
+            </a:r>
+            <a:r>
+              <a:rPr lang="en-US" sz="1100" dirty="0" err="1">
+                <a:solidFill>
+                  <a:schemeClr val="accent1"/>
+                </a:solidFill>
+                <a:ea typeface="+mn-lt"/>
+                <a:cs typeface="+mn-lt"/>
+              </a:rPr>
+              <a:t>TEDxCambridge</a:t>
+            </a:r>
+            <a:r>
+              <a:rPr lang="en-US" sz="1100" dirty="0">
+                <a:solidFill>
+                  <a:schemeClr val="accent1"/>
+                </a:solidFill>
+                <a:ea typeface="+mn-lt"/>
+                <a:cs typeface="+mn-lt"/>
+              </a:rPr>
+              <a:t> -  </a:t>
+            </a:r>
+            <a:r>
+              <a:rPr lang="de-DE" sz="1100" dirty="0">
+                <a:solidFill>
+                  <a:schemeClr val="accent1"/>
+                </a:solidFill>
+                <a:ea typeface="+mn-lt"/>
+                <a:cs typeface="+mn-lt"/>
+                <a:hlinkClick r:id="rId13"/>
+              </a:rPr>
+              <a:t>https://www.youtube.com/watch?v=nhCh1pBsS80&amp;t</a:t>
+            </a:r>
+            <a:endParaRPr lang="en-US" sz="1100" dirty="0">
+              <a:solidFill>
+                <a:schemeClr val="accent1"/>
+              </a:solidFill>
+              <a:ea typeface="+mn-lt"/>
+              <a:cs typeface="+mn-lt"/>
+            </a:endParaRPr>
+          </a:p>
+          <a:p>
+            <a:r>
+              <a:rPr lang="en-US" sz="1100" dirty="0">
+                <a:solidFill>
+                  <a:schemeClr val="accent1"/>
+                </a:solidFill>
+                <a:ea typeface="+mn-lt"/>
+                <a:cs typeface="+mn-lt"/>
+              </a:rPr>
+              <a:t>The ethical dilemma of self-driving cars - Patrick Lin  - </a:t>
+            </a:r>
+            <a:r>
+              <a:rPr lang="de-DE" sz="1100" dirty="0">
+                <a:solidFill>
+                  <a:schemeClr val="accent1"/>
+                </a:solidFill>
+                <a:ea typeface="+mn-lt"/>
+                <a:cs typeface="+mn-lt"/>
+                <a:hlinkClick r:id="rId14">
+                  <a:extLst>
+                    <a:ext uri="{A12FA001-AC4F-418D-AE19-62706E023703}">
+                      <ahyp:hlinkClr xmlns:ahyp="http://schemas.microsoft.com/office/drawing/2018/hyperlinkcolor" val="tx"/>
+                    </a:ext>
+                  </a:extLst>
+                </a:hlinkClick>
+              </a:rPr>
+              <a:t>https://www.youtube.com/watch?v=ixIoDYVfKA0</a:t>
+            </a:r>
+            <a:endParaRPr lang="de-DE" sz="1100" dirty="0">
+              <a:solidFill>
+                <a:schemeClr val="accent1"/>
+              </a:solidFill>
+              <a:ea typeface="+mn-lt"/>
+              <a:cs typeface="+mn-lt"/>
+            </a:endParaRPr>
+          </a:p>
+          <a:p>
+            <a:pPr marL="0" indent="0">
+              <a:buNone/>
+            </a:pPr>
+            <a:endParaRPr lang="de-DE" sz="1100" dirty="0">
+              <a:solidFill>
+                <a:schemeClr val="accent1"/>
+              </a:solidFill>
+            </a:endParaRPr>
+          </a:p>
+          <a:p>
+            <a:pPr marL="0" indent="0">
+              <a:buNone/>
+            </a:pPr>
+            <a:r>
+              <a:rPr lang="de-DE" sz="1200" b="1" dirty="0">
+                <a:solidFill>
+                  <a:srgbClr val="333F50"/>
+                </a:solidFill>
+              </a:rPr>
+              <a:t>Bildquellen</a:t>
+            </a:r>
+          </a:p>
+          <a:p>
+            <a:r>
+              <a:rPr lang="de-DE" sz="1100" dirty="0">
+                <a:solidFill>
+                  <a:schemeClr val="accent1"/>
+                </a:solidFill>
+                <a:hlinkClick r:id="rId15">
+                  <a:extLst>
+                    <a:ext uri="{A12FA001-AC4F-418D-AE19-62706E023703}">
+                      <ahyp:hlinkClr xmlns:ahyp="http://schemas.microsoft.com/office/drawing/2018/hyperlinkcolor" val="tx"/>
+                    </a:ext>
+                  </a:extLst>
+                </a:hlinkClick>
+              </a:rPr>
+              <a:t>https://www.flaticon.com/de/packs/car-16</a:t>
+            </a:r>
+            <a:r>
+              <a:rPr lang="de-DE" sz="1100" dirty="0">
+                <a:solidFill>
+                  <a:schemeClr val="accent1"/>
+                </a:solidFill>
+              </a:rPr>
+              <a:t> </a:t>
+            </a:r>
+          </a:p>
+          <a:p>
+            <a:r>
+              <a:rPr lang="de-DE" sz="1100" dirty="0">
+                <a:solidFill>
+                  <a:schemeClr val="accent1"/>
+                </a:solidFill>
+                <a:hlinkClick r:id="rId16">
+                  <a:extLst>
+                    <a:ext uri="{A12FA001-AC4F-418D-AE19-62706E023703}">
+                      <ahyp:hlinkClr xmlns:ahyp="http://schemas.microsoft.com/office/drawing/2018/hyperlinkcolor" val="tx"/>
+                    </a:ext>
+                  </a:extLst>
+                </a:hlinkClick>
+              </a:rPr>
+              <a:t>https://www.flaticon.com/packs/traffic-and-driving-5</a:t>
+            </a:r>
+            <a:endParaRPr lang="de-DE" sz="1100" dirty="0">
+              <a:solidFill>
+                <a:schemeClr val="accent1"/>
+              </a:solidFill>
+            </a:endParaRPr>
+          </a:p>
+          <a:p>
+            <a:r>
+              <a:rPr lang="en-DE" sz="1100" dirty="0">
+                <a:solidFill>
+                  <a:schemeClr val="accent1"/>
+                </a:solidFill>
+                <a:ea typeface="+mn-lt"/>
+                <a:cs typeface="+mn-lt"/>
+                <a:hlinkClick r:id="rId17">
+                  <a:extLst>
+                    <a:ext uri="{A12FA001-AC4F-418D-AE19-62706E023703}">
+                      <ahyp:hlinkClr xmlns:ahyp="http://schemas.microsoft.com/office/drawing/2018/hyperlinkcolor" val="tx"/>
+                    </a:ext>
+                  </a:extLst>
+                </a:hlinkClick>
+              </a:rPr>
+              <a:t>https://www.gefahrenstellen.de/service/unfallstatistiken/</a:t>
+            </a:r>
+            <a:endParaRPr lang="en-DE" sz="1100" dirty="0">
+              <a:solidFill>
+                <a:schemeClr val="accent1"/>
+              </a:solidFill>
+              <a:ea typeface="+mn-lt"/>
+              <a:cs typeface="+mn-lt"/>
+            </a:endParaRPr>
+          </a:p>
+          <a:p>
+            <a:endParaRPr lang="de-DE" sz="1100" dirty="0">
+              <a:solidFill>
+                <a:srgbClr val="145882"/>
+              </a:solidFill>
+              <a:cs typeface="Calibri"/>
+            </a:endParaRPr>
+          </a:p>
+        </p:txBody>
+      </p:sp>
+      <p:pic>
+        <p:nvPicPr>
+          <p:cNvPr id="5" name="Grafik 4">
+            <a:extLst>
+              <a:ext uri="{FF2B5EF4-FFF2-40B4-BE49-F238E27FC236}">
+                <a16:creationId xmlns:a16="http://schemas.microsoft.com/office/drawing/2014/main" id="{3DD5D42D-C4F5-4CC1-BE19-B9F54E5CAD52}"/>
+              </a:ext>
+            </a:extLst>
+          </p:cNvPr>
+          <p:cNvPicPr>
+            <a:picLocks noChangeAspect="1"/>
+          </p:cNvPicPr>
+          <p:nvPr/>
+        </p:nvPicPr>
+        <p:blipFill>
+          <a:blip r:embed="rId18"/>
+          <a:stretch>
+            <a:fillRect/>
+          </a:stretch>
+        </p:blipFill>
+        <p:spPr>
+          <a:xfrm>
+            <a:off x="0" y="6573750"/>
+            <a:ext cx="12192000" cy="299997"/>
+          </a:xfrm>
+          <a:prstGeom prst="rect">
+            <a:avLst/>
+          </a:prstGeom>
+        </p:spPr>
+      </p:pic>
+      <p:sp>
+        <p:nvSpPr>
+          <p:cNvPr id="6" name="Textfeld 5">
+            <a:extLst>
+              <a:ext uri="{FF2B5EF4-FFF2-40B4-BE49-F238E27FC236}">
+                <a16:creationId xmlns:a16="http://schemas.microsoft.com/office/drawing/2014/main" id="{1D0947D3-D871-4531-9A5E-927DE19FC6DD}"/>
+              </a:ext>
+            </a:extLst>
+          </p:cNvPr>
+          <p:cNvSpPr txBox="1"/>
+          <p:nvPr/>
+        </p:nvSpPr>
+        <p:spPr>
+          <a:xfrm>
+            <a:off x="0" y="336684"/>
+            <a:ext cx="12191999" cy="646331"/>
+          </a:xfrm>
+          <a:prstGeom prst="rect">
+            <a:avLst/>
+          </a:prstGeom>
+          <a:noFill/>
+        </p:spPr>
+        <p:txBody>
+          <a:bodyPr wrap="square" rtlCol="0">
+            <a:spAutoFit/>
+          </a:bodyPr>
+          <a:lstStyle>
+            <a:defPPr>
+              <a:defRPr lang="de-DE"/>
+            </a:defPPr>
+            <a:lvl1pPr algn="ctr">
+              <a:defRPr sz="2400" b="1">
+                <a:solidFill>
+                  <a:srgbClr val="333F50"/>
+                </a:solidFill>
+                <a:latin typeface="Bahnschrift SemiBold" panose="020B0502040204020203" pitchFamily="34" charset="0"/>
+              </a:defRPr>
+            </a:lvl1pPr>
+          </a:lstStyle>
+          <a:p>
+            <a:r>
+              <a:rPr lang="de-DE" dirty="0"/>
+              <a:t>Quellenverzeichnis</a:t>
+            </a:r>
+          </a:p>
+        </p:txBody>
+      </p:sp>
+    </p:spTree>
+    <p:extLst>
+      <p:ext uri="{BB962C8B-B14F-4D97-AF65-F5344CB8AC3E}">
+        <p14:creationId xmlns:p14="http://schemas.microsoft.com/office/powerpoint/2010/main" val="4145202852"/>
+      </p:ext>
+    </p:extLst>
+  </p:cSld>
+  <p:clrMapOvr>
+    <a:masterClrMapping/>
+  </p:clrMapOvr>
+</p:sld>
+</file>
+
+<file path=ppt/slides/slide6.xml><?xml version="1.0" encoding="utf-8"?>
+<p:sld xmlns:a="http://schemas.openxmlformats.org/drawingml/2006/main" xmlns:r="http://schemas.openxmlformats.org/officeDocument/2006/relationships" xmlns:p="http://schemas.openxmlformats.org/presentationml/2006/main" showMasterSp="0">
+  <p:cSld>
+    <p:spTree>
+      <p:nvGrpSpPr>
+        <p:cNvPr id="1" name=""/>
+        <p:cNvGrpSpPr/>
+        <p:nvPr/>
+      </p:nvGrpSpPr>
+      <p:grpSpPr>
+        <a:xfrm>
+          <a:off x="0" y="0"/>
+          <a:ext cx="0" cy="0"/>
+          <a:chOff x="0" y="0"/>
+          <a:chExt cx="0" cy="0"/>
+        </a:xfrm>
+      </p:grpSpPr>
+      <p:pic>
+        <p:nvPicPr>
+          <p:cNvPr id="4" name="Picture 2" descr="Bildergebnis für oth amberg logo">
+            <a:extLst>
+              <a:ext uri="{FF2B5EF4-FFF2-40B4-BE49-F238E27FC236}">
+                <a16:creationId xmlns:a16="http://schemas.microsoft.com/office/drawing/2014/main" id="{29488141-5C36-40F1-9CC9-3B7B670EB5C4}"/>
+              </a:ext>
+            </a:extLst>
+          </p:cNvPr>
+          <p:cNvPicPr>
+            <a:picLocks noChangeAspect="1" noChangeArrowheads="1"/>
+          </p:cNvPicPr>
+          <p:nvPr/>
+        </p:nvPicPr>
+        <p:blipFill>
+          <a:blip r:embed="rId2" cstate="print">
+            <a:extLst>
+              <a:ext uri="{28A0092B-C50C-407E-A947-70E740481C1C}">
+                <a14:useLocalDpi xmlns:a14="http://schemas.microsoft.com/office/drawing/2010/main" val="0"/>
+              </a:ext>
+            </a:extLst>
+          </a:blip>
+          <a:srcRect/>
+          <a:stretch>
+            <a:fillRect/>
+          </a:stretch>
+        </p:blipFill>
+        <p:spPr bwMode="auto">
+          <a:xfrm>
+            <a:off x="9927607" y="289642"/>
+            <a:ext cx="1733533" cy="885546"/>
+          </a:xfrm>
+          <a:prstGeom prst="rect">
+            <a:avLst/>
+          </a:prstGeom>
+          <a:noFill/>
+          <a:extLst/>
+        </p:spPr>
+      </p:pic>
+      <p:pic>
+        <p:nvPicPr>
+          <p:cNvPr id="5" name="Grafik 4">
+            <a:extLst>
+              <a:ext uri="{FF2B5EF4-FFF2-40B4-BE49-F238E27FC236}">
+                <a16:creationId xmlns:a16="http://schemas.microsoft.com/office/drawing/2014/main" id="{3DD5D42D-C4F5-4CC1-BE19-B9F54E5CAD52}"/>
+              </a:ext>
+            </a:extLst>
+          </p:cNvPr>
+          <p:cNvPicPr>
+            <a:picLocks noChangeAspect="1"/>
+          </p:cNvPicPr>
+          <p:nvPr/>
+        </p:nvPicPr>
+        <p:blipFill>
+          <a:blip r:embed="rId3"/>
+          <a:stretch>
+            <a:fillRect/>
+          </a:stretch>
+        </p:blipFill>
+        <p:spPr>
+          <a:xfrm>
+            <a:off x="0" y="6573750"/>
+            <a:ext cx="12192000" cy="299997"/>
+          </a:xfrm>
+          <a:prstGeom prst="rect">
+            <a:avLst/>
+          </a:prstGeom>
+        </p:spPr>
+      </p:pic>
+      <p:pic>
+        <p:nvPicPr>
+          <p:cNvPr id="7" name="Grafik 6">
+            <a:extLst>
+              <a:ext uri="{FF2B5EF4-FFF2-40B4-BE49-F238E27FC236}">
+                <a16:creationId xmlns:a16="http://schemas.microsoft.com/office/drawing/2014/main" id="{2B5095B2-67FD-47F4-B717-23EB5B3DC845}"/>
+              </a:ext>
+            </a:extLst>
+          </p:cNvPr>
+          <p:cNvPicPr>
+            <a:picLocks noChangeAspect="1"/>
+          </p:cNvPicPr>
+          <p:nvPr/>
+        </p:nvPicPr>
+        <p:blipFill>
+          <a:blip r:embed="rId3"/>
+          <a:stretch>
+            <a:fillRect/>
+          </a:stretch>
+        </p:blipFill>
+        <p:spPr>
+          <a:xfrm>
+            <a:off x="0" y="5323840"/>
+            <a:ext cx="12192000" cy="1549907"/>
+          </a:xfrm>
+          <a:prstGeom prst="rect">
+            <a:avLst/>
+          </a:prstGeom>
+        </p:spPr>
+      </p:pic>
+      <p:sp>
+        <p:nvSpPr>
+          <p:cNvPr id="11" name="Titel 1">
+            <a:extLst>
+              <a:ext uri="{FF2B5EF4-FFF2-40B4-BE49-F238E27FC236}">
+                <a16:creationId xmlns:a16="http://schemas.microsoft.com/office/drawing/2014/main" id="{AFD6A574-C1B9-47CA-8DCD-59785EA56393}"/>
+              </a:ext>
+            </a:extLst>
+          </p:cNvPr>
+          <p:cNvSpPr txBox="1">
+            <a:spLocks/>
+          </p:cNvSpPr>
+          <p:nvPr/>
+        </p:nvSpPr>
+        <p:spPr>
+          <a:xfrm>
+            <a:off x="4384040" y="5768593"/>
+            <a:ext cx="3423920" cy="660400"/>
+          </a:xfrm>
+          <a:prstGeom prst="rect">
+            <a:avLst/>
+          </a:prstGeom>
+        </p:spPr>
+        <p:txBody>
+          <a:bodyPr vert="horz" lIns="91440" tIns="45720" rIns="91440" bIns="45720" rtlCol="0" anchor="ctr">
+            <a:noAutofit/>
+          </a:bodyPr>
+          <a:lstStyle>
+            <a:lvl1pPr algn="l" defTabSz="914400" rtl="0" eaLnBrk="1" latinLnBrk="0" hangingPunct="1">
+              <a:lnSpc>
+                <a:spcPct val="90000"/>
+              </a:lnSpc>
+              <a:spcBef>
+                <a:spcPct val="0"/>
+              </a:spcBef>
+              <a:buNone/>
+              <a:defRPr sz="4400" kern="1200" spc="-50" baseline="0">
+                <a:solidFill>
+                  <a:schemeClr val="tx1"/>
+                </a:solidFill>
+                <a:latin typeface="+mj-lt"/>
+                <a:ea typeface="+mj-ea"/>
+                <a:cs typeface="+mj-cs"/>
+              </a:defRPr>
+            </a:lvl1pPr>
+          </a:lstStyle>
+          <a:p>
+            <a:r>
+              <a:rPr lang="en-US" sz="2400" b="1">
+                <a:solidFill>
+                  <a:schemeClr val="bg1"/>
+                </a:solidFill>
+                <a:latin typeface="Bahnschrift" panose="020B0502040204020203" pitchFamily="34" charset="0"/>
+              </a:rPr>
+              <a:t>Danke für Ihre Aufmerksamkeit!</a:t>
+            </a:r>
+            <a:endParaRPr lang="en-DE" sz="2400" b="1" dirty="0">
+              <a:solidFill>
+                <a:schemeClr val="bg1"/>
+              </a:solidFill>
+              <a:latin typeface="Bahnschrift" panose="020B0502040204020203" pitchFamily="34" charset="0"/>
+            </a:endParaRPr>
+          </a:p>
+        </p:txBody>
+      </p:sp>
+    </p:spTree>
+    <p:extLst>
+      <p:ext uri="{BB962C8B-B14F-4D97-AF65-F5344CB8AC3E}">
+        <p14:creationId xmlns:p14="http://schemas.microsoft.com/office/powerpoint/2010/main" val="564949749"/>
+      </p:ext>
+    </p:extLst>
+  </p:cSld>
+  <p:clrMapOvr>
+    <a:masterClrMapping/>
+  </p:clrMapOvr>
+</p:sld>
+</file>
+
+<file path=ppt/slides/slide7.xml><?xml version="1.0" encoding="utf-8"?>
+<p:sld xmlns:a="http://schemas.openxmlformats.org/drawingml/2006/main" xmlns:r="http://schemas.openxmlformats.org/officeDocument/2006/relationships" xmlns:p="http://schemas.openxmlformats.org/presentationml/2006/main" showMasterSp="0">
+  <p:cSld>
     <p:spTree>
       <p:nvGrpSpPr>
         <p:cNvPr id="1" name=""/>
@@ -8647,7 +10415,7 @@
       </p:grpSpPr>
       <p:sp useBgFill="1">
         <p:nvSpPr>
-          <p:cNvPr id="8" name="Rectangle 7">
+          <p:cNvPr id="14" name="Rectangle 7">
             <a:extLst>
               <a:ext uri="{FF2B5EF4-FFF2-40B4-BE49-F238E27FC236}">
                 <a16:creationId xmlns:a16="http://schemas.microsoft.com/office/drawing/2014/main" id="{5DB0431E-0B04-44A1-9C51-531E28D18A60}"/>
@@ -8710,7 +10478,7 @@
           <p:cNvPr id="2" name="Titel 1">
             <a:extLst>
               <a:ext uri="{FF2B5EF4-FFF2-40B4-BE49-F238E27FC236}">
-                <a16:creationId xmlns:a16="http://schemas.microsoft.com/office/drawing/2014/main" id="{31A3F8B4-0060-4A84-BF79-DC1E2C17A4B7}"/>
+                <a16:creationId xmlns:a16="http://schemas.microsoft.com/office/drawing/2014/main" id="{166EB6E4-A3AD-4524-A551-8AD47396C83D}"/>
               </a:ext>
             </a:extLst>
           </p:cNvPr>
@@ -8725,41 +10493,6 @@
           <a:xfrm>
             <a:off x="1261872" y="365760"/>
             <a:ext cx="9692640" cy="1325562"/>
-          </a:xfrm>
-        </p:spPr>
-        <p:txBody>
-          <a:bodyPr>
-            <a:noAutofit/>
-          </a:bodyPr>
-          <a:lstStyle/>
-          <a:p>
-            <a:r>
-              <a:rPr lang="de-DE" dirty="0"/>
-              <a:t>Kurze Vorstellung unserer Thesen zu Aufgabe 5 c</a:t>
-            </a:r>
-          </a:p>
-        </p:txBody>
-      </p:sp>
-      <p:sp>
-        <p:nvSpPr>
-          <p:cNvPr id="3" name="Inhaltsplatzhalter 2">
-            <a:extLst>
-              <a:ext uri="{FF2B5EF4-FFF2-40B4-BE49-F238E27FC236}">
-                <a16:creationId xmlns:a16="http://schemas.microsoft.com/office/drawing/2014/main" id="{DDFE9216-9C54-4336-9FBA-E4E6594C7D4C}"/>
-              </a:ext>
-            </a:extLst>
-          </p:cNvPr>
-          <p:cNvSpPr>
-            <a:spLocks noGrp="1"/>
-          </p:cNvSpPr>
-          <p:nvPr>
-            <p:ph idx="1"/>
-          </p:nvPr>
-        </p:nvSpPr>
-        <p:spPr>
-          <a:xfrm>
-            <a:off x="1261872" y="1828800"/>
-            <a:ext cx="8595360" cy="4351337"/>
           </a:xfrm>
         </p:spPr>
         <p:txBody>
@@ -8770,26 +10503,79 @@
           <a:p>
             <a:r>
               <a:rPr lang="de-DE" dirty="0"/>
-              <a:t>NO2 Konzentration im Winter ist signifikant höher als die NO2-Konzentration alle anderen Jahreszeiten </a:t>
-            </a:r>
-          </a:p>
+              <a:t>Gliederung des Vortrags</a:t>
+            </a:r>
+          </a:p>
+        </p:txBody>
+      </p:sp>
+      <p:sp>
+        <p:nvSpPr>
+          <p:cNvPr id="3" name="Inhaltsplatzhalter 2">
+            <a:extLst>
+              <a:ext uri="{FF2B5EF4-FFF2-40B4-BE49-F238E27FC236}">
+                <a16:creationId xmlns:a16="http://schemas.microsoft.com/office/drawing/2014/main" id="{542CD07C-260D-4CD9-A323-FC9709AB298A}"/>
+              </a:ext>
+            </a:extLst>
+          </p:cNvPr>
+          <p:cNvSpPr>
+            <a:spLocks noGrp="1"/>
+          </p:cNvSpPr>
+          <p:nvPr>
+            <p:ph idx="1"/>
+          </p:nvPr>
+        </p:nvSpPr>
+        <p:spPr>
+          <a:xfrm>
+            <a:off x="1261872" y="1828800"/>
+            <a:ext cx="8595360" cy="4351337"/>
+          </a:xfrm>
+        </p:spPr>
+        <p:txBody>
+          <a:bodyPr>
+            <a:normAutofit/>
+          </a:bodyPr>
+          <a:lstStyle/>
           <a:p>
             <a:r>
               <a:rPr lang="de-DE" dirty="0"/>
-              <a:t>Die jahreszeitlichen Höchstwerte sind im Winter zu verzeichnen</a:t>
+              <a:t>Kurzzusammenfassung der ersten vier Aufgabe</a:t>
             </a:r>
           </a:p>
           <a:p>
             <a:r>
               <a:rPr lang="de-DE" dirty="0"/>
-              <a:t>Außerdem lässt sich augenscheinlich eine sinkende Volatilität der NO2-Konzentration vermuten </a:t>
-            </a:r>
-          </a:p>
-        </p:txBody>
-      </p:sp>
-      <p:sp>
-        <p:nvSpPr>
-          <p:cNvPr id="10" name="Rectangle 9">
+              <a:t>Kurze Vorstellung unserer Thesen zu Aufgabe 5 b und c</a:t>
+            </a:r>
+          </a:p>
+          <a:p>
+            <a:r>
+              <a:rPr lang="de-DE" dirty="0"/>
+              <a:t>Kurze Vorstellung der Thesen zu Aufgabe 6 b</a:t>
+            </a:r>
+          </a:p>
+          <a:p>
+            <a:r>
+              <a:rPr lang="de-DE" dirty="0"/>
+              <a:t>Kurze Vorstellung der Thesen zu den Aufgaben 7 e und f</a:t>
+            </a:r>
+          </a:p>
+          <a:p>
+            <a:r>
+              <a:rPr lang="de-DE" dirty="0"/>
+              <a:t>Vortrag über unsere Hypothese, Daten für die Analyse, Analysen und Resultate bezüglich Aufgabe 8</a:t>
+            </a:r>
+          </a:p>
+          <a:p>
+            <a:r>
+              <a:rPr lang="de-DE" dirty="0"/>
+              <a:t>Quellen</a:t>
+            </a:r>
+          </a:p>
+        </p:txBody>
+      </p:sp>
+      <p:sp>
+        <p:nvSpPr>
+          <p:cNvPr id="15" name="Rectangle 9">
             <a:extLst>
               <a:ext uri="{FF2B5EF4-FFF2-40B4-BE49-F238E27FC236}">
                 <a16:creationId xmlns:a16="http://schemas.microsoft.com/office/drawing/2014/main" id="{6B424749-EEE0-49C9-9ABF-97B171A3EA00}"/>
@@ -8844,46 +10630,10 @@
           </a:fontRef>
         </p:style>
       </p:sp>
-      <p:pic>
-        <p:nvPicPr>
-          <p:cNvPr id="6" name="Grafik 5" descr="Ein Bild, das Monitor, dunkel, Bildschirm, sitzend enthält.&#10;&#10;Automatisch generierte Beschreibung">
-            <a:extLst>
-              <a:ext uri="{FF2B5EF4-FFF2-40B4-BE49-F238E27FC236}">
-                <a16:creationId xmlns:a16="http://schemas.microsoft.com/office/drawing/2014/main" id="{9BC8B34A-673E-4660-BE8B-2E4175D9C63C}"/>
-              </a:ext>
-            </a:extLst>
-          </p:cNvPr>
-          <p:cNvPicPr>
-            <a:picLocks noChangeAspect="1"/>
-          </p:cNvPicPr>
-          <p:nvPr/>
-        </p:nvPicPr>
-        <p:blipFill>
-          <a:blip r:embed="rId2">
-            <a:extLst>
-              <a:ext uri="{28A0092B-C50C-407E-A947-70E740481C1C}">
-                <a14:useLocalDpi xmlns:a14="http://schemas.microsoft.com/office/drawing/2010/main" val="0"/>
-              </a:ext>
-            </a:extLst>
-          </a:blip>
-          <a:stretch>
-            <a:fillRect/>
-          </a:stretch>
-        </p:blipFill>
-        <p:spPr>
-          <a:xfrm>
-            <a:off x="4948518" y="3824941"/>
-            <a:ext cx="4549588" cy="3033059"/>
-          </a:xfrm>
-          <a:prstGeom prst="rect">
-            <a:avLst/>
-          </a:prstGeom>
-        </p:spPr>
-      </p:pic>
     </p:spTree>
     <p:extLst>
       <p:ext uri="{BB962C8B-B14F-4D97-AF65-F5344CB8AC3E}">
-        <p14:creationId xmlns:p14="http://schemas.microsoft.com/office/powerpoint/2010/main" val="3585282685"/>
+        <p14:creationId xmlns:p14="http://schemas.microsoft.com/office/powerpoint/2010/main" val="7974162"/>
       </p:ext>
     </p:extLst>
   </p:cSld>
@@ -8893,20 +10643,9 @@
 </p:sld>
 </file>
 
-<file path=ppt/slides/slide9.xml><?xml version="1.0" encoding="utf-8"?>
-<p:sld xmlns:a="http://schemas.openxmlformats.org/drawingml/2006/main" xmlns:r="http://schemas.openxmlformats.org/officeDocument/2006/relationships" xmlns:p="http://schemas.openxmlformats.org/presentationml/2006/main">
+<file path=ppt/slides/slide8.xml><?xml version="1.0" encoding="utf-8"?>
+<p:sld xmlns:a="http://schemas.openxmlformats.org/drawingml/2006/main" xmlns:r="http://schemas.openxmlformats.org/officeDocument/2006/relationships" xmlns:p="http://schemas.openxmlformats.org/presentationml/2006/main" showMasterSp="0">
   <p:cSld>
-    <p:bg>
-      <p:bgPr>
-        <a:solidFill>
-          <a:schemeClr val="bg1">
-            <a:tint val="95000"/>
-            <a:satMod val="170000"/>
-          </a:schemeClr>
-        </a:solidFill>
-        <a:effectLst/>
-      </p:bgPr>
-    </p:bg>
     <p:spTree>
       <p:nvGrpSpPr>
         <p:cNvPr id="1" name=""/>
@@ -8986,7 +10725,7 @@
           <p:cNvPr id="2" name="Titel 1">
             <a:extLst>
               <a:ext uri="{FF2B5EF4-FFF2-40B4-BE49-F238E27FC236}">
-                <a16:creationId xmlns:a16="http://schemas.microsoft.com/office/drawing/2014/main" id="{3AF07DF1-285D-43B2-A8A9-608CA9D7B9A1}"/>
+                <a16:creationId xmlns:a16="http://schemas.microsoft.com/office/drawing/2014/main" id="{69BE4B77-5195-4F4B-A629-2A71D3B0B7AC}"/>
               </a:ext>
             </a:extLst>
           </p:cNvPr>
@@ -8999,7 +10738,7 @@
         </p:nvSpPr>
         <p:spPr>
           <a:xfrm>
-            <a:off x="995172" y="275492"/>
+            <a:off x="1261872" y="365760"/>
             <a:ext cx="9692640" cy="1325562"/>
           </a:xfrm>
         </p:spPr>
@@ -9011,7 +10750,7 @@
           <a:p>
             <a:r>
               <a:rPr lang="de-DE" dirty="0"/>
-              <a:t>Kurze Vorstellung der Thesen zu Aufgabe 6 b</a:t>
+              <a:t>Kurzvorstellung der ersten vier Aufgaben: Aufgabe 1</a:t>
             </a:r>
           </a:p>
         </p:txBody>
@@ -9021,7 +10760,7 @@
           <p:cNvPr id="3" name="Inhaltsplatzhalter 2">
             <a:extLst>
               <a:ext uri="{FF2B5EF4-FFF2-40B4-BE49-F238E27FC236}">
-                <a16:creationId xmlns:a16="http://schemas.microsoft.com/office/drawing/2014/main" id="{5A241E60-9092-464A-8091-5EC6FBDB5601}"/>
+                <a16:creationId xmlns:a16="http://schemas.microsoft.com/office/drawing/2014/main" id="{D4119DB6-7E8A-4100-A225-54E93B2ADC95}"/>
               </a:ext>
             </a:extLst>
           </p:cNvPr>
@@ -9034,8 +10773,8 @@
         </p:nvSpPr>
         <p:spPr>
           <a:xfrm>
-            <a:off x="142504" y="1601054"/>
-            <a:ext cx="6796278" cy="1953578"/>
+            <a:off x="1026548" y="1691322"/>
+            <a:ext cx="8595360" cy="4351337"/>
           </a:xfrm>
         </p:spPr>
         <p:txBody>
@@ -9046,44 +10785,22 @@
           <a:p>
             <a:r>
               <a:rPr lang="de-DE" dirty="0"/>
-              <a:t>Thesen:</a:t>
-            </a:r>
-          </a:p>
-          <a:p>
-            <a:pPr marL="617220" lvl="1" indent="-342900">
-              <a:buFont typeface="+mj-lt"/>
-              <a:buAutoNum type="arabicPeriod"/>
-            </a:pPr>
+              <a:t>Es sind deutschlandweit 431 Stationen aktiv</a:t>
+            </a:r>
+          </a:p>
+          <a:p>
             <a:r>
               <a:rPr lang="de-DE" dirty="0"/>
-              <a:t>Freitag Abends und Montag Morgens ist, bei allen Typen, eine erhöhte NO2-Konzentration zu erkennen</a:t>
-            </a:r>
-          </a:p>
-          <a:p>
-            <a:pPr marL="617220" lvl="1" indent="-342900">
-              <a:buFont typeface="+mj-lt"/>
-              <a:buAutoNum type="arabicPeriod"/>
-            </a:pPr>
+              <a:t>Die Stationen setzten sich wie in der Grafik zu sehen zusammen</a:t>
+            </a:r>
+          </a:p>
+          <a:p>
             <a:r>
               <a:rPr lang="de-DE" dirty="0"/>
-              <a:t>Jeden Wochentag zwischen 6 und 9 Uhr und 17 und 21 Uhr sind Peaks zu vermuten</a:t>
-            </a:r>
-          </a:p>
-          <a:p>
-            <a:pPr marL="617220" lvl="1" indent="-342900">
-              <a:buFont typeface="+mj-lt"/>
-              <a:buAutoNum type="arabicPeriod"/>
-            </a:pPr>
-            <a:r>
-              <a:rPr lang="de-DE" dirty="0"/>
-              <a:t>Traffic Stationen haben einen grundsätzlich höheren Durchschnittswert als Background Stationen</a:t>
-            </a:r>
-          </a:p>
-          <a:p>
-            <a:pPr marL="617220" lvl="1" indent="-342900">
-              <a:buFont typeface="+mj-lt"/>
-              <a:buAutoNum type="arabicPeriod"/>
-            </a:pPr>
+              <a:t>Die Stationen sind ungefähr gleich verteilt in Deutschland</a:t>
+            </a:r>
+          </a:p>
+          <a:p>
             <a:endParaRPr lang="de-DE" dirty="0"/>
           </a:p>
         </p:txBody>
@@ -9145,126 +10862,12 @@
           </a:fontRef>
         </p:style>
       </p:sp>
-      <p:sp>
-        <p:nvSpPr>
-          <p:cNvPr id="4" name="Textfeld 3">
-            <a:extLst>
-              <a:ext uri="{FF2B5EF4-FFF2-40B4-BE49-F238E27FC236}">
-                <a16:creationId xmlns:a16="http://schemas.microsoft.com/office/drawing/2014/main" id="{F989DF4A-3305-497D-90EA-3BF36808430C}"/>
-              </a:ext>
-            </a:extLst>
-          </p:cNvPr>
-          <p:cNvSpPr txBox="1"/>
-          <p:nvPr/>
-        </p:nvSpPr>
-        <p:spPr>
-          <a:xfrm>
-            <a:off x="142504" y="3444083"/>
-            <a:ext cx="5880100" cy="3693319"/>
-          </a:xfrm>
-          <a:prstGeom prst="rect">
-            <a:avLst/>
-          </a:prstGeom>
-          <a:noFill/>
-        </p:spPr>
-        <p:txBody>
-          <a:bodyPr wrap="square" rtlCol="0">
-            <a:spAutoFit/>
-          </a:bodyPr>
-          <a:lstStyle/>
-          <a:p>
-            <a:pPr marL="285750" indent="-285750" defTabSz="914400">
-              <a:buClr>
-                <a:schemeClr val="accent1"/>
-              </a:buClr>
-              <a:buFont typeface="Arial" panose="020B0604020202020204" pitchFamily="34" charset="0"/>
-              <a:buChar char="•"/>
-            </a:pPr>
-            <a:r>
-              <a:rPr lang="de-DE" spc="10" dirty="0"/>
-              <a:t>Fakten:</a:t>
-            </a:r>
-          </a:p>
-          <a:p>
-            <a:pPr marL="800100" lvl="1" indent="-342900" defTabSz="914400">
-              <a:buClr>
-                <a:schemeClr val="accent1"/>
-              </a:buClr>
-              <a:buFont typeface="+mj-lt"/>
-              <a:buAutoNum type="arabicPeriod"/>
-            </a:pPr>
-            <a:r>
-              <a:rPr lang="de-DE" spc="10" dirty="0"/>
-              <a:t>Montag Morgen ist keine erhöhte Konzentration zu erkennen</a:t>
-            </a:r>
-          </a:p>
-          <a:p>
-            <a:pPr marL="800100" lvl="1" indent="-342900" defTabSz="914400">
-              <a:buClr>
-                <a:schemeClr val="accent1"/>
-              </a:buClr>
-              <a:buFont typeface="+mj-lt"/>
-              <a:buAutoNum type="arabicPeriod"/>
-            </a:pPr>
-            <a:r>
-              <a:rPr lang="de-DE" spc="10" dirty="0"/>
-              <a:t>These 2 ist bestätig. Es lassen sich Rushhour-Peaks erkennen.</a:t>
-            </a:r>
-          </a:p>
-          <a:p>
-            <a:pPr marL="800100" lvl="1" indent="-342900" defTabSz="914400">
-              <a:buClr>
-                <a:schemeClr val="accent1"/>
-              </a:buClr>
-              <a:buFont typeface="+mj-lt"/>
-              <a:buAutoNum type="arabicPeriod"/>
-            </a:pPr>
-            <a:r>
-              <a:rPr lang="de-DE" spc="10" dirty="0"/>
-              <a:t>These 3 ist bestätigt. Erhöhte NO2 Konzentration an Traffic Stationen ist gegeben</a:t>
-            </a:r>
-          </a:p>
-          <a:p>
-            <a:pPr marL="800100" lvl="1" indent="-342900" defTabSz="914400">
-              <a:buClr>
-                <a:schemeClr val="accent1"/>
-              </a:buClr>
-              <a:buFont typeface="+mj-lt"/>
-              <a:buAutoNum type="arabicPeriod"/>
-            </a:pPr>
-            <a:r>
-              <a:rPr lang="de-DE" spc="10" dirty="0"/>
-              <a:t>Freitag Abend eine auffällige Erhöhung der Messwerte </a:t>
-            </a:r>
-          </a:p>
-          <a:p>
-            <a:pPr marL="800100" lvl="1" indent="-342900" defTabSz="914400">
-              <a:buClr>
-                <a:schemeClr val="accent1"/>
-              </a:buClr>
-              <a:buFont typeface="+mj-lt"/>
-              <a:buAutoNum type="arabicPeriod"/>
-            </a:pPr>
-            <a:r>
-              <a:rPr lang="de-DE" spc="10" dirty="0"/>
-              <a:t>Von Montag bis Freitag steigen die Messwerte in den Abendstunden</a:t>
-            </a:r>
-          </a:p>
-          <a:p>
-            <a:pPr marL="285750" indent="-285750">
-              <a:buFont typeface="Arial" panose="020B0604020202020204" pitchFamily="34" charset="0"/>
-              <a:buChar char="•"/>
-            </a:pPr>
-            <a:endParaRPr lang="de-DE" dirty="0"/>
-          </a:p>
-        </p:txBody>
-      </p:sp>
       <p:pic>
         <p:nvPicPr>
-          <p:cNvPr id="5" name="Grafik 4">
-            <a:extLst>
-              <a:ext uri="{FF2B5EF4-FFF2-40B4-BE49-F238E27FC236}">
-                <a16:creationId xmlns:a16="http://schemas.microsoft.com/office/drawing/2014/main" id="{611EE8FB-8F39-4542-BBB5-C545C4F3F16F}"/>
+          <p:cNvPr id="4" name="Grafik 3">
+            <a:extLst>
+              <a:ext uri="{FF2B5EF4-FFF2-40B4-BE49-F238E27FC236}">
+                <a16:creationId xmlns:a16="http://schemas.microsoft.com/office/drawing/2014/main" id="{A6D02D33-23B3-4D27-85FD-087B98F271E2}"/>
               </a:ext>
             </a:extLst>
           </p:cNvPr>
@@ -9281,8 +10884,38 @@
         </p:blipFill>
         <p:spPr>
           <a:xfrm>
-            <a:off x="6656120" y="4305855"/>
-            <a:ext cx="4487740" cy="1969774"/>
+            <a:off x="9006619" y="1297641"/>
+            <a:ext cx="2183217" cy="2131359"/>
+          </a:xfrm>
+          <a:prstGeom prst="rect">
+            <a:avLst/>
+          </a:prstGeom>
+        </p:spPr>
+      </p:pic>
+      <p:pic>
+        <p:nvPicPr>
+          <p:cNvPr id="5" name="Grafik 4">
+            <a:extLst>
+              <a:ext uri="{FF2B5EF4-FFF2-40B4-BE49-F238E27FC236}">
+                <a16:creationId xmlns:a16="http://schemas.microsoft.com/office/drawing/2014/main" id="{8216B71A-6310-40B3-A7DF-0418645A2986}"/>
+              </a:ext>
+            </a:extLst>
+          </p:cNvPr>
+          <p:cNvPicPr>
+            <a:picLocks noChangeAspect="1"/>
+          </p:cNvPicPr>
+          <p:nvPr/>
+        </p:nvPicPr>
+        <p:blipFill>
+          <a:blip r:embed="rId3"/>
+          <a:stretch>
+            <a:fillRect/>
+          </a:stretch>
+        </p:blipFill>
+        <p:spPr>
+          <a:xfrm>
+            <a:off x="1451058" y="3631013"/>
+            <a:ext cx="2448267" cy="2772162"/>
           </a:xfrm>
           <a:prstGeom prst="rect">
             <a:avLst/>
@@ -9292,7 +10925,227 @@
     </p:spTree>
     <p:extLst>
       <p:ext uri="{BB962C8B-B14F-4D97-AF65-F5344CB8AC3E}">
-        <p14:creationId xmlns:p14="http://schemas.microsoft.com/office/powerpoint/2010/main" val="2623306327"/>
+        <p14:creationId xmlns:p14="http://schemas.microsoft.com/office/powerpoint/2010/main" val="3701406194"/>
+      </p:ext>
+    </p:extLst>
+  </p:cSld>
+  <p:clrMapOvr>
+    <a:overrideClrMapping bg1="dk1" tx1="lt1" bg2="dk2" tx2="lt2" accent1="accent1" accent2="accent2" accent3="accent3" accent4="accent4" accent5="accent5" accent6="accent6" hlink="hlink" folHlink="folHlink"/>
+  </p:clrMapOvr>
+</p:sld>
+</file>
+
+<file path=ppt/slides/slide9.xml><?xml version="1.0" encoding="utf-8"?>
+<p:sld xmlns:a="http://schemas.openxmlformats.org/drawingml/2006/main" xmlns:r="http://schemas.openxmlformats.org/officeDocument/2006/relationships" xmlns:p="http://schemas.openxmlformats.org/presentationml/2006/main" showMasterSp="0">
+  <p:cSld>
+    <p:spTree>
+      <p:nvGrpSpPr>
+        <p:cNvPr id="1" name=""/>
+        <p:cNvGrpSpPr/>
+        <p:nvPr/>
+      </p:nvGrpSpPr>
+      <p:grpSpPr>
+        <a:xfrm>
+          <a:off x="0" y="0"/>
+          <a:ext cx="0" cy="0"/>
+          <a:chOff x="0" y="0"/>
+          <a:chExt cx="0" cy="0"/>
+        </a:xfrm>
+      </p:grpSpPr>
+      <p:sp useBgFill="1">
+        <p:nvSpPr>
+          <p:cNvPr id="8" name="Rectangle 7">
+            <a:extLst>
+              <a:ext uri="{FF2B5EF4-FFF2-40B4-BE49-F238E27FC236}">
+                <a16:creationId xmlns:a16="http://schemas.microsoft.com/office/drawing/2014/main" id="{5DB0431E-0B04-44A1-9C51-531E28D18A60}"/>
+              </a:ext>
+              <a:ext uri="{C183D7F6-B498-43B3-948B-1728B52AA6E4}">
+                <adec:decorative xmlns:adec="http://schemas.microsoft.com/office/drawing/2017/decorative" val="1"/>
+              </a:ext>
+            </a:extLst>
+          </p:cNvPr>
+          <p:cNvSpPr>
+            <a:spLocks noGrp="1" noRot="1" noChangeAspect="1" noMove="1" noResize="1" noEditPoints="1" noAdjustHandles="1" noChangeArrowheads="1" noChangeShapeType="1" noTextEdit="1"/>
+          </p:cNvSpPr>
+          <p:nvPr>
+            <p:extLst>
+              <p:ext uri="{386F3935-93C4-4BCD-93E2-E3B085C9AB24}">
+                <p16:designElem xmlns:p16="http://schemas.microsoft.com/office/powerpoint/2015/main" val="1"/>
+              </p:ext>
+            </p:extLst>
+          </p:nvPr>
+        </p:nvSpPr>
+        <p:spPr>
+          <a:xfrm>
+            <a:off x="0" y="0"/>
+            <a:ext cx="12192000" cy="6858000"/>
+          </a:xfrm>
+          <a:prstGeom prst="rect">
+            <a:avLst/>
+          </a:prstGeom>
+          <a:ln>
+            <a:noFill/>
+          </a:ln>
+        </p:spPr>
+        <p:style>
+          <a:lnRef idx="2">
+            <a:schemeClr val="accent1">
+              <a:shade val="50000"/>
+            </a:schemeClr>
+          </a:lnRef>
+          <a:fillRef idx="1">
+            <a:schemeClr val="accent1"/>
+          </a:fillRef>
+          <a:effectRef idx="0">
+            <a:schemeClr val="accent1"/>
+          </a:effectRef>
+          <a:fontRef idx="minor">
+            <a:schemeClr val="lt1"/>
+          </a:fontRef>
+        </p:style>
+        <p:txBody>
+          <a:bodyPr rtlCol="0" anchor="ctr"/>
+          <a:lstStyle/>
+          <a:p>
+            <a:pPr algn="ctr"/>
+            <a:endParaRPr lang="en-US"/>
+          </a:p>
+        </p:txBody>
+      </p:sp>
+      <p:sp>
+        <p:nvSpPr>
+          <p:cNvPr id="2" name="Titel 1">
+            <a:extLst>
+              <a:ext uri="{FF2B5EF4-FFF2-40B4-BE49-F238E27FC236}">
+                <a16:creationId xmlns:a16="http://schemas.microsoft.com/office/drawing/2014/main" id="{C3436BE3-3B86-42A3-8A05-1FECC58216CA}"/>
+              </a:ext>
+            </a:extLst>
+          </p:cNvPr>
+          <p:cNvSpPr>
+            <a:spLocks noGrp="1"/>
+          </p:cNvSpPr>
+          <p:nvPr>
+            <p:ph type="title"/>
+          </p:nvPr>
+        </p:nvSpPr>
+        <p:spPr>
+          <a:xfrm>
+            <a:off x="1261872" y="365760"/>
+            <a:ext cx="9692640" cy="1325562"/>
+          </a:xfrm>
+        </p:spPr>
+        <p:txBody>
+          <a:bodyPr>
+            <a:normAutofit/>
+          </a:bodyPr>
+          <a:lstStyle/>
+          <a:p>
+            <a:r>
+              <a:rPr lang="de-DE" dirty="0"/>
+              <a:t>Aufgabe 2</a:t>
+            </a:r>
+          </a:p>
+        </p:txBody>
+      </p:sp>
+      <p:sp>
+        <p:nvSpPr>
+          <p:cNvPr id="3" name="Inhaltsplatzhalter 2">
+            <a:extLst>
+              <a:ext uri="{FF2B5EF4-FFF2-40B4-BE49-F238E27FC236}">
+                <a16:creationId xmlns:a16="http://schemas.microsoft.com/office/drawing/2014/main" id="{F0AA21B6-6F5C-4858-8F83-CF13C957ACE1}"/>
+              </a:ext>
+            </a:extLst>
+          </p:cNvPr>
+          <p:cNvSpPr>
+            <a:spLocks noGrp="1"/>
+          </p:cNvSpPr>
+          <p:nvPr>
+            <p:ph idx="1"/>
+          </p:nvPr>
+        </p:nvSpPr>
+        <p:spPr>
+          <a:xfrm>
+            <a:off x="1261872" y="1828800"/>
+            <a:ext cx="8595360" cy="4351337"/>
+          </a:xfrm>
+        </p:spPr>
+        <p:txBody>
+          <a:bodyPr>
+            <a:normAutofit/>
+          </a:bodyPr>
+          <a:lstStyle/>
+          <a:p>
+            <a:r>
+              <a:rPr lang="de-DE" dirty="0"/>
+              <a:t>Nur 45 der 53 bayrischen Stationen erfüllen die Anforderungen aus Aufgabe 2</a:t>
+            </a:r>
+          </a:p>
+          <a:p>
+            <a:endParaRPr lang="de-DE" dirty="0"/>
+          </a:p>
+        </p:txBody>
+      </p:sp>
+      <p:sp>
+        <p:nvSpPr>
+          <p:cNvPr id="10" name="Rectangle 9">
+            <a:extLst>
+              <a:ext uri="{FF2B5EF4-FFF2-40B4-BE49-F238E27FC236}">
+                <a16:creationId xmlns:a16="http://schemas.microsoft.com/office/drawing/2014/main" id="{6B424749-EEE0-49C9-9ABF-97B171A3EA00}"/>
+              </a:ext>
+              <a:ext uri="{C183D7F6-B498-43B3-948B-1728B52AA6E4}">
+                <adec:decorative xmlns:adec="http://schemas.microsoft.com/office/drawing/2017/decorative" val="1"/>
+              </a:ext>
+            </a:extLst>
+          </p:cNvPr>
+          <p:cNvSpPr>
+            <a:spLocks noGrp="1" noRot="1" noChangeAspect="1" noMove="1" noResize="1" noEditPoints="1" noAdjustHandles="1" noChangeArrowheads="1" noChangeShapeType="1" noTextEdit="1"/>
+          </p:cNvSpPr>
+          <p:nvPr>
+            <p:extLst>
+              <p:ext uri="{386F3935-93C4-4BCD-93E2-E3B085C9AB24}">
+                <p16:designElem xmlns:p16="http://schemas.microsoft.com/office/powerpoint/2015/main" val="1"/>
+              </p:ext>
+            </p:extLst>
+          </p:nvPr>
+        </p:nvSpPr>
+        <p:spPr>
+          <a:xfrm>
+            <a:off x="11277600" y="0"/>
+            <a:ext cx="914400" cy="6858000"/>
+          </a:xfrm>
+          <a:prstGeom prst="rect">
+            <a:avLst/>
+          </a:prstGeom>
+          <a:solidFill>
+            <a:schemeClr val="tx2">
+              <a:lumMod val="75000"/>
+            </a:schemeClr>
+          </a:solidFill>
+          <a:ln>
+            <a:noFill/>
+          </a:ln>
+        </p:spPr>
+        <p:style>
+          <a:lnRef idx="2">
+            <a:schemeClr val="accent1">
+              <a:shade val="50000"/>
+            </a:schemeClr>
+          </a:lnRef>
+          <a:fillRef idx="1">
+            <a:schemeClr val="accent1"/>
+          </a:fillRef>
+          <a:effectRef idx="0">
+            <a:schemeClr val="accent1"/>
+          </a:effectRef>
+          <a:fontRef idx="minor">
+            <a:schemeClr val="lt1"/>
+          </a:fontRef>
+        </p:style>
+      </p:sp>
+    </p:spTree>
+    <p:extLst>
+      <p:ext uri="{BB962C8B-B14F-4D97-AF65-F5344CB8AC3E}">
+        <p14:creationId xmlns:p14="http://schemas.microsoft.com/office/powerpoint/2010/main" val="964927136"/>
       </p:ext>
     </p:extLst>
   </p:cSld>
